--- a/report/Project Report.pptx
+++ b/report/Project Report.pptx
@@ -6428,7 +6428,7 @@
         <p:spPr/>
         <p:txBody>
           <a:bodyPr>
-            <a:normAutofit/>
+            <a:normAutofit lnSpcReduction="10000"/>
           </a:bodyPr>
           <a:lstStyle/>
           <a:p>
@@ -8045,11 +8045,15 @@
               <a:rPr lang="en-US" sz="2400" cap="none" dirty="0" smtClean="0">
                 <a:hlinkClick r:id="rId2" action="ppaction://hlinkfile"/>
               </a:rPr>
-              <a:t>Refer </a:t>
+              <a:t>Refer</a:t>
             </a:r>
             <a:r>
               <a:rPr lang="en-US" sz="2400" cap="none" dirty="0" smtClean="0"/>
-              <a:t>to UML class diagram for more details</a:t>
+              <a:t> to </a:t>
+            </a:r>
+            <a:r>
+              <a:rPr lang="en-US" sz="2400" cap="none" dirty="0" smtClean="0"/>
+              <a:t>UML class diagram for more details</a:t>
             </a:r>
             <a:endParaRPr lang="vi-VN" sz="2400" cap="none" dirty="0"/>
           </a:p>
@@ -8121,7 +8125,11 @@
           <a:p>
             <a:r>
               <a:rPr lang="en-US" dirty="0" smtClean="0"/>
-              <a:t>Group member</a:t>
+              <a:t>Group </a:t>
+            </a:r>
+            <a:r>
+              <a:rPr lang="en-US" dirty="0" smtClean="0"/>
+              <a:t>members</a:t>
             </a:r>
             <a:endParaRPr lang="en-US" dirty="0"/>
           </a:p>
@@ -8136,7 +8144,7 @@
         <p:spPr>
           <a:xfrm>
             <a:off x="4387708" y="2884867"/>
-            <a:ext cx="3713103" cy="3108543"/>
+            <a:ext cx="3713103" cy="1384995"/>
           </a:xfrm>
           <a:prstGeom prst="rect">
             <a:avLst/>
@@ -8154,44 +8162,12 @@
               <a:buChar char="•"/>
             </a:pPr>
             <a:r>
-              <a:rPr lang="en-US" sz="2800" dirty="0" err="1">
+              <a:rPr lang="vi-VN" sz="2800" dirty="0" smtClean="0">
                 <a:latin typeface="Times New Roman" panose="02020603050405020304" pitchFamily="18" charset="0"/>
                 <a:cs typeface="Times New Roman" panose="02020603050405020304" pitchFamily="18" charset="0"/>
               </a:rPr>
-              <a:t>Hoàng</a:t>
-            </a:r>
-            <a:r>
-              <a:rPr lang="en-US" sz="2800" dirty="0">
-                <a:latin typeface="Times New Roman" panose="02020603050405020304" pitchFamily="18" charset="0"/>
-                <a:cs typeface="Times New Roman" panose="02020603050405020304" pitchFamily="18" charset="0"/>
-              </a:rPr>
-              <a:t> </a:t>
-            </a:r>
-            <a:r>
-              <a:rPr lang="en-US" sz="2800" dirty="0" err="1">
-                <a:latin typeface="Times New Roman" panose="02020603050405020304" pitchFamily="18" charset="0"/>
-                <a:cs typeface="Times New Roman" panose="02020603050405020304" pitchFamily="18" charset="0"/>
-              </a:rPr>
-              <a:t>Thị</a:t>
-            </a:r>
-            <a:r>
-              <a:rPr lang="en-US" sz="2800" dirty="0">
-                <a:latin typeface="Times New Roman" panose="02020603050405020304" pitchFamily="18" charset="0"/>
-                <a:cs typeface="Times New Roman" panose="02020603050405020304" pitchFamily="18" charset="0"/>
-              </a:rPr>
-              <a:t> </a:t>
-            </a:r>
-            <a:r>
-              <a:rPr lang="en-US" sz="2800" dirty="0" err="1">
-                <a:latin typeface="Times New Roman" panose="02020603050405020304" pitchFamily="18" charset="0"/>
-                <a:cs typeface="Times New Roman" panose="02020603050405020304" pitchFamily="18" charset="0"/>
-              </a:rPr>
-              <a:t>Nhung</a:t>
-            </a:r>
-            <a:endParaRPr lang="en-US" sz="2800" dirty="0">
-              <a:latin typeface="Times New Roman" panose="02020603050405020304" pitchFamily="18" charset="0"/>
-              <a:cs typeface="Times New Roman" panose="02020603050405020304" pitchFamily="18" charset="0"/>
-            </a:endParaRPr>
+              <a:t>Hoàng Thị Nhung</a:t>
+            </a:r>
           </a:p>
           <a:p>
             <a:pPr marL="285750" indent="-285750">
@@ -8199,18 +8175,11 @@
               <a:buChar char="•"/>
             </a:pPr>
             <a:r>
-              <a:rPr lang="en-US" sz="2800" dirty="0" err="1" smtClean="0">
+              <a:rPr lang="vi-VN" sz="2800" dirty="0" smtClean="0">
                 <a:latin typeface="Times New Roman" panose="02020603050405020304" pitchFamily="18" charset="0"/>
                 <a:cs typeface="Times New Roman" panose="02020603050405020304" pitchFamily="18" charset="0"/>
               </a:rPr>
-              <a:t>Nguyễn</a:t>
-            </a:r>
-            <a:r>
-              <a:rPr lang="en-US" sz="2800" dirty="0" smtClean="0">
-                <a:latin typeface="Times New Roman" panose="02020603050405020304" pitchFamily="18" charset="0"/>
-                <a:cs typeface="Times New Roman" panose="02020603050405020304" pitchFamily="18" charset="0"/>
-              </a:rPr>
-              <a:t> Xuân Nam</a:t>
+              <a:t>Nguyễn Xuân Nam</a:t>
             </a:r>
           </a:p>
           <a:p>
@@ -8219,84 +8188,12 @@
               <a:buChar char="•"/>
             </a:pPr>
             <a:r>
-              <a:rPr lang="en-US" sz="2800" dirty="0" err="1" smtClean="0">
+              <a:rPr lang="vi-VN" sz="2800" dirty="0" smtClean="0">
                 <a:latin typeface="Times New Roman" panose="02020603050405020304" pitchFamily="18" charset="0"/>
                 <a:cs typeface="Times New Roman" panose="02020603050405020304" pitchFamily="18" charset="0"/>
               </a:rPr>
-              <a:t>Phùng</a:t>
-            </a:r>
-            <a:r>
-              <a:rPr lang="en-US" sz="2800" dirty="0" smtClean="0">
-                <a:latin typeface="Times New Roman" panose="02020603050405020304" pitchFamily="18" charset="0"/>
-                <a:cs typeface="Times New Roman" panose="02020603050405020304" pitchFamily="18" charset="0"/>
-              </a:rPr>
-              <a:t> </a:t>
-            </a:r>
-            <a:r>
-              <a:rPr lang="en-US" sz="2800" dirty="0" err="1" smtClean="0">
-                <a:latin typeface="Times New Roman" panose="02020603050405020304" pitchFamily="18" charset="0"/>
-                <a:cs typeface="Times New Roman" panose="02020603050405020304" pitchFamily="18" charset="0"/>
-              </a:rPr>
-              <a:t>Nguyên</a:t>
-            </a:r>
-            <a:r>
-              <a:rPr lang="en-US" sz="2800" dirty="0" smtClean="0">
-                <a:latin typeface="Times New Roman" panose="02020603050405020304" pitchFamily="18" charset="0"/>
-                <a:cs typeface="Times New Roman" panose="02020603050405020304" pitchFamily="18" charset="0"/>
-              </a:rPr>
-              <a:t> </a:t>
-            </a:r>
-            <a:r>
-              <a:rPr lang="en-US" sz="2800" dirty="0" err="1" smtClean="0">
-                <a:latin typeface="Times New Roman" panose="02020603050405020304" pitchFamily="18" charset="0"/>
-                <a:cs typeface="Times New Roman" panose="02020603050405020304" pitchFamily="18" charset="0"/>
-              </a:rPr>
-              <a:t>Ngọc</a:t>
-            </a:r>
-            <a:endParaRPr lang="en-US" sz="2800" dirty="0" smtClean="0">
-              <a:latin typeface="Times New Roman" panose="02020603050405020304" pitchFamily="18" charset="0"/>
-              <a:cs typeface="Times New Roman" panose="02020603050405020304" pitchFamily="18" charset="0"/>
-            </a:endParaRPr>
-          </a:p>
-          <a:p>
-            <a:pPr marL="285750" indent="-285750">
-              <a:buFont typeface="Arial" panose="020B0604020202020204" pitchFamily="34" charset="0"/>
-              <a:buChar char="•"/>
-            </a:pPr>
-            <a:endParaRPr lang="en-US" sz="2800" dirty="0">
-              <a:latin typeface="Times New Roman" panose="02020603050405020304" pitchFamily="18" charset="0"/>
-              <a:cs typeface="Times New Roman" panose="02020603050405020304" pitchFamily="18" charset="0"/>
-            </a:endParaRPr>
-          </a:p>
-          <a:p>
-            <a:pPr marL="285750" indent="-285750">
-              <a:buFont typeface="Arial" panose="020B0604020202020204" pitchFamily="34" charset="0"/>
-              <a:buChar char="•"/>
-            </a:pPr>
-            <a:endParaRPr lang="en-US" sz="2800" dirty="0" smtClean="0">
-              <a:latin typeface="Times New Roman" panose="02020603050405020304" pitchFamily="18" charset="0"/>
-              <a:cs typeface="Times New Roman" panose="02020603050405020304" pitchFamily="18" charset="0"/>
-            </a:endParaRPr>
-          </a:p>
-          <a:p>
-            <a:pPr marL="285750" indent="-285750">
-              <a:buFont typeface="Arial" panose="020B0604020202020204" pitchFamily="34" charset="0"/>
-              <a:buChar char="•"/>
-            </a:pPr>
-            <a:endParaRPr lang="en-US" sz="2800" dirty="0">
-              <a:latin typeface="Times New Roman" panose="02020603050405020304" pitchFamily="18" charset="0"/>
-              <a:cs typeface="Times New Roman" panose="02020603050405020304" pitchFamily="18" charset="0"/>
-            </a:endParaRPr>
-          </a:p>
-          <a:p>
-            <a:pPr marL="285750" indent="-285750">
-              <a:buFont typeface="Arial" panose="020B0604020202020204" pitchFamily="34" charset="0"/>
-              <a:buChar char="•"/>
-            </a:pPr>
-            <a:endParaRPr lang="en-US" sz="2800" dirty="0" smtClean="0">
-              <a:latin typeface="Times New Roman" panose="02020603050405020304" pitchFamily="18" charset="0"/>
-              <a:cs typeface="Times New Roman" panose="02020603050405020304" pitchFamily="18" charset="0"/>
-            </a:endParaRPr>
+              <a:t>Phùng Nguyên Ngọc</a:t>
+            </a:r>
           </a:p>
         </p:txBody>
       </p:sp>
@@ -8322,6 +8219,13 @@
       </p:transition>
     </mc:Fallback>
   </mc:AlternateContent>
+  <p:timing>
+    <p:tnLst>
+      <p:par>
+        <p:cTn id="1" dur="indefinite" restart="never" nodeType="tmRoot"/>
+      </p:par>
+    </p:tnLst>
+  </p:timing>
 </p:sld>
 </file>
 
@@ -8393,7 +8297,6 @@
               <a:rPr lang="en-US" sz="2400" cap="none" dirty="0" smtClean="0"/>
               <a:t>Ideas</a:t>
             </a:r>
-            <a:endParaRPr lang="en-US" sz="2400" cap="none" dirty="0" smtClean="0"/>
           </a:p>
           <a:p>
             <a:pPr lvl="1"/>
@@ -9171,8 +9074,8 @@
         </p:nvSpPr>
         <p:spPr>
           <a:xfrm>
-            <a:off x="3567448" y="4713101"/>
-            <a:ext cx="5332614" cy="461665"/>
+            <a:off x="2919451" y="5466136"/>
+            <a:ext cx="6880917" cy="461665"/>
           </a:xfrm>
           <a:prstGeom prst="rect">
             <a:avLst/>
@@ -9180,7 +9083,7 @@
           <a:noFill/>
         </p:spPr>
         <p:txBody>
-          <a:bodyPr wrap="none" rtlCol="0">
+          <a:bodyPr wrap="square" rtlCol="0">
             <a:spAutoFit/>
           </a:bodyPr>
           <a:lstStyle/>
@@ -9217,7 +9120,7 @@
         </p:blipFill>
         <p:spPr>
           <a:xfrm>
-            <a:off x="2515822" y="1610259"/>
+            <a:off x="2515819" y="1999497"/>
             <a:ext cx="7688179" cy="2934136"/>
           </a:xfrm>
           <a:prstGeom prst="rect">
@@ -9286,8 +9189,8 @@
         </p:nvSpPr>
         <p:spPr>
           <a:xfrm>
-            <a:off x="855716" y="-421569"/>
-            <a:ext cx="10364451" cy="1596177"/>
+            <a:off x="685164" y="34911"/>
+            <a:ext cx="10364451" cy="795855"/>
           </a:xfrm>
         </p:spPr>
         <p:txBody>
@@ -9310,8 +9213,8 @@
         </p:nvSpPr>
         <p:spPr>
           <a:xfrm>
-            <a:off x="401373" y="882220"/>
-            <a:ext cx="3993401" cy="461665"/>
+            <a:off x="685164" y="918048"/>
+            <a:ext cx="5509842" cy="461665"/>
           </a:xfrm>
           <a:prstGeom prst="rect">
             <a:avLst/>
@@ -9325,18 +9228,16 @@
           <a:lstStyle/>
           <a:p>
             <a:r>
-              <a:rPr lang="en-US" sz="2400" dirty="0" smtClean="0"/>
-              <a:t>Click </a:t>
-            </a:r>
-            <a:r>
               <a:rPr lang="en-US" sz="2400" dirty="0" smtClean="0">
                 <a:hlinkClick r:id="rId2" action="ppaction://hlinkfile"/>
               </a:rPr>
-              <a:t>here </a:t>
-            </a:r>
-            <a:r>
-              <a:rPr lang="en-US" sz="2400" dirty="0" smtClean="0"/>
-              <a:t>for more information</a:t>
+              <a:t>Click </a:t>
+            </a:r>
+            <a:r>
+              <a:rPr lang="en-US" sz="2400" dirty="0" smtClean="0">
+                <a:hlinkClick r:id="rId2" action="ppaction://hlinkfile"/>
+              </a:rPr>
+              <a:t>here for print-friendly version</a:t>
             </a:r>
             <a:endParaRPr lang="en-US" sz="2400" dirty="0"/>
           </a:p>

--- a/report/Project Report.pptx
+++ b/report/Project Report.pptx
@@ -4,23 +4,46 @@
   <p:sldMasterIdLst>
     <p:sldMasterId id="2147483648" r:id="rId1"/>
   </p:sldMasterIdLst>
+  <p:notesMasterIdLst>
+    <p:notesMasterId r:id="rId38"/>
+  </p:notesMasterIdLst>
   <p:sldIdLst>
     <p:sldId id="256" r:id="rId2"/>
     <p:sldId id="273" r:id="rId3"/>
     <p:sldId id="258" r:id="rId4"/>
     <p:sldId id="259" r:id="rId5"/>
-    <p:sldId id="268" r:id="rId6"/>
-    <p:sldId id="269" r:id="rId7"/>
-    <p:sldId id="270" r:id="rId8"/>
-    <p:sldId id="271" r:id="rId9"/>
-    <p:sldId id="272" r:id="rId10"/>
-    <p:sldId id="260" r:id="rId11"/>
-    <p:sldId id="261" r:id="rId12"/>
-    <p:sldId id="267" r:id="rId13"/>
-    <p:sldId id="266" r:id="rId14"/>
-    <p:sldId id="263" r:id="rId15"/>
-    <p:sldId id="264" r:id="rId16"/>
-    <p:sldId id="265" r:id="rId17"/>
+    <p:sldId id="294" r:id="rId6"/>
+    <p:sldId id="268" r:id="rId7"/>
+    <p:sldId id="269" r:id="rId8"/>
+    <p:sldId id="270" r:id="rId9"/>
+    <p:sldId id="271" r:id="rId10"/>
+    <p:sldId id="272" r:id="rId11"/>
+    <p:sldId id="289" r:id="rId12"/>
+    <p:sldId id="260" r:id="rId13"/>
+    <p:sldId id="261" r:id="rId14"/>
+    <p:sldId id="267" r:id="rId15"/>
+    <p:sldId id="266" r:id="rId16"/>
+    <p:sldId id="279" r:id="rId17"/>
+    <p:sldId id="280" r:id="rId18"/>
+    <p:sldId id="281" r:id="rId19"/>
+    <p:sldId id="278" r:id="rId20"/>
+    <p:sldId id="290" r:id="rId21"/>
+    <p:sldId id="291" r:id="rId22"/>
+    <p:sldId id="295" r:id="rId23"/>
+    <p:sldId id="274" r:id="rId24"/>
+    <p:sldId id="275" r:id="rId25"/>
+    <p:sldId id="276" r:id="rId26"/>
+    <p:sldId id="277" r:id="rId27"/>
+    <p:sldId id="263" r:id="rId28"/>
+    <p:sldId id="282" r:id="rId29"/>
+    <p:sldId id="283" r:id="rId30"/>
+    <p:sldId id="284" r:id="rId31"/>
+    <p:sldId id="285" r:id="rId32"/>
+    <p:sldId id="287" r:id="rId33"/>
+    <p:sldId id="286" r:id="rId34"/>
+    <p:sldId id="264" r:id="rId35"/>
+    <p:sldId id="265" r:id="rId36"/>
+    <p:sldId id="288" r:id="rId37"/>
   </p:sldIdLst>
   <p:sldSz cx="12192000" cy="6858000"/>
   <p:notesSz cx="6858000" cy="9144000"/>
@@ -127,6 +150,440 @@
 </p:presentation>
 </file>
 
+<file path=ppt/notesMasters/notesMaster1.xml><?xml version="1.0" encoding="utf-8"?>
+<p:notesMaster xmlns:a="http://schemas.openxmlformats.org/drawingml/2006/main" xmlns:r="http://schemas.openxmlformats.org/officeDocument/2006/relationships" xmlns:p="http://schemas.openxmlformats.org/presentationml/2006/main">
+  <p:cSld>
+    <p:bg>
+      <p:bgRef idx="1001">
+        <a:schemeClr val="bg1"/>
+      </p:bgRef>
+    </p:bg>
+    <p:spTree>
+      <p:nvGrpSpPr>
+        <p:cNvPr id="1" name=""/>
+        <p:cNvGrpSpPr/>
+        <p:nvPr/>
+      </p:nvGrpSpPr>
+      <p:grpSpPr>
+        <a:xfrm>
+          <a:off x="0" y="0"/>
+          <a:ext cx="0" cy="0"/>
+          <a:chOff x="0" y="0"/>
+          <a:chExt cx="0" cy="0"/>
+        </a:xfrm>
+      </p:grpSpPr>
+      <p:sp>
+        <p:nvSpPr>
+          <p:cNvPr id="2" name="Header Placeholder 1"/>
+          <p:cNvSpPr>
+            <a:spLocks noGrp="1"/>
+          </p:cNvSpPr>
+          <p:nvPr>
+            <p:ph type="hdr" sz="quarter"/>
+          </p:nvPr>
+        </p:nvSpPr>
+        <p:spPr>
+          <a:xfrm>
+            <a:off x="0" y="0"/>
+            <a:ext cx="2971800" cy="458788"/>
+          </a:xfrm>
+          <a:prstGeom prst="rect">
+            <a:avLst/>
+          </a:prstGeom>
+        </p:spPr>
+        <p:txBody>
+          <a:bodyPr vert="horz" lIns="91440" tIns="45720" rIns="91440" bIns="45720" rtlCol="0"/>
+          <a:lstStyle>
+            <a:lvl1pPr algn="l">
+              <a:defRPr sz="1200"/>
+            </a:lvl1pPr>
+          </a:lstStyle>
+          <a:p>
+            <a:endParaRPr lang="en-US"/>
+          </a:p>
+        </p:txBody>
+      </p:sp>
+      <p:sp>
+        <p:nvSpPr>
+          <p:cNvPr id="3" name="Date Placeholder 2"/>
+          <p:cNvSpPr>
+            <a:spLocks noGrp="1"/>
+          </p:cNvSpPr>
+          <p:nvPr>
+            <p:ph type="dt" idx="1"/>
+          </p:nvPr>
+        </p:nvSpPr>
+        <p:spPr>
+          <a:xfrm>
+            <a:off x="3884613" y="0"/>
+            <a:ext cx="2971800" cy="458788"/>
+          </a:xfrm>
+          <a:prstGeom prst="rect">
+            <a:avLst/>
+          </a:prstGeom>
+        </p:spPr>
+        <p:txBody>
+          <a:bodyPr vert="horz" lIns="91440" tIns="45720" rIns="91440" bIns="45720" rtlCol="0"/>
+          <a:lstStyle>
+            <a:lvl1pPr algn="r">
+              <a:defRPr sz="1200"/>
+            </a:lvl1pPr>
+          </a:lstStyle>
+          <a:p>
+            <a:fld id="{93B8416E-1F96-49AC-8860-245EE5E82DE5}" type="datetimeFigureOut">
+              <a:rPr lang="en-US" smtClean="0"/>
+              <a:t>5/23/2014</a:t>
+            </a:fld>
+            <a:endParaRPr lang="en-US"/>
+          </a:p>
+        </p:txBody>
+      </p:sp>
+      <p:sp>
+        <p:nvSpPr>
+          <p:cNvPr id="4" name="Slide Image Placeholder 3"/>
+          <p:cNvSpPr>
+            <a:spLocks noGrp="1" noRot="1" noChangeAspect="1"/>
+          </p:cNvSpPr>
+          <p:nvPr>
+            <p:ph type="sldImg" idx="2"/>
+          </p:nvPr>
+        </p:nvSpPr>
+        <p:spPr>
+          <a:xfrm>
+            <a:off x="685800" y="1143000"/>
+            <a:ext cx="5486400" cy="3086100"/>
+          </a:xfrm>
+          <a:prstGeom prst="rect">
+            <a:avLst/>
+          </a:prstGeom>
+          <a:noFill/>
+          <a:ln w="12700">
+            <a:solidFill>
+              <a:prstClr val="black"/>
+            </a:solidFill>
+          </a:ln>
+        </p:spPr>
+        <p:txBody>
+          <a:bodyPr vert="horz" lIns="91440" tIns="45720" rIns="91440" bIns="45720" rtlCol="0" anchor="ctr"/>
+          <a:lstStyle/>
+          <a:p>
+            <a:endParaRPr lang="en-US"/>
+          </a:p>
+        </p:txBody>
+      </p:sp>
+      <p:sp>
+        <p:nvSpPr>
+          <p:cNvPr id="5" name="Notes Placeholder 4"/>
+          <p:cNvSpPr>
+            <a:spLocks noGrp="1"/>
+          </p:cNvSpPr>
+          <p:nvPr>
+            <p:ph type="body" sz="quarter" idx="3"/>
+          </p:nvPr>
+        </p:nvSpPr>
+        <p:spPr>
+          <a:xfrm>
+            <a:off x="685800" y="4400550"/>
+            <a:ext cx="5486400" cy="3600450"/>
+          </a:xfrm>
+          <a:prstGeom prst="rect">
+            <a:avLst/>
+          </a:prstGeom>
+        </p:spPr>
+        <p:txBody>
+          <a:bodyPr vert="horz" lIns="91440" tIns="45720" rIns="91440" bIns="45720" rtlCol="0"/>
+          <a:lstStyle/>
+          <a:p>
+            <a:pPr lvl="0"/>
+            <a:r>
+              <a:rPr lang="en-US" smtClean="0"/>
+              <a:t>Click to edit Master text styles</a:t>
+            </a:r>
+          </a:p>
+          <a:p>
+            <a:pPr lvl="1"/>
+            <a:r>
+              <a:rPr lang="en-US" smtClean="0"/>
+              <a:t>Second level</a:t>
+            </a:r>
+          </a:p>
+          <a:p>
+            <a:pPr lvl="2"/>
+            <a:r>
+              <a:rPr lang="en-US" smtClean="0"/>
+              <a:t>Third level</a:t>
+            </a:r>
+          </a:p>
+          <a:p>
+            <a:pPr lvl="3"/>
+            <a:r>
+              <a:rPr lang="en-US" smtClean="0"/>
+              <a:t>Fourth level</a:t>
+            </a:r>
+          </a:p>
+          <a:p>
+            <a:pPr lvl="4"/>
+            <a:r>
+              <a:rPr lang="en-US" smtClean="0"/>
+              <a:t>Fifth level</a:t>
+            </a:r>
+            <a:endParaRPr lang="en-US"/>
+          </a:p>
+        </p:txBody>
+      </p:sp>
+      <p:sp>
+        <p:nvSpPr>
+          <p:cNvPr id="6" name="Footer Placeholder 5"/>
+          <p:cNvSpPr>
+            <a:spLocks noGrp="1"/>
+          </p:cNvSpPr>
+          <p:nvPr>
+            <p:ph type="ftr" sz="quarter" idx="4"/>
+          </p:nvPr>
+        </p:nvSpPr>
+        <p:spPr>
+          <a:xfrm>
+            <a:off x="0" y="8685213"/>
+            <a:ext cx="2971800" cy="458787"/>
+          </a:xfrm>
+          <a:prstGeom prst="rect">
+            <a:avLst/>
+          </a:prstGeom>
+        </p:spPr>
+        <p:txBody>
+          <a:bodyPr vert="horz" lIns="91440" tIns="45720" rIns="91440" bIns="45720" rtlCol="0" anchor="b"/>
+          <a:lstStyle>
+            <a:lvl1pPr algn="l">
+              <a:defRPr sz="1200"/>
+            </a:lvl1pPr>
+          </a:lstStyle>
+          <a:p>
+            <a:endParaRPr lang="en-US"/>
+          </a:p>
+        </p:txBody>
+      </p:sp>
+      <p:sp>
+        <p:nvSpPr>
+          <p:cNvPr id="7" name="Slide Number Placeholder 6"/>
+          <p:cNvSpPr>
+            <a:spLocks noGrp="1"/>
+          </p:cNvSpPr>
+          <p:nvPr>
+            <p:ph type="sldNum" sz="quarter" idx="5"/>
+          </p:nvPr>
+        </p:nvSpPr>
+        <p:spPr>
+          <a:xfrm>
+            <a:off x="3884613" y="8685213"/>
+            <a:ext cx="2971800" cy="458787"/>
+          </a:xfrm>
+          <a:prstGeom prst="rect">
+            <a:avLst/>
+          </a:prstGeom>
+        </p:spPr>
+        <p:txBody>
+          <a:bodyPr vert="horz" lIns="91440" tIns="45720" rIns="91440" bIns="45720" rtlCol="0" anchor="b"/>
+          <a:lstStyle>
+            <a:lvl1pPr algn="r">
+              <a:defRPr sz="1200"/>
+            </a:lvl1pPr>
+          </a:lstStyle>
+          <a:p>
+            <a:fld id="{26DD67D9-3DC9-4D16-A072-4D0B6FA0C482}" type="slidenum">
+              <a:rPr lang="en-US" smtClean="0"/>
+              <a:t>‹#›</a:t>
+            </a:fld>
+            <a:endParaRPr lang="en-US"/>
+          </a:p>
+        </p:txBody>
+      </p:sp>
+    </p:spTree>
+    <p:extLst>
+      <p:ext uri="{BB962C8B-B14F-4D97-AF65-F5344CB8AC3E}">
+        <p14:creationId xmlns:p14="http://schemas.microsoft.com/office/powerpoint/2010/main" val="808183572"/>
+      </p:ext>
+    </p:extLst>
+  </p:cSld>
+  <p:clrMap bg1="lt1" tx1="dk1" bg2="lt2" tx2="dk2" accent1="accent1" accent2="accent2" accent3="accent3" accent4="accent4" accent5="accent5" accent6="accent6" hlink="hlink" folHlink="folHlink"/>
+  <p:notesStyle>
+    <a:lvl1pPr marL="0" algn="l" defTabSz="914400" rtl="0" eaLnBrk="1" latinLnBrk="0" hangingPunct="1">
+      <a:defRPr sz="1200" kern="1200">
+        <a:solidFill>
+          <a:schemeClr val="tx1"/>
+        </a:solidFill>
+        <a:latin typeface="+mn-lt"/>
+        <a:ea typeface="+mn-ea"/>
+        <a:cs typeface="+mn-cs"/>
+      </a:defRPr>
+    </a:lvl1pPr>
+    <a:lvl2pPr marL="457200" algn="l" defTabSz="914400" rtl="0" eaLnBrk="1" latinLnBrk="0" hangingPunct="1">
+      <a:defRPr sz="1200" kern="1200">
+        <a:solidFill>
+          <a:schemeClr val="tx1"/>
+        </a:solidFill>
+        <a:latin typeface="+mn-lt"/>
+        <a:ea typeface="+mn-ea"/>
+        <a:cs typeface="+mn-cs"/>
+      </a:defRPr>
+    </a:lvl2pPr>
+    <a:lvl3pPr marL="914400" algn="l" defTabSz="914400" rtl="0" eaLnBrk="1" latinLnBrk="0" hangingPunct="1">
+      <a:defRPr sz="1200" kern="1200">
+        <a:solidFill>
+          <a:schemeClr val="tx1"/>
+        </a:solidFill>
+        <a:latin typeface="+mn-lt"/>
+        <a:ea typeface="+mn-ea"/>
+        <a:cs typeface="+mn-cs"/>
+      </a:defRPr>
+    </a:lvl3pPr>
+    <a:lvl4pPr marL="1371600" algn="l" defTabSz="914400" rtl="0" eaLnBrk="1" latinLnBrk="0" hangingPunct="1">
+      <a:defRPr sz="1200" kern="1200">
+        <a:solidFill>
+          <a:schemeClr val="tx1"/>
+        </a:solidFill>
+        <a:latin typeface="+mn-lt"/>
+        <a:ea typeface="+mn-ea"/>
+        <a:cs typeface="+mn-cs"/>
+      </a:defRPr>
+    </a:lvl4pPr>
+    <a:lvl5pPr marL="1828800" algn="l" defTabSz="914400" rtl="0" eaLnBrk="1" latinLnBrk="0" hangingPunct="1">
+      <a:defRPr sz="1200" kern="1200">
+        <a:solidFill>
+          <a:schemeClr val="tx1"/>
+        </a:solidFill>
+        <a:latin typeface="+mn-lt"/>
+        <a:ea typeface="+mn-ea"/>
+        <a:cs typeface="+mn-cs"/>
+      </a:defRPr>
+    </a:lvl5pPr>
+    <a:lvl6pPr marL="2286000" algn="l" defTabSz="914400" rtl="0" eaLnBrk="1" latinLnBrk="0" hangingPunct="1">
+      <a:defRPr sz="1200" kern="1200">
+        <a:solidFill>
+          <a:schemeClr val="tx1"/>
+        </a:solidFill>
+        <a:latin typeface="+mn-lt"/>
+        <a:ea typeface="+mn-ea"/>
+        <a:cs typeface="+mn-cs"/>
+      </a:defRPr>
+    </a:lvl6pPr>
+    <a:lvl7pPr marL="2743200" algn="l" defTabSz="914400" rtl="0" eaLnBrk="1" latinLnBrk="0" hangingPunct="1">
+      <a:defRPr sz="1200" kern="1200">
+        <a:solidFill>
+          <a:schemeClr val="tx1"/>
+        </a:solidFill>
+        <a:latin typeface="+mn-lt"/>
+        <a:ea typeface="+mn-ea"/>
+        <a:cs typeface="+mn-cs"/>
+      </a:defRPr>
+    </a:lvl7pPr>
+    <a:lvl8pPr marL="3200400" algn="l" defTabSz="914400" rtl="0" eaLnBrk="1" latinLnBrk="0" hangingPunct="1">
+      <a:defRPr sz="1200" kern="1200">
+        <a:solidFill>
+          <a:schemeClr val="tx1"/>
+        </a:solidFill>
+        <a:latin typeface="+mn-lt"/>
+        <a:ea typeface="+mn-ea"/>
+        <a:cs typeface="+mn-cs"/>
+      </a:defRPr>
+    </a:lvl8pPr>
+    <a:lvl9pPr marL="3657600" algn="l" defTabSz="914400" rtl="0" eaLnBrk="1" latinLnBrk="0" hangingPunct="1">
+      <a:defRPr sz="1200" kern="1200">
+        <a:solidFill>
+          <a:schemeClr val="tx1"/>
+        </a:solidFill>
+        <a:latin typeface="+mn-lt"/>
+        <a:ea typeface="+mn-ea"/>
+        <a:cs typeface="+mn-cs"/>
+      </a:defRPr>
+    </a:lvl9pPr>
+  </p:notesStyle>
+</p:notesMaster>
+</file>
+
+<file path=ppt/notesSlides/notesSlide1.xml><?xml version="1.0" encoding="utf-8"?>
+<p:notes xmlns:a="http://schemas.openxmlformats.org/drawingml/2006/main" xmlns:r="http://schemas.openxmlformats.org/officeDocument/2006/relationships" xmlns:p="http://schemas.openxmlformats.org/presentationml/2006/main">
+  <p:cSld>
+    <p:spTree>
+      <p:nvGrpSpPr>
+        <p:cNvPr id="1" name=""/>
+        <p:cNvGrpSpPr/>
+        <p:nvPr/>
+      </p:nvGrpSpPr>
+      <p:grpSpPr>
+        <a:xfrm>
+          <a:off x="0" y="0"/>
+          <a:ext cx="0" cy="0"/>
+          <a:chOff x="0" y="0"/>
+          <a:chExt cx="0" cy="0"/>
+        </a:xfrm>
+      </p:grpSpPr>
+      <p:sp>
+        <p:nvSpPr>
+          <p:cNvPr id="2" name="Slide Image Placeholder 1"/>
+          <p:cNvSpPr>
+            <a:spLocks noGrp="1" noRot="1" noChangeAspect="1"/>
+          </p:cNvSpPr>
+          <p:nvPr>
+            <p:ph type="sldImg"/>
+          </p:nvPr>
+        </p:nvSpPr>
+        <p:spPr/>
+      </p:sp>
+      <p:sp>
+        <p:nvSpPr>
+          <p:cNvPr id="3" name="Notes Placeholder 2"/>
+          <p:cNvSpPr>
+            <a:spLocks noGrp="1"/>
+          </p:cNvSpPr>
+          <p:nvPr>
+            <p:ph type="body" idx="1"/>
+          </p:nvPr>
+        </p:nvSpPr>
+        <p:spPr/>
+        <p:txBody>
+          <a:bodyPr/>
+          <a:lstStyle/>
+          <a:p>
+            <a:endParaRPr lang="vi-VN" dirty="0"/>
+          </a:p>
+        </p:txBody>
+      </p:sp>
+      <p:sp>
+        <p:nvSpPr>
+          <p:cNvPr id="4" name="Slide Number Placeholder 3"/>
+          <p:cNvSpPr>
+            <a:spLocks noGrp="1"/>
+          </p:cNvSpPr>
+          <p:nvPr>
+            <p:ph type="sldNum" sz="quarter" idx="10"/>
+          </p:nvPr>
+        </p:nvSpPr>
+        <p:spPr/>
+        <p:txBody>
+          <a:bodyPr/>
+          <a:lstStyle/>
+          <a:p>
+            <a:fld id="{246AD7A5-0F7F-4573-8B56-CBF121223216}" type="slidenum">
+              <a:rPr lang="vi-VN" smtClean="0"/>
+              <a:t>5</a:t>
+            </a:fld>
+            <a:endParaRPr lang="vi-VN"/>
+          </a:p>
+        </p:txBody>
+      </p:sp>
+    </p:spTree>
+    <p:extLst>
+      <p:ext uri="{BB962C8B-B14F-4D97-AF65-F5344CB8AC3E}">
+        <p14:creationId xmlns:p14="http://schemas.microsoft.com/office/powerpoint/2010/main" val="2620903456"/>
+      </p:ext>
+    </p:extLst>
+  </p:cSld>
+  <p:clrMapOvr>
+    <a:masterClrMapping/>
+  </p:clrMapOvr>
+</p:notes>
+</file>
+
 <file path=ppt/slideLayouts/slideLayout1.xml><?xml version="1.0" encoding="utf-8"?>
 <p:sldLayout xmlns:a="http://schemas.openxmlformats.org/drawingml/2006/main" xmlns:r="http://schemas.openxmlformats.org/officeDocument/2006/relationships" xmlns:p="http://schemas.openxmlformats.org/presentationml/2006/main" type="title" preserve="1">
   <p:cSld name="Title Slide">
@@ -298,7 +755,7 @@
           <a:p>
             <a:fld id="{48A87A34-81AB-432B-8DAE-1953F412C126}" type="datetimeFigureOut">
               <a:rPr lang="en-US" dirty="0"/>
-              <a:t>5/21/2014</a:t>
+              <a:t>5/23/2014</a:t>
             </a:fld>
             <a:endParaRPr lang="en-US" dirty="0"/>
           </a:p>
@@ -620,7 +1077,7 @@
           <a:p>
             <a:fld id="{48A87A34-81AB-432B-8DAE-1953F412C126}" type="datetimeFigureOut">
               <a:rPr lang="en-US" dirty="0"/>
-              <a:t>5/21/2014</a:t>
+              <a:t>5/23/2014</a:t>
             </a:fld>
             <a:endParaRPr lang="en-US" dirty="0"/>
           </a:p>
@@ -849,7 +1306,7 @@
           <a:p>
             <a:fld id="{48A87A34-81AB-432B-8DAE-1953F412C126}" type="datetimeFigureOut">
               <a:rPr lang="en-US" dirty="0"/>
-              <a:t>5/21/2014</a:t>
+              <a:t>5/23/2014</a:t>
             </a:fld>
             <a:endParaRPr lang="en-US" dirty="0"/>
           </a:p>
@@ -1147,7 +1604,7 @@
           <a:p>
             <a:fld id="{48A87A34-81AB-432B-8DAE-1953F412C126}" type="datetimeFigureOut">
               <a:rPr lang="en-US" dirty="0"/>
-              <a:t>5/21/2014</a:t>
+              <a:t>5/23/2014</a:t>
             </a:fld>
             <a:endParaRPr lang="en-US" dirty="0"/>
           </a:p>
@@ -1608,7 +2065,7 @@
           <a:p>
             <a:fld id="{48A87A34-81AB-432B-8DAE-1953F412C126}" type="datetimeFigureOut">
               <a:rPr lang="en-US" dirty="0"/>
-              <a:t>5/21/2014</a:t>
+              <a:t>5/23/2014</a:t>
             </a:fld>
             <a:endParaRPr lang="en-US" dirty="0"/>
           </a:p>
@@ -2191,7 +2648,7 @@
           <a:p>
             <a:fld id="{48A87A34-81AB-432B-8DAE-1953F412C126}" type="datetimeFigureOut">
               <a:rPr lang="en-US" dirty="0"/>
-              <a:t>5/21/2014</a:t>
+              <a:t>5/23/2014</a:t>
             </a:fld>
             <a:endParaRPr lang="en-US" dirty="0"/>
           </a:p>
@@ -3059,7 +3516,7 @@
           <a:p>
             <a:fld id="{48A87A34-81AB-432B-8DAE-1953F412C126}" type="datetimeFigureOut">
               <a:rPr lang="en-US" dirty="0"/>
-              <a:t>5/21/2014</a:t>
+              <a:t>5/23/2014</a:t>
             </a:fld>
             <a:endParaRPr lang="en-US" dirty="0"/>
           </a:p>
@@ -3271,7 +3728,7 @@
           <a:p>
             <a:fld id="{48A87A34-81AB-432B-8DAE-1953F412C126}" type="datetimeFigureOut">
               <a:rPr lang="en-US" dirty="0"/>
-              <a:t>5/21/2014</a:t>
+              <a:t>5/23/2014</a:t>
             </a:fld>
             <a:endParaRPr lang="en-US" dirty="0"/>
           </a:p>
@@ -3492,7 +3949,7 @@
           <a:p>
             <a:fld id="{48A87A34-81AB-432B-8DAE-1953F412C126}" type="datetimeFigureOut">
               <a:rPr lang="en-US" dirty="0"/>
-              <a:t>5/21/2014</a:t>
+              <a:t>5/23/2014</a:t>
             </a:fld>
             <a:endParaRPr lang="en-US" dirty="0"/>
           </a:p>
@@ -3704,7 +4161,7 @@
           <a:p>
             <a:fld id="{48A87A34-81AB-432B-8DAE-1953F412C126}" type="datetimeFigureOut">
               <a:rPr lang="en-US" dirty="0"/>
-              <a:t>5/21/2014</a:t>
+              <a:t>5/23/2014</a:t>
             </a:fld>
             <a:endParaRPr lang="en-US" dirty="0"/>
           </a:p>
@@ -3991,7 +4448,7 @@
           <a:p>
             <a:fld id="{48A87A34-81AB-432B-8DAE-1953F412C126}" type="datetimeFigureOut">
               <a:rPr lang="en-US" dirty="0"/>
-              <a:t>5/21/2014</a:t>
+              <a:t>5/23/2014</a:t>
             </a:fld>
             <a:endParaRPr lang="en-US" dirty="0"/>
           </a:p>
@@ -4265,7 +4722,7 @@
           <a:p>
             <a:fld id="{48A87A34-81AB-432B-8DAE-1953F412C126}" type="datetimeFigureOut">
               <a:rPr lang="en-US" dirty="0"/>
-              <a:t>5/21/2014</a:t>
+              <a:t>5/23/2014</a:t>
             </a:fld>
             <a:endParaRPr lang="en-US" dirty="0"/>
           </a:p>
@@ -4687,7 +5144,7 @@
           <a:p>
             <a:fld id="{48A87A34-81AB-432B-8DAE-1953F412C126}" type="datetimeFigureOut">
               <a:rPr lang="en-US" dirty="0"/>
-              <a:t>5/21/2014</a:t>
+              <a:t>5/23/2014</a:t>
             </a:fld>
             <a:endParaRPr lang="en-US" dirty="0"/>
           </a:p>
@@ -4842,7 +5299,7 @@
           <a:p>
             <a:fld id="{48A87A34-81AB-432B-8DAE-1953F412C126}" type="datetimeFigureOut">
               <a:rPr lang="en-US" dirty="0"/>
-              <a:t>5/21/2014</a:t>
+              <a:t>5/23/2014</a:t>
             </a:fld>
             <a:endParaRPr lang="en-US" dirty="0"/>
           </a:p>
@@ -4974,7 +5431,7 @@
           <a:p>
             <a:fld id="{48A87A34-81AB-432B-8DAE-1953F412C126}" type="datetimeFigureOut">
               <a:rPr lang="en-US" dirty="0"/>
-              <a:t>5/21/2014</a:t>
+              <a:t>5/23/2014</a:t>
             </a:fld>
             <a:endParaRPr lang="en-US" dirty="0"/>
           </a:p>
@@ -5260,7 +5717,7 @@
           <a:p>
             <a:fld id="{48A87A34-81AB-432B-8DAE-1953F412C126}" type="datetimeFigureOut">
               <a:rPr lang="en-US" dirty="0"/>
-              <a:t>5/21/2014</a:t>
+              <a:t>5/23/2014</a:t>
             </a:fld>
             <a:endParaRPr lang="en-US" dirty="0"/>
           </a:p>
@@ -5582,7 +6039,7 @@
           <a:p>
             <a:fld id="{48A87A34-81AB-432B-8DAE-1953F412C126}" type="datetimeFigureOut">
               <a:rPr lang="en-US" dirty="0"/>
-              <a:t>5/21/2014</a:t>
+              <a:t>5/23/2014</a:t>
             </a:fld>
             <a:endParaRPr lang="en-US" dirty="0"/>
           </a:p>
@@ -5843,7 +6300,7 @@
             <a:fld id="{48A87A34-81AB-432B-8DAE-1953F412C126}" type="datetimeFigureOut">
               <a:rPr lang="en-US" dirty="0"/>
               <a:pPr/>
-              <a:t>5/21/2014</a:t>
+              <a:t>5/23/2014</a:t>
             </a:fld>
             <a:endParaRPr lang="en-US" dirty="0"/>
           </a:p>
@@ -6392,7 +6849,7 @@
       </p:grpSpPr>
       <p:sp>
         <p:nvSpPr>
-          <p:cNvPr id="2" name="Title 1"/>
+          <p:cNvPr id="8" name="Title 1"/>
           <p:cNvSpPr>
             <a:spLocks noGrp="1"/>
           </p:cNvSpPr>
@@ -6400,102 +6857,90 @@
             <p:ph type="title"/>
           </p:nvPr>
         </p:nvSpPr>
-        <p:spPr/>
-        <p:txBody>
-          <a:bodyPr>
-            <a:normAutofit/>
+        <p:spPr>
+          <a:xfrm>
+            <a:off x="855716" y="-421569"/>
+            <a:ext cx="10364451" cy="1596177"/>
+          </a:xfrm>
+        </p:spPr>
+        <p:txBody>
+          <a:bodyPr/>
+          <a:lstStyle/>
+          <a:p>
+            <a:r>
+              <a:rPr lang="en-US" dirty="0" smtClean="0"/>
+              <a:t>PRODUCT INTRODUCTION</a:t>
+            </a:r>
+            <a:endParaRPr lang="en-US" dirty="0"/>
+          </a:p>
+        </p:txBody>
+      </p:sp>
+      <p:sp>
+        <p:nvSpPr>
+          <p:cNvPr id="12" name="TextBox 11"/>
+          <p:cNvSpPr txBox="1"/>
+          <p:nvPr/>
+        </p:nvSpPr>
+        <p:spPr>
+          <a:xfrm>
+            <a:off x="401373" y="882220"/>
+            <a:ext cx="5393271" cy="461665"/>
+          </a:xfrm>
+          <a:prstGeom prst="rect">
+            <a:avLst/>
+          </a:prstGeom>
+          <a:noFill/>
+        </p:spPr>
+        <p:txBody>
+          <a:bodyPr wrap="none" rtlCol="0">
+            <a:spAutoFit/>
           </a:bodyPr>
           <a:lstStyle/>
           <a:p>
             <a:r>
-              <a:rPr lang="en-US" sz="4400" dirty="0" smtClean="0"/>
-              <a:t>Frameworks and structure</a:t>
-            </a:r>
-            <a:endParaRPr lang="vi-VN" sz="4400" dirty="0"/>
-          </a:p>
-        </p:txBody>
-      </p:sp>
-      <p:sp>
-        <p:nvSpPr>
-          <p:cNvPr id="3" name="Content Placeholder 2"/>
-          <p:cNvSpPr>
-            <a:spLocks noGrp="1"/>
-          </p:cNvSpPr>
-          <p:nvPr>
-            <p:ph sz="quarter" idx="13"/>
-          </p:nvPr>
-        </p:nvSpPr>
-        <p:spPr/>
-        <p:txBody>
-          <a:bodyPr>
-            <a:normAutofit lnSpcReduction="10000"/>
-          </a:bodyPr>
-          <a:lstStyle/>
-          <a:p>
-            <a:r>
-              <a:rPr lang="en-US" cap="none" dirty="0" smtClean="0"/>
-              <a:t>This project is </a:t>
-            </a:r>
-            <a:r>
-              <a:rPr lang="en-US" cap="none" dirty="0" err="1" smtClean="0"/>
-              <a:t>Django</a:t>
-            </a:r>
-            <a:r>
-              <a:rPr lang="en-US" cap="none" dirty="0" smtClean="0"/>
-              <a:t>-based website</a:t>
-            </a:r>
-          </a:p>
-          <a:p>
-            <a:pPr lvl="1"/>
-            <a:r>
-              <a:rPr lang="en-US" cap="none" dirty="0" err="1" smtClean="0"/>
-              <a:t>Django</a:t>
-            </a:r>
-            <a:r>
-              <a:rPr lang="en-US" cap="none" dirty="0" smtClean="0"/>
-              <a:t> makes it easier to build better web apps more quickly and with less code</a:t>
-            </a:r>
-          </a:p>
-          <a:p>
-            <a:pPr lvl="1"/>
-            <a:r>
-              <a:rPr lang="en-US" cap="none" dirty="0" smtClean="0"/>
-              <a:t>Multiple apps (details in Modeling section)</a:t>
-            </a:r>
-          </a:p>
-          <a:p>
-            <a:r>
-              <a:rPr lang="en-US" cap="none" dirty="0" smtClean="0"/>
-              <a:t>Structure : 3 layers</a:t>
-            </a:r>
-          </a:p>
-          <a:p>
-            <a:pPr lvl="1"/>
-            <a:r>
-              <a:rPr lang="en-US" cap="none" dirty="0" smtClean="0"/>
-              <a:t>Model - for structuring and manipulating the data</a:t>
-            </a:r>
-          </a:p>
-          <a:p>
-            <a:pPr lvl="1"/>
-            <a:r>
-              <a:rPr lang="en-US" cap="none" dirty="0" smtClean="0"/>
-              <a:t>View - encapsulate the logic responsible for processing a user’s request and for returning the response</a:t>
-            </a:r>
-          </a:p>
-          <a:p>
-            <a:pPr lvl="1"/>
-            <a:r>
-              <a:rPr lang="en-US" cap="none" dirty="0" smtClean="0"/>
-              <a:t>Template - provides a designer-friendly syntax for rendering the information to be presented to the user</a:t>
-            </a:r>
-          </a:p>
-        </p:txBody>
-      </p:sp>
+              <a:rPr lang="en-US" sz="2400"/>
+              <a:t>Open logical use.png</a:t>
+            </a:r>
+            <a:r>
+              <a:rPr lang="en-US" sz="2400" smtClean="0"/>
+              <a:t> </a:t>
+            </a:r>
+            <a:r>
+              <a:rPr lang="en-US" sz="2400" dirty="0" smtClean="0"/>
+              <a:t>for more information</a:t>
+            </a:r>
+            <a:endParaRPr lang="en-US" sz="2400" dirty="0"/>
+          </a:p>
+        </p:txBody>
+      </p:sp>
+      <p:pic>
+        <p:nvPicPr>
+          <p:cNvPr id="2" name="Picture 1"/>
+          <p:cNvPicPr>
+            <a:picLocks noChangeAspect="1"/>
+          </p:cNvPicPr>
+          <p:nvPr/>
+        </p:nvPicPr>
+        <p:blipFill>
+          <a:blip r:embed="rId2"/>
+          <a:stretch>
+            <a:fillRect/>
+          </a:stretch>
+        </p:blipFill>
+        <p:spPr>
+          <a:xfrm>
+            <a:off x="401373" y="1466995"/>
+            <a:ext cx="10932035" cy="5066885"/>
+          </a:xfrm>
+          <a:prstGeom prst="rect">
+            <a:avLst/>
+          </a:prstGeom>
+        </p:spPr>
+      </p:pic>
     </p:spTree>
     <p:extLst>
       <p:ext uri="{BB962C8B-B14F-4D97-AF65-F5344CB8AC3E}">
-        <p14:creationId xmlns:p14="http://schemas.microsoft.com/office/powerpoint/2010/main" val="1784190051"/>
+        <p14:creationId xmlns:p14="http://schemas.microsoft.com/office/powerpoint/2010/main" val="2851297162"/>
       </p:ext>
     </p:extLst>
   </p:cSld>
@@ -6551,128 +6996,112 @@
             <p:ph type="title"/>
           </p:nvPr>
         </p:nvSpPr>
-        <p:spPr/>
-        <p:txBody>
-          <a:bodyPr>
-            <a:normAutofit/>
+        <p:spPr>
+          <a:xfrm>
+            <a:off x="872831" y="254273"/>
+            <a:ext cx="10364451" cy="1596177"/>
+          </a:xfrm>
+        </p:spPr>
+        <p:txBody>
+          <a:bodyPr/>
+          <a:lstStyle/>
+          <a:p>
+            <a:r>
+              <a:rPr lang="en-US" dirty="0" smtClean="0"/>
+              <a:t>Release 0.1</a:t>
+            </a:r>
+            <a:endParaRPr lang="en-US" dirty="0"/>
+          </a:p>
+        </p:txBody>
+      </p:sp>
+      <p:pic>
+        <p:nvPicPr>
+          <p:cNvPr id="6" name="Picture 5"/>
+          <p:cNvPicPr>
+            <a:picLocks noChangeAspect="1"/>
+          </p:cNvPicPr>
+          <p:nvPr/>
+        </p:nvPicPr>
+        <p:blipFill>
+          <a:blip r:embed="rId2">
+            <a:extLst>
+              <a:ext uri="{28A0092B-C50C-407E-A947-70E740481C1C}">
+                <a14:useLocalDpi xmlns:a14="http://schemas.microsoft.com/office/drawing/2010/main" val="0"/>
+              </a:ext>
+            </a:extLst>
+          </a:blip>
+          <a:stretch>
+            <a:fillRect/>
+          </a:stretch>
+        </p:blipFill>
+        <p:spPr>
+          <a:xfrm>
+            <a:off x="2019869" y="2396360"/>
+            <a:ext cx="8229600" cy="4434103"/>
+          </a:xfrm>
+          <a:prstGeom prst="rect">
+            <a:avLst/>
+          </a:prstGeom>
+        </p:spPr>
+      </p:pic>
+      <p:sp>
+        <p:nvSpPr>
+          <p:cNvPr id="7" name="TextBox 6"/>
+          <p:cNvSpPr txBox="1"/>
+          <p:nvPr/>
+        </p:nvSpPr>
+        <p:spPr>
+          <a:xfrm>
+            <a:off x="2197289" y="1850450"/>
+            <a:ext cx="7482048" cy="369332"/>
+          </a:xfrm>
+          <a:prstGeom prst="rect">
+            <a:avLst/>
+          </a:prstGeom>
+          <a:noFill/>
+        </p:spPr>
+        <p:txBody>
+          <a:bodyPr wrap="none" rtlCol="0">
+            <a:spAutoFit/>
           </a:bodyPr>
           <a:lstStyle/>
           <a:p>
             <a:r>
-              <a:rPr lang="en-US" sz="4400" dirty="0" smtClean="0"/>
-              <a:t>Progress management</a:t>
-            </a:r>
-            <a:endParaRPr lang="vi-VN" sz="4400" dirty="0"/>
-          </a:p>
-        </p:txBody>
-      </p:sp>
-      <p:sp>
-        <p:nvSpPr>
-          <p:cNvPr id="4" name="Content Placeholder 3"/>
-          <p:cNvSpPr>
-            <a:spLocks noGrp="1"/>
-          </p:cNvSpPr>
-          <p:nvPr>
-            <p:ph sz="quarter" idx="13"/>
-          </p:nvPr>
-        </p:nvSpPr>
-        <p:spPr/>
-        <p:txBody>
-          <a:bodyPr/>
-          <a:lstStyle/>
-          <a:p>
-            <a:r>
-              <a:rPr lang="en-US" sz="2800" cap="none" dirty="0" smtClean="0"/>
-              <a:t>Source control</a:t>
-            </a:r>
-          </a:p>
-          <a:p>
-            <a:pPr lvl="1"/>
-            <a:r>
-              <a:rPr lang="en-US" sz="2400" cap="none" dirty="0" smtClean="0"/>
-              <a:t>We use </a:t>
-            </a:r>
-            <a:r>
-              <a:rPr lang="en-US" sz="2400" cap="none" dirty="0" err="1" smtClean="0"/>
-              <a:t>Git</a:t>
-            </a:r>
-            <a:r>
-              <a:rPr lang="en-US" sz="2400" cap="none" dirty="0" smtClean="0"/>
-              <a:t> with </a:t>
-            </a:r>
-            <a:r>
-              <a:rPr lang="en-US" sz="2400" cap="none" dirty="0" err="1" smtClean="0"/>
-              <a:t>GitHub</a:t>
-            </a:r>
-            <a:r>
-              <a:rPr lang="en-US" sz="2400" cap="none" dirty="0" smtClean="0"/>
-              <a:t> as the tools and server for storing and controlling source code</a:t>
-            </a:r>
-            <a:endParaRPr lang="vi-VN" sz="2400" cap="none" dirty="0"/>
-          </a:p>
-        </p:txBody>
-      </p:sp>
-      <p:sp>
-        <p:nvSpPr>
-          <p:cNvPr id="5" name="Content Placeholder 4"/>
-          <p:cNvSpPr>
-            <a:spLocks noGrp="1"/>
-          </p:cNvSpPr>
-          <p:nvPr>
-            <p:ph sz="quarter" idx="14"/>
-          </p:nvPr>
-        </p:nvSpPr>
-        <p:spPr/>
-        <p:txBody>
-          <a:bodyPr>
-            <a:normAutofit/>
-          </a:bodyPr>
-          <a:lstStyle/>
-          <a:p>
-            <a:r>
-              <a:rPr lang="en-US" sz="2800" cap="none" dirty="0" smtClean="0"/>
-              <a:t>Progress control</a:t>
-            </a:r>
-          </a:p>
-          <a:p>
-            <a:pPr lvl="1"/>
-            <a:r>
-              <a:rPr lang="en-US" sz="2400" cap="none" dirty="0" smtClean="0"/>
-              <a:t>We use Pivotal Tracker for managing user stories, then make implementation for them</a:t>
-            </a:r>
-            <a:endParaRPr lang="vi-VN" sz="2400" cap="none" dirty="0"/>
+              <a:rPr lang="en-US" dirty="0"/>
+              <a:t>Click here: </a:t>
+            </a:r>
+            <a:r>
+              <a:rPr lang="en-US" dirty="0">
+                <a:hlinkClick r:id="rId3"/>
+              </a:rPr>
+              <a:t>https://github.com/nhunght57/EnglishStudy_Web/releases/tag/0.1</a:t>
+            </a:r>
+            <a:endParaRPr lang="en-US" dirty="0"/>
           </a:p>
         </p:txBody>
       </p:sp>
     </p:spTree>
     <p:extLst>
       <p:ext uri="{BB962C8B-B14F-4D97-AF65-F5344CB8AC3E}">
-        <p14:creationId xmlns:p14="http://schemas.microsoft.com/office/powerpoint/2010/main" val="1874356851"/>
+        <p14:creationId xmlns:p14="http://schemas.microsoft.com/office/powerpoint/2010/main" val="2810494095"/>
       </p:ext>
     </p:extLst>
   </p:cSld>
   <p:clrMapOvr>
     <a:masterClrMapping/>
   </p:clrMapOvr>
-  <mc:AlternateContent xmlns:mc="http://schemas.openxmlformats.org/markup-compatibility/2006" xmlns:p14="http://schemas.microsoft.com/office/powerpoint/2010/main">
-    <mc:Choice Requires="p14">
+  <mc:AlternateContent xmlns:mc="http://schemas.openxmlformats.org/markup-compatibility/2006">
+    <mc:Choice xmlns:p14="http://schemas.microsoft.com/office/powerpoint/2010/main" Requires="p14">
       <p:transition p14:dur="250">
         <p:fade/>
       </p:transition>
     </mc:Choice>
-    <mc:Fallback xmlns="">
+    <mc:Fallback>
       <p:transition>
         <p:fade/>
       </p:transition>
     </mc:Fallback>
   </mc:AlternateContent>
-  <p:timing>
-    <p:tnLst>
-      <p:par>
-        <p:cTn id="1" dur="indefinite" restart="never" nodeType="tmRoot"/>
-      </p:par>
-    </p:tnLst>
-  </p:timing>
 </p:sld>
 </file>
 
@@ -6705,14 +7134,16 @@
         </p:nvSpPr>
         <p:spPr/>
         <p:txBody>
-          <a:bodyPr/>
-          <a:lstStyle/>
-          <a:p>
-            <a:r>
-              <a:rPr lang="en-US" dirty="0" smtClean="0"/>
-              <a:t>implementation</a:t>
-            </a:r>
-            <a:endParaRPr lang="vi-VN" dirty="0"/>
+          <a:bodyPr>
+            <a:normAutofit/>
+          </a:bodyPr>
+          <a:lstStyle/>
+          <a:p>
+            <a:r>
+              <a:rPr lang="en-US" sz="4400" dirty="0" smtClean="0"/>
+              <a:t>Frameworks and structure</a:t>
+            </a:r>
+            <a:endParaRPr lang="vi-VN" sz="4400" dirty="0"/>
           </a:p>
         </p:txBody>
       </p:sp>
@@ -6728,53 +7159,67 @@
         </p:nvSpPr>
         <p:spPr/>
         <p:txBody>
-          <a:bodyPr/>
+          <a:bodyPr>
+            <a:normAutofit/>
+          </a:bodyPr>
           <a:lstStyle/>
           <a:p>
             <a:r>
               <a:rPr lang="en-US" cap="none" dirty="0" smtClean="0"/>
-              <a:t>Request user stories</a:t>
+              <a:t>This project is </a:t>
+            </a:r>
+            <a:r>
+              <a:rPr lang="en-US" cap="none" dirty="0" err="1" smtClean="0"/>
+              <a:t>Django</a:t>
+            </a:r>
+            <a:r>
+              <a:rPr lang="en-US" cap="none" dirty="0" smtClean="0"/>
+              <a:t>-based website</a:t>
             </a:r>
           </a:p>
           <a:p>
             <a:pPr lvl="1"/>
             <a:r>
+              <a:rPr lang="en-US" cap="none" dirty="0" err="1" smtClean="0"/>
+              <a:t>Django</a:t>
+            </a:r>
+            <a:r>
               <a:rPr lang="en-US" cap="none" dirty="0" smtClean="0"/>
-              <a:t>Each story has short description as user’s view of a demanded new features, or any problem found by project contributors (bug, chore, ...)</a:t>
+              <a:t> makes it easier to build better web apps more quickly and with less code</a:t>
             </a:r>
           </a:p>
           <a:p>
             <a:pPr lvl="1"/>
             <a:r>
               <a:rPr lang="en-US" cap="none" dirty="0" smtClean="0"/>
-              <a:t>Add labels, tasks for each story</a:t>
+              <a:t>Multiple apps (details in Modeling section)</a:t>
             </a:r>
           </a:p>
           <a:p>
             <a:r>
               <a:rPr lang="en-US" cap="none" dirty="0" smtClean="0"/>
-              <a:t>Accepting stories, implement them and mark finished</a:t>
+              <a:t>Structure : 3 layers</a:t>
             </a:r>
           </a:p>
           <a:p>
             <a:pPr lvl="1"/>
             <a:r>
               <a:rPr lang="en-US" cap="none" dirty="0" smtClean="0"/>
-              <a:t>Contributors who accepted the certain stories have the responsibility to implement, and when finished, they should return to Tracker and mark those stories as Finished</a:t>
-            </a:r>
-          </a:p>
-          <a:p>
+              <a:t>Model - for structuring and manipulating the data</a:t>
+            </a:r>
+          </a:p>
+          <a:p>
+            <a:pPr lvl="1"/>
             <a:r>
               <a:rPr lang="en-US" cap="none" dirty="0" smtClean="0"/>
-              <a:t>Commit to the Source controller (</a:t>
-            </a:r>
-            <a:r>
-              <a:rPr lang="en-US" cap="none" dirty="0" err="1" smtClean="0"/>
-              <a:t>GitHub</a:t>
-            </a:r>
+              <a:t>View - encapsulate the logic responsible for processing a user’s request and for returning the response</a:t>
+            </a:r>
+          </a:p>
+          <a:p>
+            <a:pPr lvl="1"/>
             <a:r>
               <a:rPr lang="en-US" cap="none" dirty="0" smtClean="0"/>
-              <a:t>)</a:t>
+              <a:t>Template - provides a designer-friendly syntax for rendering the information to be presented to the user</a:t>
             </a:r>
           </a:p>
         </p:txBody>
@@ -6782,7 +7227,7 @@
     </p:spTree>
     <p:extLst>
       <p:ext uri="{BB962C8B-B14F-4D97-AF65-F5344CB8AC3E}">
-        <p14:creationId xmlns:p14="http://schemas.microsoft.com/office/powerpoint/2010/main" val="1853553753"/>
+        <p14:creationId xmlns:p14="http://schemas.microsoft.com/office/powerpoint/2010/main" val="1784190051"/>
       </p:ext>
     </p:extLst>
   </p:cSld>
@@ -6853,9 +7298,308 @@
           </a:p>
         </p:txBody>
       </p:sp>
+      <p:sp>
+        <p:nvSpPr>
+          <p:cNvPr id="4" name="Content Placeholder 3"/>
+          <p:cNvSpPr>
+            <a:spLocks noGrp="1"/>
+          </p:cNvSpPr>
+          <p:nvPr>
+            <p:ph sz="quarter" idx="13"/>
+          </p:nvPr>
+        </p:nvSpPr>
+        <p:spPr/>
+        <p:txBody>
+          <a:bodyPr/>
+          <a:lstStyle/>
+          <a:p>
+            <a:r>
+              <a:rPr lang="en-US" sz="2800" cap="none" dirty="0" smtClean="0"/>
+              <a:t>Source control</a:t>
+            </a:r>
+          </a:p>
+          <a:p>
+            <a:pPr lvl="1"/>
+            <a:r>
+              <a:rPr lang="en-US" sz="2400" cap="none" dirty="0" smtClean="0"/>
+              <a:t>We use </a:t>
+            </a:r>
+            <a:r>
+              <a:rPr lang="en-US" sz="2400" cap="none" dirty="0" err="1" smtClean="0"/>
+              <a:t>Git</a:t>
+            </a:r>
+            <a:r>
+              <a:rPr lang="en-US" sz="2400" cap="none" dirty="0" smtClean="0"/>
+              <a:t> with </a:t>
+            </a:r>
+            <a:r>
+              <a:rPr lang="en-US" sz="2400" cap="none" dirty="0" err="1" smtClean="0"/>
+              <a:t>GitHub</a:t>
+            </a:r>
+            <a:r>
+              <a:rPr lang="en-US" sz="2400" cap="none" dirty="0" smtClean="0"/>
+              <a:t> as the tools and server for storing and controlling source code</a:t>
+            </a:r>
+            <a:endParaRPr lang="vi-VN" sz="2400" cap="none" dirty="0"/>
+          </a:p>
+        </p:txBody>
+      </p:sp>
+      <p:sp>
+        <p:nvSpPr>
+          <p:cNvPr id="5" name="Content Placeholder 4"/>
+          <p:cNvSpPr>
+            <a:spLocks noGrp="1"/>
+          </p:cNvSpPr>
+          <p:nvPr>
+            <p:ph sz="quarter" idx="14"/>
+          </p:nvPr>
+        </p:nvSpPr>
+        <p:spPr/>
+        <p:txBody>
+          <a:bodyPr>
+            <a:normAutofit/>
+          </a:bodyPr>
+          <a:lstStyle/>
+          <a:p>
+            <a:r>
+              <a:rPr lang="en-US" sz="2800" cap="none" dirty="0" smtClean="0"/>
+              <a:t>Progress control</a:t>
+            </a:r>
+          </a:p>
+          <a:p>
+            <a:pPr lvl="1"/>
+            <a:r>
+              <a:rPr lang="en-US" sz="2400" cap="none" dirty="0" smtClean="0"/>
+              <a:t>We use Pivotal Tracker for managing user stories, then make implementation for them</a:t>
+            </a:r>
+            <a:endParaRPr lang="vi-VN" sz="2400" cap="none" dirty="0"/>
+          </a:p>
+        </p:txBody>
+      </p:sp>
+    </p:spTree>
+    <p:extLst>
+      <p:ext uri="{BB962C8B-B14F-4D97-AF65-F5344CB8AC3E}">
+        <p14:creationId xmlns:p14="http://schemas.microsoft.com/office/powerpoint/2010/main" val="1874356851"/>
+      </p:ext>
+    </p:extLst>
+  </p:cSld>
+  <p:clrMapOvr>
+    <a:masterClrMapping/>
+  </p:clrMapOvr>
+  <mc:AlternateContent xmlns:mc="http://schemas.openxmlformats.org/markup-compatibility/2006" xmlns:p14="http://schemas.microsoft.com/office/powerpoint/2010/main">
+    <mc:Choice Requires="p14">
+      <p:transition p14:dur="250">
+        <p:fade/>
+      </p:transition>
+    </mc:Choice>
+    <mc:Fallback xmlns="">
+      <p:transition>
+        <p:fade/>
+      </p:transition>
+    </mc:Fallback>
+  </mc:AlternateContent>
+  <p:timing>
+    <p:tnLst>
+      <p:par>
+        <p:cTn id="1" dur="indefinite" restart="never" nodeType="tmRoot"/>
+      </p:par>
+    </p:tnLst>
+  </p:timing>
+</p:sld>
+</file>
+
+<file path=ppt/slides/slide14.xml><?xml version="1.0" encoding="utf-8"?>
+<p:sld xmlns:a="http://schemas.openxmlformats.org/drawingml/2006/main" xmlns:r="http://schemas.openxmlformats.org/officeDocument/2006/relationships" xmlns:p="http://schemas.openxmlformats.org/presentationml/2006/main">
+  <p:cSld>
+    <p:spTree>
+      <p:nvGrpSpPr>
+        <p:cNvPr id="1" name=""/>
+        <p:cNvGrpSpPr/>
+        <p:nvPr/>
+      </p:nvGrpSpPr>
+      <p:grpSpPr>
+        <a:xfrm>
+          <a:off x="0" y="0"/>
+          <a:ext cx="0" cy="0"/>
+          <a:chOff x="0" y="0"/>
+          <a:chExt cx="0" cy="0"/>
+        </a:xfrm>
+      </p:grpSpPr>
+      <p:sp>
+        <p:nvSpPr>
+          <p:cNvPr id="2" name="Title 1"/>
+          <p:cNvSpPr>
+            <a:spLocks noGrp="1"/>
+          </p:cNvSpPr>
+          <p:nvPr>
+            <p:ph type="title"/>
+          </p:nvPr>
+        </p:nvSpPr>
+        <p:spPr/>
+        <p:txBody>
+          <a:bodyPr/>
+          <a:lstStyle/>
+          <a:p>
+            <a:r>
+              <a:rPr lang="en-US" dirty="0" smtClean="0"/>
+              <a:t>implementation</a:t>
+            </a:r>
+            <a:endParaRPr lang="vi-VN" dirty="0"/>
+          </a:p>
+        </p:txBody>
+      </p:sp>
+      <p:sp>
+        <p:nvSpPr>
+          <p:cNvPr id="3" name="Content Placeholder 2"/>
+          <p:cNvSpPr>
+            <a:spLocks noGrp="1"/>
+          </p:cNvSpPr>
+          <p:nvPr>
+            <p:ph sz="quarter" idx="13"/>
+          </p:nvPr>
+        </p:nvSpPr>
+        <p:spPr/>
+        <p:txBody>
+          <a:bodyPr/>
+          <a:lstStyle/>
+          <a:p>
+            <a:r>
+              <a:rPr lang="en-US" cap="none" dirty="0" smtClean="0"/>
+              <a:t>Request user stories</a:t>
+            </a:r>
+          </a:p>
+          <a:p>
+            <a:pPr lvl="1"/>
+            <a:r>
+              <a:rPr lang="en-US" cap="none" dirty="0" smtClean="0"/>
+              <a:t>Each story has short description as user’s view of a demanded new features, or any problem found by project contributors (bug, chore, ...)</a:t>
+            </a:r>
+          </a:p>
+          <a:p>
+            <a:pPr lvl="1"/>
+            <a:r>
+              <a:rPr lang="en-US" cap="none" dirty="0" smtClean="0"/>
+              <a:t>Add labels, tasks for each story</a:t>
+            </a:r>
+          </a:p>
+          <a:p>
+            <a:r>
+              <a:rPr lang="en-US" cap="none" dirty="0" smtClean="0"/>
+              <a:t>Accepting stories, implement them and mark finished</a:t>
+            </a:r>
+          </a:p>
+          <a:p>
+            <a:pPr lvl="1"/>
+            <a:r>
+              <a:rPr lang="en-US" cap="none" dirty="0" smtClean="0"/>
+              <a:t>Contributors who accepted the certain stories have the responsibility to implement, and when finished, they should return to Tracker and mark those stories as Finished</a:t>
+            </a:r>
+          </a:p>
+          <a:p>
+            <a:r>
+              <a:rPr lang="en-US" cap="none" dirty="0" smtClean="0"/>
+              <a:t>Commit to the Source controller (</a:t>
+            </a:r>
+            <a:r>
+              <a:rPr lang="en-US" cap="none" dirty="0" err="1" smtClean="0"/>
+              <a:t>GitHub</a:t>
+            </a:r>
+            <a:r>
+              <a:rPr lang="en-US" cap="none" dirty="0" smtClean="0"/>
+              <a:t>)</a:t>
+            </a:r>
+          </a:p>
+        </p:txBody>
+      </p:sp>
+    </p:spTree>
+    <p:extLst>
+      <p:ext uri="{BB962C8B-B14F-4D97-AF65-F5344CB8AC3E}">
+        <p14:creationId xmlns:p14="http://schemas.microsoft.com/office/powerpoint/2010/main" val="1853553753"/>
+      </p:ext>
+    </p:extLst>
+  </p:cSld>
+  <p:clrMapOvr>
+    <a:masterClrMapping/>
+  </p:clrMapOvr>
+  <mc:AlternateContent xmlns:mc="http://schemas.openxmlformats.org/markup-compatibility/2006" xmlns:p14="http://schemas.microsoft.com/office/powerpoint/2010/main">
+    <mc:Choice Requires="p14">
+      <p:transition p14:dur="250">
+        <p:fade/>
+      </p:transition>
+    </mc:Choice>
+    <mc:Fallback xmlns="">
+      <p:transition>
+        <p:fade/>
+      </p:transition>
+    </mc:Fallback>
+  </mc:AlternateContent>
+  <p:timing>
+    <p:tnLst>
+      <p:par>
+        <p:cTn id="1" dur="indefinite" restart="never" nodeType="tmRoot"/>
+      </p:par>
+    </p:tnLst>
+  </p:timing>
+</p:sld>
+</file>
+
+<file path=ppt/slides/slide15.xml><?xml version="1.0" encoding="utf-8"?>
+<p:sld xmlns:a="http://schemas.openxmlformats.org/drawingml/2006/main" xmlns:r="http://schemas.openxmlformats.org/officeDocument/2006/relationships" xmlns:p="http://schemas.openxmlformats.org/presentationml/2006/main">
+  <p:cSld>
+    <p:spTree>
+      <p:nvGrpSpPr>
+        <p:cNvPr id="1" name=""/>
+        <p:cNvGrpSpPr/>
+        <p:nvPr/>
+      </p:nvGrpSpPr>
+      <p:grpSpPr>
+        <a:xfrm>
+          <a:off x="0" y="0"/>
+          <a:ext cx="0" cy="0"/>
+          <a:chOff x="0" y="0"/>
+          <a:chExt cx="0" cy="0"/>
+        </a:xfrm>
+      </p:grpSpPr>
+      <p:sp>
+        <p:nvSpPr>
+          <p:cNvPr id="2" name="Title 1"/>
+          <p:cNvSpPr>
+            <a:spLocks noGrp="1"/>
+          </p:cNvSpPr>
+          <p:nvPr>
+            <p:ph type="title"/>
+          </p:nvPr>
+        </p:nvSpPr>
+        <p:spPr>
+          <a:xfrm>
+            <a:off x="720590" y="0"/>
+            <a:ext cx="10364451" cy="1596177"/>
+          </a:xfrm>
+        </p:spPr>
+        <p:txBody>
+          <a:bodyPr>
+            <a:normAutofit/>
+          </a:bodyPr>
+          <a:lstStyle/>
+          <a:p>
+            <a:r>
+              <a:rPr lang="en-US" sz="4400" dirty="0" err="1" smtClean="0"/>
+              <a:t>git</a:t>
+            </a:r>
+            <a:r>
+              <a:rPr lang="en-US" sz="4400" dirty="0" smtClean="0"/>
+              <a:t/>
+            </a:r>
+            <a:br>
+              <a:rPr lang="en-US" sz="4400" dirty="0" smtClean="0"/>
+            </a:br>
+            <a:endParaRPr lang="vi-VN" sz="4400" dirty="0"/>
+          </a:p>
+        </p:txBody>
+      </p:sp>
       <p:pic>
         <p:nvPicPr>
-          <p:cNvPr id="7" name="Picture 6"/>
+          <p:cNvPr id="5" name="Picture 4"/>
           <p:cNvPicPr>
             <a:picLocks noChangeAspect="1"/>
           </p:cNvPicPr>
@@ -6869,17 +7613,2820 @@
         </p:blipFill>
         <p:spPr>
           <a:xfrm>
-            <a:off x="791238" y="1862333"/>
-            <a:ext cx="10609524" cy="3133333"/>
+            <a:off x="1036011" y="798088"/>
+            <a:ext cx="10207245" cy="5983557"/>
           </a:xfrm>
           <a:prstGeom prst="rect">
             <a:avLst/>
           </a:prstGeom>
         </p:spPr>
       </p:pic>
+    </p:spTree>
+    <p:extLst>
+      <p:ext uri="{BB962C8B-B14F-4D97-AF65-F5344CB8AC3E}">
+        <p14:creationId xmlns:p14="http://schemas.microsoft.com/office/powerpoint/2010/main" val="3586359768"/>
+      </p:ext>
+    </p:extLst>
+  </p:cSld>
+  <p:clrMapOvr>
+    <a:masterClrMapping/>
+  </p:clrMapOvr>
+  <mc:AlternateContent xmlns:mc="http://schemas.openxmlformats.org/markup-compatibility/2006" xmlns:p14="http://schemas.microsoft.com/office/powerpoint/2010/main">
+    <mc:Choice Requires="p14">
+      <p:transition p14:dur="250">
+        <p:fade/>
+      </p:transition>
+    </mc:Choice>
+    <mc:Fallback xmlns="">
+      <p:transition>
+        <p:fade/>
+      </p:transition>
+    </mc:Fallback>
+  </mc:AlternateContent>
+  <p:timing>
+    <p:tnLst>
+      <p:par>
+        <p:cTn id="1" dur="indefinite" restart="never" nodeType="tmRoot"/>
+      </p:par>
+    </p:tnLst>
+  </p:timing>
+</p:sld>
+</file>
+
+<file path=ppt/slides/slide16.xml><?xml version="1.0" encoding="utf-8"?>
+<p:sld xmlns:a="http://schemas.openxmlformats.org/drawingml/2006/main" xmlns:r="http://schemas.openxmlformats.org/officeDocument/2006/relationships" xmlns:p="http://schemas.openxmlformats.org/presentationml/2006/main">
+  <p:cSld>
+    <p:spTree>
+      <p:nvGrpSpPr>
+        <p:cNvPr id="1" name=""/>
+        <p:cNvGrpSpPr/>
+        <p:nvPr/>
+      </p:nvGrpSpPr>
+      <p:grpSpPr>
+        <a:xfrm>
+          <a:off x="0" y="0"/>
+          <a:ext cx="0" cy="0"/>
+          <a:chOff x="0" y="0"/>
+          <a:chExt cx="0" cy="0"/>
+        </a:xfrm>
+      </p:grpSpPr>
+      <p:sp>
+        <p:nvSpPr>
+          <p:cNvPr id="2" name="Title 1"/>
+          <p:cNvSpPr>
+            <a:spLocks noGrp="1"/>
+          </p:cNvSpPr>
+          <p:nvPr>
+            <p:ph type="title"/>
+          </p:nvPr>
+        </p:nvSpPr>
+        <p:spPr>
+          <a:xfrm>
+            <a:off x="837574" y="116242"/>
+            <a:ext cx="10364451" cy="1223162"/>
+          </a:xfrm>
+        </p:spPr>
+        <p:txBody>
+          <a:bodyPr/>
+          <a:lstStyle/>
+          <a:p>
+            <a:r>
+              <a:rPr lang="en-US" dirty="0" err="1" smtClean="0"/>
+              <a:t>git</a:t>
+            </a:r>
+            <a:endParaRPr lang="en-US" dirty="0"/>
+          </a:p>
+        </p:txBody>
+      </p:sp>
       <p:pic>
         <p:nvPicPr>
-          <p:cNvPr id="8" name="Picture 7"/>
+          <p:cNvPr id="5" name="Content Placeholder 4"/>
+          <p:cNvPicPr>
+            <a:picLocks noGrp="1" noChangeAspect="1"/>
+          </p:cNvPicPr>
+          <p:nvPr>
+            <p:ph sz="quarter" idx="13"/>
+          </p:nvPr>
+        </p:nvPicPr>
+        <p:blipFill>
+          <a:blip r:embed="rId2">
+            <a:extLst>
+              <a:ext uri="{28A0092B-C50C-407E-A947-70E740481C1C}">
+                <a14:useLocalDpi xmlns:a14="http://schemas.microsoft.com/office/drawing/2010/main" val="0"/>
+              </a:ext>
+            </a:extLst>
+          </a:blip>
+          <a:stretch>
+            <a:fillRect/>
+          </a:stretch>
+        </p:blipFill>
+        <p:spPr>
+          <a:xfrm>
+            <a:off x="1223492" y="896132"/>
+            <a:ext cx="9823986" cy="5657472"/>
+          </a:xfrm>
+        </p:spPr>
+      </p:pic>
+    </p:spTree>
+    <p:extLst>
+      <p:ext uri="{BB962C8B-B14F-4D97-AF65-F5344CB8AC3E}">
+        <p14:creationId xmlns:p14="http://schemas.microsoft.com/office/powerpoint/2010/main" val="2682731752"/>
+      </p:ext>
+    </p:extLst>
+  </p:cSld>
+  <p:clrMapOvr>
+    <a:masterClrMapping/>
+  </p:clrMapOvr>
+  <mc:AlternateContent xmlns:mc="http://schemas.openxmlformats.org/markup-compatibility/2006">
+    <mc:Choice xmlns:p14="http://schemas.microsoft.com/office/powerpoint/2010/main" Requires="p14">
+      <p:transition p14:dur="250">
+        <p:fade/>
+      </p:transition>
+    </mc:Choice>
+    <mc:Fallback>
+      <p:transition>
+        <p:fade/>
+      </p:transition>
+    </mc:Fallback>
+  </mc:AlternateContent>
+</p:sld>
+</file>
+
+<file path=ppt/slides/slide17.xml><?xml version="1.0" encoding="utf-8"?>
+<p:sld xmlns:a="http://schemas.openxmlformats.org/drawingml/2006/main" xmlns:r="http://schemas.openxmlformats.org/officeDocument/2006/relationships" xmlns:p="http://schemas.openxmlformats.org/presentationml/2006/main">
+  <p:cSld>
+    <p:spTree>
+      <p:nvGrpSpPr>
+        <p:cNvPr id="1" name=""/>
+        <p:cNvGrpSpPr/>
+        <p:nvPr/>
+      </p:nvGrpSpPr>
+      <p:grpSpPr>
+        <a:xfrm>
+          <a:off x="0" y="0"/>
+          <a:ext cx="0" cy="0"/>
+          <a:chOff x="0" y="0"/>
+          <a:chExt cx="0" cy="0"/>
+        </a:xfrm>
+      </p:grpSpPr>
+      <p:sp>
+        <p:nvSpPr>
+          <p:cNvPr id="2" name="Title 1"/>
+          <p:cNvSpPr>
+            <a:spLocks noGrp="1"/>
+          </p:cNvSpPr>
+          <p:nvPr>
+            <p:ph type="title"/>
+          </p:nvPr>
+        </p:nvSpPr>
+        <p:spPr>
+          <a:xfrm>
+            <a:off x="837574" y="116242"/>
+            <a:ext cx="10364451" cy="1223162"/>
+          </a:xfrm>
+        </p:spPr>
+        <p:txBody>
+          <a:bodyPr/>
+          <a:lstStyle/>
+          <a:p>
+            <a:r>
+              <a:rPr lang="en-US" dirty="0" err="1" smtClean="0"/>
+              <a:t>git</a:t>
+            </a:r>
+            <a:endParaRPr lang="en-US" dirty="0"/>
+          </a:p>
+        </p:txBody>
+      </p:sp>
+      <p:pic>
+        <p:nvPicPr>
+          <p:cNvPr id="4" name="Content Placeholder 3"/>
+          <p:cNvPicPr>
+            <a:picLocks noGrp="1" noChangeAspect="1"/>
+          </p:cNvPicPr>
+          <p:nvPr>
+            <p:ph sz="quarter" idx="13"/>
+          </p:nvPr>
+        </p:nvPicPr>
+        <p:blipFill>
+          <a:blip r:embed="rId2">
+            <a:extLst>
+              <a:ext uri="{28A0092B-C50C-407E-A947-70E740481C1C}">
+                <a14:useLocalDpi xmlns:a14="http://schemas.microsoft.com/office/drawing/2010/main" val="0"/>
+              </a:ext>
+            </a:extLst>
+          </a:blip>
+          <a:stretch>
+            <a:fillRect/>
+          </a:stretch>
+        </p:blipFill>
+        <p:spPr>
+          <a:xfrm>
+            <a:off x="837574" y="961079"/>
+            <a:ext cx="9569002" cy="5556842"/>
+          </a:xfrm>
+        </p:spPr>
+      </p:pic>
+    </p:spTree>
+    <p:extLst>
+      <p:ext uri="{BB962C8B-B14F-4D97-AF65-F5344CB8AC3E}">
+        <p14:creationId xmlns:p14="http://schemas.microsoft.com/office/powerpoint/2010/main" val="3317376068"/>
+      </p:ext>
+    </p:extLst>
+  </p:cSld>
+  <p:clrMapOvr>
+    <a:masterClrMapping/>
+  </p:clrMapOvr>
+  <mc:AlternateContent xmlns:mc="http://schemas.openxmlformats.org/markup-compatibility/2006" xmlns:p14="http://schemas.microsoft.com/office/powerpoint/2010/main">
+    <mc:Choice Requires="p14">
+      <p:transition p14:dur="250">
+        <p:fade/>
+      </p:transition>
+    </mc:Choice>
+    <mc:Fallback xmlns="">
+      <p:transition>
+        <p:fade/>
+      </p:transition>
+    </mc:Fallback>
+  </mc:AlternateContent>
+</p:sld>
+</file>
+
+<file path=ppt/slides/slide18.xml><?xml version="1.0" encoding="utf-8"?>
+<p:sld xmlns:a="http://schemas.openxmlformats.org/drawingml/2006/main" xmlns:r="http://schemas.openxmlformats.org/officeDocument/2006/relationships" xmlns:p="http://schemas.openxmlformats.org/presentationml/2006/main">
+  <p:cSld>
+    <p:spTree>
+      <p:nvGrpSpPr>
+        <p:cNvPr id="1" name=""/>
+        <p:cNvGrpSpPr/>
+        <p:nvPr/>
+      </p:nvGrpSpPr>
+      <p:grpSpPr>
+        <a:xfrm>
+          <a:off x="0" y="0"/>
+          <a:ext cx="0" cy="0"/>
+          <a:chOff x="0" y="0"/>
+          <a:chExt cx="0" cy="0"/>
+        </a:xfrm>
+      </p:grpSpPr>
+      <p:sp>
+        <p:nvSpPr>
+          <p:cNvPr id="2" name="Title 1"/>
+          <p:cNvSpPr>
+            <a:spLocks noGrp="1"/>
+          </p:cNvSpPr>
+          <p:nvPr>
+            <p:ph type="title"/>
+          </p:nvPr>
+        </p:nvSpPr>
+        <p:spPr>
+          <a:xfrm>
+            <a:off x="837574" y="-12879"/>
+            <a:ext cx="10364451" cy="940158"/>
+          </a:xfrm>
+        </p:spPr>
+        <p:txBody>
+          <a:bodyPr/>
+          <a:lstStyle/>
+          <a:p>
+            <a:r>
+              <a:rPr lang="en-US" dirty="0" err="1" smtClean="0"/>
+              <a:t>git</a:t>
+            </a:r>
+            <a:endParaRPr lang="en-US" dirty="0"/>
+          </a:p>
+        </p:txBody>
+      </p:sp>
+      <p:pic>
+        <p:nvPicPr>
+          <p:cNvPr id="5" name="Content Placeholder 4"/>
+          <p:cNvPicPr>
+            <a:picLocks noGrp="1" noChangeAspect="1"/>
+          </p:cNvPicPr>
+          <p:nvPr>
+            <p:ph sz="quarter" idx="13"/>
+          </p:nvPr>
+        </p:nvPicPr>
+        <p:blipFill>
+          <a:blip r:embed="rId2">
+            <a:extLst>
+              <a:ext uri="{28A0092B-C50C-407E-A947-70E740481C1C}">
+                <a14:useLocalDpi xmlns:a14="http://schemas.microsoft.com/office/drawing/2010/main" val="0"/>
+              </a:ext>
+            </a:extLst>
+          </a:blip>
+          <a:stretch>
+            <a:fillRect/>
+          </a:stretch>
+        </p:blipFill>
+        <p:spPr>
+          <a:xfrm>
+            <a:off x="837574" y="764228"/>
+            <a:ext cx="10622477" cy="6093772"/>
+          </a:xfrm>
+        </p:spPr>
+      </p:pic>
+    </p:spTree>
+    <p:extLst>
+      <p:ext uri="{BB962C8B-B14F-4D97-AF65-F5344CB8AC3E}">
+        <p14:creationId xmlns:p14="http://schemas.microsoft.com/office/powerpoint/2010/main" val="2792646355"/>
+      </p:ext>
+    </p:extLst>
+  </p:cSld>
+  <p:clrMapOvr>
+    <a:masterClrMapping/>
+  </p:clrMapOvr>
+  <mc:AlternateContent xmlns:mc="http://schemas.openxmlformats.org/markup-compatibility/2006" xmlns:p14="http://schemas.microsoft.com/office/powerpoint/2010/main">
+    <mc:Choice Requires="p14">
+      <p:transition p14:dur="250">
+        <p:fade/>
+      </p:transition>
+    </mc:Choice>
+    <mc:Fallback xmlns="">
+      <p:transition>
+        <p:fade/>
+      </p:transition>
+    </mc:Fallback>
+  </mc:AlternateContent>
+</p:sld>
+</file>
+
+<file path=ppt/slides/slide19.xml><?xml version="1.0" encoding="utf-8"?>
+<p:sld xmlns:a="http://schemas.openxmlformats.org/drawingml/2006/main" xmlns:r="http://schemas.openxmlformats.org/officeDocument/2006/relationships" xmlns:p="http://schemas.openxmlformats.org/presentationml/2006/main">
+  <p:cSld>
+    <p:spTree>
+      <p:nvGrpSpPr>
+        <p:cNvPr id="1" name=""/>
+        <p:cNvGrpSpPr/>
+        <p:nvPr/>
+      </p:nvGrpSpPr>
+      <p:grpSpPr>
+        <a:xfrm>
+          <a:off x="0" y="0"/>
+          <a:ext cx="0" cy="0"/>
+          <a:chOff x="0" y="0"/>
+          <a:chExt cx="0" cy="0"/>
+        </a:xfrm>
+      </p:grpSpPr>
+      <p:sp>
+        <p:nvSpPr>
+          <p:cNvPr id="2" name="Title 1"/>
+          <p:cNvSpPr>
+            <a:spLocks noGrp="1"/>
+          </p:cNvSpPr>
+          <p:nvPr>
+            <p:ph type="title"/>
+          </p:nvPr>
+        </p:nvSpPr>
+        <p:spPr/>
+        <p:txBody>
+          <a:bodyPr/>
+          <a:lstStyle/>
+          <a:p>
+            <a:endParaRPr lang="en-US"/>
+          </a:p>
+        </p:txBody>
+      </p:sp>
+      <p:sp>
+        <p:nvSpPr>
+          <p:cNvPr id="3" name="Content Placeholder 2"/>
+          <p:cNvSpPr>
+            <a:spLocks noGrp="1"/>
+          </p:cNvSpPr>
+          <p:nvPr>
+            <p:ph sz="quarter" idx="13"/>
+          </p:nvPr>
+        </p:nvSpPr>
+        <p:spPr/>
+        <p:txBody>
+          <a:bodyPr/>
+          <a:lstStyle/>
+          <a:p>
+            <a:endParaRPr lang="en-US"/>
+          </a:p>
+        </p:txBody>
+      </p:sp>
+      <p:sp>
+        <p:nvSpPr>
+          <p:cNvPr id="4" name="Content Placeholder 3"/>
+          <p:cNvSpPr>
+            <a:spLocks noGrp="1"/>
+          </p:cNvSpPr>
+          <p:nvPr>
+            <p:ph sz="quarter" idx="14"/>
+          </p:nvPr>
+        </p:nvSpPr>
+        <p:spPr/>
+        <p:txBody>
+          <a:bodyPr/>
+          <a:lstStyle/>
+          <a:p>
+            <a:endParaRPr lang="en-US"/>
+          </a:p>
+        </p:txBody>
+      </p:sp>
+      <p:pic>
+        <p:nvPicPr>
+          <p:cNvPr id="5" name="Picture 4"/>
+          <p:cNvPicPr>
+            <a:picLocks noChangeAspect="1"/>
+          </p:cNvPicPr>
+          <p:nvPr/>
+        </p:nvPicPr>
+        <p:blipFill>
+          <a:blip r:embed="rId2"/>
+          <a:stretch>
+            <a:fillRect/>
+          </a:stretch>
+        </p:blipFill>
+        <p:spPr>
+          <a:xfrm>
+            <a:off x="642146" y="292605"/>
+            <a:ext cx="10485199" cy="6404533"/>
+          </a:xfrm>
+          <a:prstGeom prst="rect">
+            <a:avLst/>
+          </a:prstGeom>
+        </p:spPr>
+      </p:pic>
+    </p:spTree>
+    <p:extLst>
+      <p:ext uri="{BB962C8B-B14F-4D97-AF65-F5344CB8AC3E}">
+        <p14:creationId xmlns:p14="http://schemas.microsoft.com/office/powerpoint/2010/main" val="3089849441"/>
+      </p:ext>
+    </p:extLst>
+  </p:cSld>
+  <p:clrMapOvr>
+    <a:masterClrMapping/>
+  </p:clrMapOvr>
+  <mc:AlternateContent xmlns:mc="http://schemas.openxmlformats.org/markup-compatibility/2006">
+    <mc:Choice xmlns:p14="http://schemas.microsoft.com/office/powerpoint/2010/main" Requires="p14">
+      <p:transition p14:dur="250">
+        <p:fade/>
+      </p:transition>
+    </mc:Choice>
+    <mc:Fallback>
+      <p:transition>
+        <p:fade/>
+      </p:transition>
+    </mc:Fallback>
+  </mc:AlternateContent>
+  <p:timing>
+    <p:tnLst>
+      <p:par>
+        <p:cTn id="1" dur="indefinite" restart="never" nodeType="tmRoot">
+          <p:childTnLst>
+            <p:seq concurrent="1" nextAc="seek">
+              <p:cTn id="2" dur="indefinite" nodeType="mainSeq">
+                <p:childTnLst>
+                  <p:par>
+                    <p:cTn id="3" fill="hold">
+                      <p:stCondLst>
+                        <p:cond delay="indefinite"/>
+                      </p:stCondLst>
+                      <p:childTnLst>
+                        <p:par>
+                          <p:cTn id="4" fill="hold">
+                            <p:stCondLst>
+                              <p:cond delay="0"/>
+                            </p:stCondLst>
+                            <p:childTnLst>
+                              <p:par>
+                                <p:cTn id="5" presetID="10" presetClass="entr" presetSubtype="0" fill="hold" nodeType="clickEffect">
+                                  <p:stCondLst>
+                                    <p:cond delay="0"/>
+                                  </p:stCondLst>
+                                  <p:childTnLst>
+                                    <p:set>
+                                      <p:cBhvr>
+                                        <p:cTn id="6" dur="1" fill="hold">
+                                          <p:stCondLst>
+                                            <p:cond delay="0"/>
+                                          </p:stCondLst>
+                                        </p:cTn>
+                                        <p:tgtEl>
+                                          <p:spTgt spid="5"/>
+                                        </p:tgtEl>
+                                        <p:attrNameLst>
+                                          <p:attrName>style.visibility</p:attrName>
+                                        </p:attrNameLst>
+                                      </p:cBhvr>
+                                      <p:to>
+                                        <p:strVal val="visible"/>
+                                      </p:to>
+                                    </p:set>
+                                    <p:animEffect transition="in" filter="fade">
+                                      <p:cBhvr>
+                                        <p:cTn id="7" dur="250"/>
+                                        <p:tgtEl>
+                                          <p:spTgt spid="5"/>
+                                        </p:tgtEl>
+                                      </p:cBhvr>
+                                    </p:animEffect>
+                                  </p:childTnLst>
+                                </p:cTn>
+                              </p:par>
+                            </p:childTnLst>
+                          </p:cTn>
+                        </p:par>
+                      </p:childTnLst>
+                    </p:cTn>
+                  </p:par>
+                </p:childTnLst>
+              </p:cTn>
+              <p:prevCondLst>
+                <p:cond evt="onPrev" delay="0">
+                  <p:tgtEl>
+                    <p:sldTgt/>
+                  </p:tgtEl>
+                </p:cond>
+              </p:prevCondLst>
+              <p:nextCondLst>
+                <p:cond evt="onNext" delay="0">
+                  <p:tgtEl>
+                    <p:sldTgt/>
+                  </p:tgtEl>
+                </p:cond>
+              </p:nextCondLst>
+            </p:seq>
+          </p:childTnLst>
+        </p:cTn>
+      </p:par>
+    </p:tnLst>
+  </p:timing>
+</p:sld>
+</file>
+
+<file path=ppt/slides/slide2.xml><?xml version="1.0" encoding="utf-8"?>
+<p:sld xmlns:a="http://schemas.openxmlformats.org/drawingml/2006/main" xmlns:r="http://schemas.openxmlformats.org/officeDocument/2006/relationships" xmlns:p="http://schemas.openxmlformats.org/presentationml/2006/main">
+  <p:cSld>
+    <p:spTree>
+      <p:nvGrpSpPr>
+        <p:cNvPr id="1" name=""/>
+        <p:cNvGrpSpPr/>
+        <p:nvPr/>
+      </p:nvGrpSpPr>
+      <p:grpSpPr>
+        <a:xfrm>
+          <a:off x="0" y="0"/>
+          <a:ext cx="0" cy="0"/>
+          <a:chOff x="0" y="0"/>
+          <a:chExt cx="0" cy="0"/>
+        </a:xfrm>
+      </p:grpSpPr>
+      <p:sp>
+        <p:nvSpPr>
+          <p:cNvPr id="2" name="Title 1"/>
+          <p:cNvSpPr>
+            <a:spLocks noGrp="1"/>
+          </p:cNvSpPr>
+          <p:nvPr>
+            <p:ph type="title"/>
+          </p:nvPr>
+        </p:nvSpPr>
+        <p:spPr/>
+        <p:txBody>
+          <a:bodyPr/>
+          <a:lstStyle/>
+          <a:p>
+            <a:r>
+              <a:rPr lang="en-US" dirty="0" smtClean="0"/>
+              <a:t>Group member</a:t>
+            </a:r>
+            <a:endParaRPr lang="en-US" dirty="0"/>
+          </a:p>
+        </p:txBody>
+      </p:sp>
+      <p:sp>
+        <p:nvSpPr>
+          <p:cNvPr id="4" name="TextBox 3"/>
+          <p:cNvSpPr txBox="1"/>
+          <p:nvPr/>
+        </p:nvSpPr>
+        <p:spPr>
+          <a:xfrm>
+            <a:off x="4387708" y="2884867"/>
+            <a:ext cx="3713103" cy="3108543"/>
+          </a:xfrm>
+          <a:prstGeom prst="rect">
+            <a:avLst/>
+          </a:prstGeom>
+          <a:noFill/>
+        </p:spPr>
+        <p:txBody>
+          <a:bodyPr wrap="square" rtlCol="0">
+            <a:spAutoFit/>
+          </a:bodyPr>
+          <a:lstStyle/>
+          <a:p>
+            <a:pPr marL="285750" indent="-285750">
+              <a:buFont typeface="Arial" panose="020B0604020202020204" pitchFamily="34" charset="0"/>
+              <a:buChar char="•"/>
+            </a:pPr>
+            <a:r>
+              <a:rPr lang="en-US" sz="2800" dirty="0" err="1">
+                <a:latin typeface="Times New Roman" panose="02020603050405020304" pitchFamily="18" charset="0"/>
+                <a:cs typeface="Times New Roman" panose="02020603050405020304" pitchFamily="18" charset="0"/>
+              </a:rPr>
+              <a:t>Hoàng</a:t>
+            </a:r>
+            <a:r>
+              <a:rPr lang="en-US" sz="2800" dirty="0">
+                <a:latin typeface="Times New Roman" panose="02020603050405020304" pitchFamily="18" charset="0"/>
+                <a:cs typeface="Times New Roman" panose="02020603050405020304" pitchFamily="18" charset="0"/>
+              </a:rPr>
+              <a:t> </a:t>
+            </a:r>
+            <a:r>
+              <a:rPr lang="en-US" sz="2800" dirty="0" err="1">
+                <a:latin typeface="Times New Roman" panose="02020603050405020304" pitchFamily="18" charset="0"/>
+                <a:cs typeface="Times New Roman" panose="02020603050405020304" pitchFamily="18" charset="0"/>
+              </a:rPr>
+              <a:t>Thị</a:t>
+            </a:r>
+            <a:r>
+              <a:rPr lang="en-US" sz="2800" dirty="0">
+                <a:latin typeface="Times New Roman" panose="02020603050405020304" pitchFamily="18" charset="0"/>
+                <a:cs typeface="Times New Roman" panose="02020603050405020304" pitchFamily="18" charset="0"/>
+              </a:rPr>
+              <a:t> </a:t>
+            </a:r>
+            <a:r>
+              <a:rPr lang="en-US" sz="2800" dirty="0" err="1">
+                <a:latin typeface="Times New Roman" panose="02020603050405020304" pitchFamily="18" charset="0"/>
+                <a:cs typeface="Times New Roman" panose="02020603050405020304" pitchFamily="18" charset="0"/>
+              </a:rPr>
+              <a:t>Nhung</a:t>
+            </a:r>
+            <a:endParaRPr lang="en-US" sz="2800" dirty="0">
+              <a:latin typeface="Times New Roman" panose="02020603050405020304" pitchFamily="18" charset="0"/>
+              <a:cs typeface="Times New Roman" panose="02020603050405020304" pitchFamily="18" charset="0"/>
+            </a:endParaRPr>
+          </a:p>
+          <a:p>
+            <a:pPr marL="285750" indent="-285750">
+              <a:buFont typeface="Arial" panose="020B0604020202020204" pitchFamily="34" charset="0"/>
+              <a:buChar char="•"/>
+            </a:pPr>
+            <a:r>
+              <a:rPr lang="en-US" sz="2800" dirty="0" err="1" smtClean="0">
+                <a:latin typeface="Times New Roman" panose="02020603050405020304" pitchFamily="18" charset="0"/>
+                <a:cs typeface="Times New Roman" panose="02020603050405020304" pitchFamily="18" charset="0"/>
+              </a:rPr>
+              <a:t>Nguyễn</a:t>
+            </a:r>
+            <a:r>
+              <a:rPr lang="en-US" sz="2800" dirty="0" smtClean="0">
+                <a:latin typeface="Times New Roman" panose="02020603050405020304" pitchFamily="18" charset="0"/>
+                <a:cs typeface="Times New Roman" panose="02020603050405020304" pitchFamily="18" charset="0"/>
+              </a:rPr>
+              <a:t> Xuân Nam</a:t>
+            </a:r>
+          </a:p>
+          <a:p>
+            <a:pPr marL="285750" indent="-285750">
+              <a:buFont typeface="Arial" panose="020B0604020202020204" pitchFamily="34" charset="0"/>
+              <a:buChar char="•"/>
+            </a:pPr>
+            <a:r>
+              <a:rPr lang="en-US" sz="2800" dirty="0" err="1" smtClean="0">
+                <a:latin typeface="Times New Roman" panose="02020603050405020304" pitchFamily="18" charset="0"/>
+                <a:cs typeface="Times New Roman" panose="02020603050405020304" pitchFamily="18" charset="0"/>
+              </a:rPr>
+              <a:t>Phùng</a:t>
+            </a:r>
+            <a:r>
+              <a:rPr lang="en-US" sz="2800" dirty="0" smtClean="0">
+                <a:latin typeface="Times New Roman" panose="02020603050405020304" pitchFamily="18" charset="0"/>
+                <a:cs typeface="Times New Roman" panose="02020603050405020304" pitchFamily="18" charset="0"/>
+              </a:rPr>
+              <a:t> </a:t>
+            </a:r>
+            <a:r>
+              <a:rPr lang="en-US" sz="2800" dirty="0" err="1" smtClean="0">
+                <a:latin typeface="Times New Roman" panose="02020603050405020304" pitchFamily="18" charset="0"/>
+                <a:cs typeface="Times New Roman" panose="02020603050405020304" pitchFamily="18" charset="0"/>
+              </a:rPr>
+              <a:t>Nguyên</a:t>
+            </a:r>
+            <a:r>
+              <a:rPr lang="en-US" sz="2800" dirty="0" smtClean="0">
+                <a:latin typeface="Times New Roman" panose="02020603050405020304" pitchFamily="18" charset="0"/>
+                <a:cs typeface="Times New Roman" panose="02020603050405020304" pitchFamily="18" charset="0"/>
+              </a:rPr>
+              <a:t> </a:t>
+            </a:r>
+            <a:r>
+              <a:rPr lang="en-US" sz="2800" dirty="0" err="1" smtClean="0">
+                <a:latin typeface="Times New Roman" panose="02020603050405020304" pitchFamily="18" charset="0"/>
+                <a:cs typeface="Times New Roman" panose="02020603050405020304" pitchFamily="18" charset="0"/>
+              </a:rPr>
+              <a:t>Ngọc</a:t>
+            </a:r>
+            <a:endParaRPr lang="en-US" sz="2800" dirty="0" smtClean="0">
+              <a:latin typeface="Times New Roman" panose="02020603050405020304" pitchFamily="18" charset="0"/>
+              <a:cs typeface="Times New Roman" panose="02020603050405020304" pitchFamily="18" charset="0"/>
+            </a:endParaRPr>
+          </a:p>
+          <a:p>
+            <a:pPr marL="285750" indent="-285750">
+              <a:buFont typeface="Arial" panose="020B0604020202020204" pitchFamily="34" charset="0"/>
+              <a:buChar char="•"/>
+            </a:pPr>
+            <a:endParaRPr lang="en-US" sz="2800" dirty="0">
+              <a:latin typeface="Times New Roman" panose="02020603050405020304" pitchFamily="18" charset="0"/>
+              <a:cs typeface="Times New Roman" panose="02020603050405020304" pitchFamily="18" charset="0"/>
+            </a:endParaRPr>
+          </a:p>
+          <a:p>
+            <a:pPr marL="285750" indent="-285750">
+              <a:buFont typeface="Arial" panose="020B0604020202020204" pitchFamily="34" charset="0"/>
+              <a:buChar char="•"/>
+            </a:pPr>
+            <a:endParaRPr lang="en-US" sz="2800" dirty="0" smtClean="0">
+              <a:latin typeface="Times New Roman" panose="02020603050405020304" pitchFamily="18" charset="0"/>
+              <a:cs typeface="Times New Roman" panose="02020603050405020304" pitchFamily="18" charset="0"/>
+            </a:endParaRPr>
+          </a:p>
+          <a:p>
+            <a:pPr marL="285750" indent="-285750">
+              <a:buFont typeface="Arial" panose="020B0604020202020204" pitchFamily="34" charset="0"/>
+              <a:buChar char="•"/>
+            </a:pPr>
+            <a:endParaRPr lang="en-US" sz="2800" dirty="0">
+              <a:latin typeface="Times New Roman" panose="02020603050405020304" pitchFamily="18" charset="0"/>
+              <a:cs typeface="Times New Roman" panose="02020603050405020304" pitchFamily="18" charset="0"/>
+            </a:endParaRPr>
+          </a:p>
+          <a:p>
+            <a:pPr marL="285750" indent="-285750">
+              <a:buFont typeface="Arial" panose="020B0604020202020204" pitchFamily="34" charset="0"/>
+              <a:buChar char="•"/>
+            </a:pPr>
+            <a:endParaRPr lang="en-US" sz="2800" dirty="0" smtClean="0">
+              <a:latin typeface="Times New Roman" panose="02020603050405020304" pitchFamily="18" charset="0"/>
+              <a:cs typeface="Times New Roman" panose="02020603050405020304" pitchFamily="18" charset="0"/>
+            </a:endParaRPr>
+          </a:p>
+        </p:txBody>
+      </p:sp>
+    </p:spTree>
+    <p:extLst>
+      <p:ext uri="{BB962C8B-B14F-4D97-AF65-F5344CB8AC3E}">
+        <p14:creationId xmlns:p14="http://schemas.microsoft.com/office/powerpoint/2010/main" val="1401762973"/>
+      </p:ext>
+    </p:extLst>
+  </p:cSld>
+  <p:clrMapOvr>
+    <a:masterClrMapping/>
+  </p:clrMapOvr>
+  <mc:AlternateContent xmlns:mc="http://schemas.openxmlformats.org/markup-compatibility/2006" xmlns:p14="http://schemas.microsoft.com/office/powerpoint/2010/main">
+    <mc:Choice Requires="p14">
+      <p:transition p14:dur="250">
+        <p:fade/>
+      </p:transition>
+    </mc:Choice>
+    <mc:Fallback xmlns="">
+      <p:transition>
+        <p:fade/>
+      </p:transition>
+    </mc:Fallback>
+  </mc:AlternateContent>
+</p:sld>
+</file>
+
+<file path=ppt/slides/slide20.xml><?xml version="1.0" encoding="utf-8"?>
+<p:sld xmlns:a="http://schemas.openxmlformats.org/drawingml/2006/main" xmlns:r="http://schemas.openxmlformats.org/officeDocument/2006/relationships" xmlns:p="http://schemas.openxmlformats.org/presentationml/2006/main">
+  <p:cSld>
+    <p:spTree>
+      <p:nvGrpSpPr>
+        <p:cNvPr id="1" name=""/>
+        <p:cNvGrpSpPr/>
+        <p:nvPr/>
+      </p:nvGrpSpPr>
+      <p:grpSpPr>
+        <a:xfrm>
+          <a:off x="0" y="0"/>
+          <a:ext cx="0" cy="0"/>
+          <a:chOff x="0" y="0"/>
+          <a:chExt cx="0" cy="0"/>
+        </a:xfrm>
+      </p:grpSpPr>
+      <p:sp>
+        <p:nvSpPr>
+          <p:cNvPr id="2" name="Title 1"/>
+          <p:cNvSpPr>
+            <a:spLocks noGrp="1"/>
+          </p:cNvSpPr>
+          <p:nvPr>
+            <p:ph type="title"/>
+          </p:nvPr>
+        </p:nvSpPr>
+        <p:spPr>
+          <a:xfrm>
+            <a:off x="837574" y="168141"/>
+            <a:ext cx="10364451" cy="500599"/>
+          </a:xfrm>
+        </p:spPr>
+        <p:txBody>
+          <a:bodyPr>
+            <a:normAutofit fontScale="90000"/>
+          </a:bodyPr>
+          <a:lstStyle/>
+          <a:p>
+            <a:r>
+              <a:rPr lang="en-US" dirty="0" err="1" smtClean="0"/>
+              <a:t>git</a:t>
+            </a:r>
+            <a:endParaRPr lang="en-US" dirty="0"/>
+          </a:p>
+        </p:txBody>
+      </p:sp>
+      <p:pic>
+        <p:nvPicPr>
+          <p:cNvPr id="5" name="Picture 4"/>
+          <p:cNvPicPr>
+            <a:picLocks noChangeAspect="1"/>
+          </p:cNvPicPr>
+          <p:nvPr/>
+        </p:nvPicPr>
+        <p:blipFill>
+          <a:blip r:embed="rId2">
+            <a:extLst>
+              <a:ext uri="{28A0092B-C50C-407E-A947-70E740481C1C}">
+                <a14:useLocalDpi xmlns:a14="http://schemas.microsoft.com/office/drawing/2010/main" val="0"/>
+              </a:ext>
+            </a:extLst>
+          </a:blip>
+          <a:stretch>
+            <a:fillRect/>
+          </a:stretch>
+        </p:blipFill>
+        <p:spPr>
+          <a:xfrm>
+            <a:off x="635757" y="668740"/>
+            <a:ext cx="11319682" cy="6099037"/>
+          </a:xfrm>
+          <a:prstGeom prst="rect">
+            <a:avLst/>
+          </a:prstGeom>
+        </p:spPr>
+      </p:pic>
+    </p:spTree>
+    <p:extLst>
+      <p:ext uri="{BB962C8B-B14F-4D97-AF65-F5344CB8AC3E}">
+        <p14:creationId xmlns:p14="http://schemas.microsoft.com/office/powerpoint/2010/main" val="2287962361"/>
+      </p:ext>
+    </p:extLst>
+  </p:cSld>
+  <p:clrMapOvr>
+    <a:masterClrMapping/>
+  </p:clrMapOvr>
+  <mc:AlternateContent xmlns:mc="http://schemas.openxmlformats.org/markup-compatibility/2006">
+    <mc:Choice xmlns:p14="http://schemas.microsoft.com/office/powerpoint/2010/main" Requires="p14">
+      <p:transition p14:dur="250">
+        <p:fade/>
+      </p:transition>
+    </mc:Choice>
+    <mc:Fallback>
+      <p:transition>
+        <p:fade/>
+      </p:transition>
+    </mc:Fallback>
+  </mc:AlternateContent>
+</p:sld>
+</file>
+
+<file path=ppt/slides/slide21.xml><?xml version="1.0" encoding="utf-8"?>
+<p:sld xmlns:a="http://schemas.openxmlformats.org/drawingml/2006/main" xmlns:r="http://schemas.openxmlformats.org/officeDocument/2006/relationships" xmlns:p="http://schemas.openxmlformats.org/presentationml/2006/main">
+  <p:cSld>
+    <p:spTree>
+      <p:nvGrpSpPr>
+        <p:cNvPr id="1" name=""/>
+        <p:cNvGrpSpPr/>
+        <p:nvPr/>
+      </p:nvGrpSpPr>
+      <p:grpSpPr>
+        <a:xfrm>
+          <a:off x="0" y="0"/>
+          <a:ext cx="0" cy="0"/>
+          <a:chOff x="0" y="0"/>
+          <a:chExt cx="0" cy="0"/>
+        </a:xfrm>
+      </p:grpSpPr>
+      <p:sp>
+        <p:nvSpPr>
+          <p:cNvPr id="2" name="Title 1"/>
+          <p:cNvSpPr>
+            <a:spLocks noGrp="1"/>
+          </p:cNvSpPr>
+          <p:nvPr>
+            <p:ph type="title"/>
+          </p:nvPr>
+        </p:nvSpPr>
+        <p:spPr>
+          <a:xfrm>
+            <a:off x="837574" y="168141"/>
+            <a:ext cx="10364451" cy="500599"/>
+          </a:xfrm>
+        </p:spPr>
+        <p:txBody>
+          <a:bodyPr>
+            <a:normAutofit fontScale="90000"/>
+          </a:bodyPr>
+          <a:lstStyle/>
+          <a:p>
+            <a:r>
+              <a:rPr lang="en-US" dirty="0" err="1" smtClean="0"/>
+              <a:t>git</a:t>
+            </a:r>
+            <a:endParaRPr lang="en-US" dirty="0"/>
+          </a:p>
+        </p:txBody>
+      </p:sp>
+      <p:pic>
+        <p:nvPicPr>
+          <p:cNvPr id="3" name="Picture 2"/>
+          <p:cNvPicPr>
+            <a:picLocks noChangeAspect="1"/>
+          </p:cNvPicPr>
+          <p:nvPr/>
+        </p:nvPicPr>
+        <p:blipFill>
+          <a:blip r:embed="rId2">
+            <a:extLst>
+              <a:ext uri="{28A0092B-C50C-407E-A947-70E740481C1C}">
+                <a14:useLocalDpi xmlns:a14="http://schemas.microsoft.com/office/drawing/2010/main" val="0"/>
+              </a:ext>
+            </a:extLst>
+          </a:blip>
+          <a:stretch>
+            <a:fillRect/>
+          </a:stretch>
+        </p:blipFill>
+        <p:spPr>
+          <a:xfrm>
+            <a:off x="559559" y="641444"/>
+            <a:ext cx="11487134" cy="6189260"/>
+          </a:xfrm>
+          <a:prstGeom prst="rect">
+            <a:avLst/>
+          </a:prstGeom>
+        </p:spPr>
+      </p:pic>
+    </p:spTree>
+    <p:extLst>
+      <p:ext uri="{BB962C8B-B14F-4D97-AF65-F5344CB8AC3E}">
+        <p14:creationId xmlns:p14="http://schemas.microsoft.com/office/powerpoint/2010/main" val="3723971511"/>
+      </p:ext>
+    </p:extLst>
+  </p:cSld>
+  <p:clrMapOvr>
+    <a:masterClrMapping/>
+  </p:clrMapOvr>
+  <mc:AlternateContent xmlns:mc="http://schemas.openxmlformats.org/markup-compatibility/2006" xmlns:p14="http://schemas.microsoft.com/office/powerpoint/2010/main">
+    <mc:Choice Requires="p14">
+      <p:transition p14:dur="250">
+        <p:fade/>
+      </p:transition>
+    </mc:Choice>
+    <mc:Fallback xmlns="">
+      <p:transition>
+        <p:fade/>
+      </p:transition>
+    </mc:Fallback>
+  </mc:AlternateContent>
+</p:sld>
+</file>
+
+<file path=ppt/slides/slide22.xml><?xml version="1.0" encoding="utf-8"?>
+<p:sld xmlns:a="http://schemas.openxmlformats.org/drawingml/2006/main" xmlns:r="http://schemas.openxmlformats.org/officeDocument/2006/relationships" xmlns:p="http://schemas.openxmlformats.org/presentationml/2006/main">
+  <p:cSld>
+    <p:spTree>
+      <p:nvGrpSpPr>
+        <p:cNvPr id="1" name=""/>
+        <p:cNvGrpSpPr/>
+        <p:nvPr/>
+      </p:nvGrpSpPr>
+      <p:grpSpPr>
+        <a:xfrm>
+          <a:off x="0" y="0"/>
+          <a:ext cx="0" cy="0"/>
+          <a:chOff x="0" y="0"/>
+          <a:chExt cx="0" cy="0"/>
+        </a:xfrm>
+      </p:grpSpPr>
+      <p:sp>
+        <p:nvSpPr>
+          <p:cNvPr id="2" name="Title 1"/>
+          <p:cNvSpPr>
+            <a:spLocks noGrp="1"/>
+          </p:cNvSpPr>
+          <p:nvPr>
+            <p:ph type="title"/>
+          </p:nvPr>
+        </p:nvSpPr>
+        <p:spPr/>
+        <p:txBody>
+          <a:bodyPr/>
+          <a:lstStyle/>
+          <a:p>
+            <a:r>
+              <a:rPr lang="en-US" dirty="0" smtClean="0"/>
+              <a:t>Pivotal tracker</a:t>
+            </a:r>
+            <a:endParaRPr lang="en-US" dirty="0"/>
+          </a:p>
+        </p:txBody>
+      </p:sp>
+      <p:pic>
+        <p:nvPicPr>
+          <p:cNvPr id="6" name="Content Placeholder 5"/>
+          <p:cNvPicPr>
+            <a:picLocks noGrp="1" noChangeAspect="1"/>
+          </p:cNvPicPr>
+          <p:nvPr>
+            <p:ph sz="quarter" idx="13"/>
+          </p:nvPr>
+        </p:nvPicPr>
+        <p:blipFill>
+          <a:blip r:embed="rId2">
+            <a:extLst>
+              <a:ext uri="{28A0092B-C50C-407E-A947-70E740481C1C}">
+                <a14:useLocalDpi xmlns:a14="http://schemas.microsoft.com/office/drawing/2010/main" val="0"/>
+              </a:ext>
+            </a:extLst>
+          </a:blip>
+          <a:stretch>
+            <a:fillRect/>
+          </a:stretch>
+        </p:blipFill>
+        <p:spPr>
+          <a:xfrm>
+            <a:off x="341195" y="1750669"/>
+            <a:ext cx="11720714" cy="4732017"/>
+          </a:xfrm>
+        </p:spPr>
+      </p:pic>
+    </p:spTree>
+    <p:extLst>
+      <p:ext uri="{BB962C8B-B14F-4D97-AF65-F5344CB8AC3E}">
+        <p14:creationId xmlns:p14="http://schemas.microsoft.com/office/powerpoint/2010/main" val="482383768"/>
+      </p:ext>
+    </p:extLst>
+  </p:cSld>
+  <p:clrMapOvr>
+    <a:masterClrMapping/>
+  </p:clrMapOvr>
+  <mc:AlternateContent xmlns:mc="http://schemas.openxmlformats.org/markup-compatibility/2006" xmlns:p14="http://schemas.microsoft.com/office/powerpoint/2010/main">
+    <mc:Choice Requires="p14">
+      <p:transition p14:dur="250">
+        <p:fade/>
+      </p:transition>
+    </mc:Choice>
+    <mc:Fallback xmlns="">
+      <p:transition>
+        <p:fade/>
+      </p:transition>
+    </mc:Fallback>
+  </mc:AlternateContent>
+</p:sld>
+</file>
+
+<file path=ppt/slides/slide23.xml><?xml version="1.0" encoding="utf-8"?>
+<p:sld xmlns:a="http://schemas.openxmlformats.org/drawingml/2006/main" xmlns:r="http://schemas.openxmlformats.org/officeDocument/2006/relationships" xmlns:p="http://schemas.openxmlformats.org/presentationml/2006/main">
+  <p:cSld>
+    <p:spTree>
+      <p:nvGrpSpPr>
+        <p:cNvPr id="1" name=""/>
+        <p:cNvGrpSpPr/>
+        <p:nvPr/>
+      </p:nvGrpSpPr>
+      <p:grpSpPr>
+        <a:xfrm>
+          <a:off x="0" y="0"/>
+          <a:ext cx="0" cy="0"/>
+          <a:chOff x="0" y="0"/>
+          <a:chExt cx="0" cy="0"/>
+        </a:xfrm>
+      </p:grpSpPr>
+      <p:sp>
+        <p:nvSpPr>
+          <p:cNvPr id="2" name="Title 1"/>
+          <p:cNvSpPr>
+            <a:spLocks noGrp="1"/>
+          </p:cNvSpPr>
+          <p:nvPr>
+            <p:ph type="title"/>
+          </p:nvPr>
+        </p:nvSpPr>
+        <p:spPr>
+          <a:xfrm>
+            <a:off x="913149" y="233433"/>
+            <a:ext cx="10364451" cy="590488"/>
+          </a:xfrm>
+        </p:spPr>
+        <p:txBody>
+          <a:bodyPr/>
+          <a:lstStyle/>
+          <a:p>
+            <a:r>
+              <a:rPr lang="en-US" dirty="0" smtClean="0"/>
+              <a:t>Pivotal tracker</a:t>
+            </a:r>
+            <a:endParaRPr lang="en-US" dirty="0"/>
+          </a:p>
+        </p:txBody>
+      </p:sp>
+      <p:sp>
+        <p:nvSpPr>
+          <p:cNvPr id="3" name="Content Placeholder 2"/>
+          <p:cNvSpPr>
+            <a:spLocks noGrp="1"/>
+          </p:cNvSpPr>
+          <p:nvPr>
+            <p:ph sz="quarter" idx="13"/>
+          </p:nvPr>
+        </p:nvSpPr>
+        <p:spPr/>
+        <p:txBody>
+          <a:bodyPr/>
+          <a:lstStyle/>
+          <a:p>
+            <a:endParaRPr lang="en-US"/>
+          </a:p>
+        </p:txBody>
+      </p:sp>
+      <p:sp>
+        <p:nvSpPr>
+          <p:cNvPr id="4" name="Content Placeholder 3"/>
+          <p:cNvSpPr>
+            <a:spLocks noGrp="1"/>
+          </p:cNvSpPr>
+          <p:nvPr>
+            <p:ph sz="quarter" idx="14"/>
+          </p:nvPr>
+        </p:nvSpPr>
+        <p:spPr/>
+        <p:txBody>
+          <a:bodyPr/>
+          <a:lstStyle/>
+          <a:p>
+            <a:endParaRPr lang="en-US"/>
+          </a:p>
+        </p:txBody>
+      </p:sp>
+      <p:pic>
+        <p:nvPicPr>
+          <p:cNvPr id="5" name="Picture 4"/>
+          <p:cNvPicPr>
+            <a:picLocks noChangeAspect="1"/>
+          </p:cNvPicPr>
+          <p:nvPr/>
+        </p:nvPicPr>
+        <p:blipFill>
+          <a:blip r:embed="rId2"/>
+          <a:stretch>
+            <a:fillRect/>
+          </a:stretch>
+        </p:blipFill>
+        <p:spPr>
+          <a:xfrm>
+            <a:off x="199955" y="919455"/>
+            <a:ext cx="10809524" cy="5504762"/>
+          </a:xfrm>
+          <a:prstGeom prst="rect">
+            <a:avLst/>
+          </a:prstGeom>
+        </p:spPr>
+      </p:pic>
+    </p:spTree>
+    <p:extLst>
+      <p:ext uri="{BB962C8B-B14F-4D97-AF65-F5344CB8AC3E}">
+        <p14:creationId xmlns:p14="http://schemas.microsoft.com/office/powerpoint/2010/main" val="1953116613"/>
+      </p:ext>
+    </p:extLst>
+  </p:cSld>
+  <p:clrMapOvr>
+    <a:masterClrMapping/>
+  </p:clrMapOvr>
+  <mc:AlternateContent xmlns:mc="http://schemas.openxmlformats.org/markup-compatibility/2006">
+    <mc:Choice xmlns:p14="http://schemas.microsoft.com/office/powerpoint/2010/main" Requires="p14">
+      <p:transition p14:dur="250">
+        <p:fade/>
+      </p:transition>
+    </mc:Choice>
+    <mc:Fallback>
+      <p:transition>
+        <p:fade/>
+      </p:transition>
+    </mc:Fallback>
+  </mc:AlternateContent>
+  <p:timing>
+    <p:tnLst>
+      <p:par>
+        <p:cTn id="1" dur="indefinite" restart="never" nodeType="tmRoot">
+          <p:childTnLst>
+            <p:seq concurrent="1" nextAc="seek">
+              <p:cTn id="2" dur="indefinite" nodeType="mainSeq">
+                <p:childTnLst>
+                  <p:par>
+                    <p:cTn id="3" fill="hold">
+                      <p:stCondLst>
+                        <p:cond delay="indefinite"/>
+                      </p:stCondLst>
+                      <p:childTnLst>
+                        <p:par>
+                          <p:cTn id="4" fill="hold">
+                            <p:stCondLst>
+                              <p:cond delay="0"/>
+                            </p:stCondLst>
+                            <p:childTnLst>
+                              <p:par>
+                                <p:cTn id="5" presetID="10" presetClass="entr" presetSubtype="0" fill="hold" nodeType="clickEffect">
+                                  <p:stCondLst>
+                                    <p:cond delay="0"/>
+                                  </p:stCondLst>
+                                  <p:childTnLst>
+                                    <p:set>
+                                      <p:cBhvr>
+                                        <p:cTn id="6" dur="1" fill="hold">
+                                          <p:stCondLst>
+                                            <p:cond delay="0"/>
+                                          </p:stCondLst>
+                                        </p:cTn>
+                                        <p:tgtEl>
+                                          <p:spTgt spid="5"/>
+                                        </p:tgtEl>
+                                        <p:attrNameLst>
+                                          <p:attrName>style.visibility</p:attrName>
+                                        </p:attrNameLst>
+                                      </p:cBhvr>
+                                      <p:to>
+                                        <p:strVal val="visible"/>
+                                      </p:to>
+                                    </p:set>
+                                    <p:animEffect transition="in" filter="fade">
+                                      <p:cBhvr>
+                                        <p:cTn id="7" dur="250"/>
+                                        <p:tgtEl>
+                                          <p:spTgt spid="5"/>
+                                        </p:tgtEl>
+                                      </p:cBhvr>
+                                    </p:animEffect>
+                                  </p:childTnLst>
+                                </p:cTn>
+                              </p:par>
+                            </p:childTnLst>
+                          </p:cTn>
+                        </p:par>
+                      </p:childTnLst>
+                    </p:cTn>
+                  </p:par>
+                </p:childTnLst>
+              </p:cTn>
+              <p:prevCondLst>
+                <p:cond evt="onPrev" delay="0">
+                  <p:tgtEl>
+                    <p:sldTgt/>
+                  </p:tgtEl>
+                </p:cond>
+              </p:prevCondLst>
+              <p:nextCondLst>
+                <p:cond evt="onNext" delay="0">
+                  <p:tgtEl>
+                    <p:sldTgt/>
+                  </p:tgtEl>
+                </p:cond>
+              </p:nextCondLst>
+            </p:seq>
+          </p:childTnLst>
+        </p:cTn>
+      </p:par>
+    </p:tnLst>
+  </p:timing>
+</p:sld>
+</file>
+
+<file path=ppt/slides/slide24.xml><?xml version="1.0" encoding="utf-8"?>
+<p:sld xmlns:a="http://schemas.openxmlformats.org/drawingml/2006/main" xmlns:r="http://schemas.openxmlformats.org/officeDocument/2006/relationships" xmlns:p="http://schemas.openxmlformats.org/presentationml/2006/main">
+  <p:cSld>
+    <p:spTree>
+      <p:nvGrpSpPr>
+        <p:cNvPr id="1" name=""/>
+        <p:cNvGrpSpPr/>
+        <p:nvPr/>
+      </p:nvGrpSpPr>
+      <p:grpSpPr>
+        <a:xfrm>
+          <a:off x="0" y="0"/>
+          <a:ext cx="0" cy="0"/>
+          <a:chOff x="0" y="0"/>
+          <a:chExt cx="0" cy="0"/>
+        </a:xfrm>
+      </p:grpSpPr>
+      <p:sp>
+        <p:nvSpPr>
+          <p:cNvPr id="4" name="Content Placeholder 3"/>
+          <p:cNvSpPr>
+            <a:spLocks noGrp="1"/>
+          </p:cNvSpPr>
+          <p:nvPr>
+            <p:ph sz="quarter" idx="14"/>
+          </p:nvPr>
+        </p:nvSpPr>
+        <p:spPr/>
+        <p:txBody>
+          <a:bodyPr/>
+          <a:lstStyle/>
+          <a:p>
+            <a:endParaRPr lang="en-US"/>
+          </a:p>
+        </p:txBody>
+      </p:sp>
+      <p:pic>
+        <p:nvPicPr>
+          <p:cNvPr id="5" name="Picture 4"/>
+          <p:cNvPicPr>
+            <a:picLocks noChangeAspect="1"/>
+          </p:cNvPicPr>
+          <p:nvPr/>
+        </p:nvPicPr>
+        <p:blipFill>
+          <a:blip r:embed="rId2"/>
+          <a:stretch>
+            <a:fillRect/>
+          </a:stretch>
+        </p:blipFill>
+        <p:spPr>
+          <a:xfrm>
+            <a:off x="1416395" y="823921"/>
+            <a:ext cx="8519175" cy="5991508"/>
+          </a:xfrm>
+          <a:prstGeom prst="rect">
+            <a:avLst/>
+          </a:prstGeom>
+        </p:spPr>
+      </p:pic>
+      <p:sp>
+        <p:nvSpPr>
+          <p:cNvPr id="6" name="Title 1"/>
+          <p:cNvSpPr>
+            <a:spLocks noGrp="1"/>
+          </p:cNvSpPr>
+          <p:nvPr>
+            <p:ph type="title"/>
+          </p:nvPr>
+        </p:nvSpPr>
+        <p:spPr>
+          <a:xfrm>
+            <a:off x="913149" y="233433"/>
+            <a:ext cx="10364451" cy="590488"/>
+          </a:xfrm>
+        </p:spPr>
+        <p:txBody>
+          <a:bodyPr/>
+          <a:lstStyle/>
+          <a:p>
+            <a:r>
+              <a:rPr lang="en-US" dirty="0" smtClean="0"/>
+              <a:t>Pivotal tracker</a:t>
+            </a:r>
+            <a:endParaRPr lang="en-US" dirty="0"/>
+          </a:p>
+        </p:txBody>
+      </p:sp>
+    </p:spTree>
+    <p:extLst>
+      <p:ext uri="{BB962C8B-B14F-4D97-AF65-F5344CB8AC3E}">
+        <p14:creationId xmlns:p14="http://schemas.microsoft.com/office/powerpoint/2010/main" val="3158622155"/>
+      </p:ext>
+    </p:extLst>
+  </p:cSld>
+  <p:clrMapOvr>
+    <a:masterClrMapping/>
+  </p:clrMapOvr>
+  <mc:AlternateContent xmlns:mc="http://schemas.openxmlformats.org/markup-compatibility/2006">
+    <mc:Choice xmlns:p14="http://schemas.microsoft.com/office/powerpoint/2010/main" Requires="p14">
+      <p:transition p14:dur="250">
+        <p:fade/>
+      </p:transition>
+    </mc:Choice>
+    <mc:Fallback>
+      <p:transition>
+        <p:fade/>
+      </p:transition>
+    </mc:Fallback>
+  </mc:AlternateContent>
+  <p:timing>
+    <p:tnLst>
+      <p:par>
+        <p:cTn id="1" dur="indefinite" restart="never" nodeType="tmRoot">
+          <p:childTnLst>
+            <p:seq concurrent="1" nextAc="seek">
+              <p:cTn id="2" dur="indefinite" nodeType="mainSeq">
+                <p:childTnLst>
+                  <p:par>
+                    <p:cTn id="3" fill="hold">
+                      <p:stCondLst>
+                        <p:cond delay="indefinite"/>
+                      </p:stCondLst>
+                      <p:childTnLst>
+                        <p:par>
+                          <p:cTn id="4" fill="hold">
+                            <p:stCondLst>
+                              <p:cond delay="0"/>
+                            </p:stCondLst>
+                            <p:childTnLst>
+                              <p:par>
+                                <p:cTn id="5" presetID="10" presetClass="entr" presetSubtype="0" fill="hold" nodeType="clickEffect">
+                                  <p:stCondLst>
+                                    <p:cond delay="0"/>
+                                  </p:stCondLst>
+                                  <p:childTnLst>
+                                    <p:set>
+                                      <p:cBhvr>
+                                        <p:cTn id="6" dur="1" fill="hold">
+                                          <p:stCondLst>
+                                            <p:cond delay="0"/>
+                                          </p:stCondLst>
+                                        </p:cTn>
+                                        <p:tgtEl>
+                                          <p:spTgt spid="5"/>
+                                        </p:tgtEl>
+                                        <p:attrNameLst>
+                                          <p:attrName>style.visibility</p:attrName>
+                                        </p:attrNameLst>
+                                      </p:cBhvr>
+                                      <p:to>
+                                        <p:strVal val="visible"/>
+                                      </p:to>
+                                    </p:set>
+                                    <p:animEffect transition="in" filter="fade">
+                                      <p:cBhvr>
+                                        <p:cTn id="7" dur="250"/>
+                                        <p:tgtEl>
+                                          <p:spTgt spid="5"/>
+                                        </p:tgtEl>
+                                      </p:cBhvr>
+                                    </p:animEffect>
+                                  </p:childTnLst>
+                                </p:cTn>
+                              </p:par>
+                            </p:childTnLst>
+                          </p:cTn>
+                        </p:par>
+                      </p:childTnLst>
+                    </p:cTn>
+                  </p:par>
+                </p:childTnLst>
+              </p:cTn>
+              <p:prevCondLst>
+                <p:cond evt="onPrev" delay="0">
+                  <p:tgtEl>
+                    <p:sldTgt/>
+                  </p:tgtEl>
+                </p:cond>
+              </p:prevCondLst>
+              <p:nextCondLst>
+                <p:cond evt="onNext" delay="0">
+                  <p:tgtEl>
+                    <p:sldTgt/>
+                  </p:tgtEl>
+                </p:cond>
+              </p:nextCondLst>
+            </p:seq>
+          </p:childTnLst>
+        </p:cTn>
+      </p:par>
+    </p:tnLst>
+  </p:timing>
+</p:sld>
+</file>
+
+<file path=ppt/slides/slide25.xml><?xml version="1.0" encoding="utf-8"?>
+<p:sld xmlns:a="http://schemas.openxmlformats.org/drawingml/2006/main" xmlns:r="http://schemas.openxmlformats.org/officeDocument/2006/relationships" xmlns:p="http://schemas.openxmlformats.org/presentationml/2006/main">
+  <p:cSld>
+    <p:spTree>
+      <p:nvGrpSpPr>
+        <p:cNvPr id="1" name=""/>
+        <p:cNvGrpSpPr/>
+        <p:nvPr/>
+      </p:nvGrpSpPr>
+      <p:grpSpPr>
+        <a:xfrm>
+          <a:off x="0" y="0"/>
+          <a:ext cx="0" cy="0"/>
+          <a:chOff x="0" y="0"/>
+          <a:chExt cx="0" cy="0"/>
+        </a:xfrm>
+      </p:grpSpPr>
+      <p:sp>
+        <p:nvSpPr>
+          <p:cNvPr id="3" name="Content Placeholder 2"/>
+          <p:cNvSpPr>
+            <a:spLocks noGrp="1"/>
+          </p:cNvSpPr>
+          <p:nvPr>
+            <p:ph sz="quarter" idx="13"/>
+          </p:nvPr>
+        </p:nvSpPr>
+        <p:spPr/>
+        <p:txBody>
+          <a:bodyPr/>
+          <a:lstStyle/>
+          <a:p>
+            <a:endParaRPr lang="en-US" dirty="0"/>
+          </a:p>
+        </p:txBody>
+      </p:sp>
+      <p:sp>
+        <p:nvSpPr>
+          <p:cNvPr id="4" name="Content Placeholder 3"/>
+          <p:cNvSpPr>
+            <a:spLocks noGrp="1"/>
+          </p:cNvSpPr>
+          <p:nvPr>
+            <p:ph sz="quarter" idx="14"/>
+          </p:nvPr>
+        </p:nvSpPr>
+        <p:spPr/>
+        <p:txBody>
+          <a:bodyPr/>
+          <a:lstStyle/>
+          <a:p>
+            <a:endParaRPr lang="en-US"/>
+          </a:p>
+        </p:txBody>
+      </p:sp>
+      <p:pic>
+        <p:nvPicPr>
+          <p:cNvPr id="5" name="Picture 4"/>
+          <p:cNvPicPr>
+            <a:picLocks noChangeAspect="1"/>
+          </p:cNvPicPr>
+          <p:nvPr/>
+        </p:nvPicPr>
+        <p:blipFill>
+          <a:blip r:embed="rId2"/>
+          <a:stretch>
+            <a:fillRect/>
+          </a:stretch>
+        </p:blipFill>
+        <p:spPr>
+          <a:xfrm>
+            <a:off x="264335" y="1716128"/>
+            <a:ext cx="11663330" cy="4726034"/>
+          </a:xfrm>
+          <a:prstGeom prst="rect">
+            <a:avLst/>
+          </a:prstGeom>
+        </p:spPr>
+      </p:pic>
+      <p:sp>
+        <p:nvSpPr>
+          <p:cNvPr id="6" name="Title 1"/>
+          <p:cNvSpPr txBox="1">
+            <a:spLocks/>
+          </p:cNvSpPr>
+          <p:nvPr/>
+        </p:nvSpPr>
+        <p:spPr>
+          <a:xfrm>
+            <a:off x="913149" y="618517"/>
+            <a:ext cx="10364451" cy="590488"/>
+          </a:xfrm>
+          <a:prstGeom prst="rect">
+            <a:avLst/>
+          </a:prstGeom>
+        </p:spPr>
+        <p:txBody>
+          <a:bodyPr vert="horz" lIns="91440" tIns="45720" rIns="91440" bIns="45720" rtlCol="0" anchor="ctr">
+            <a:normAutofit/>
+          </a:bodyPr>
+          <a:lstStyle>
+            <a:lvl1pPr algn="ctr" defTabSz="914400" rtl="0" eaLnBrk="1" latinLnBrk="0" hangingPunct="1">
+              <a:lnSpc>
+                <a:spcPct val="90000"/>
+              </a:lnSpc>
+              <a:spcBef>
+                <a:spcPct val="0"/>
+              </a:spcBef>
+              <a:buNone/>
+              <a:defRPr sz="3600" kern="1200" cap="all" baseline="0">
+                <a:solidFill>
+                  <a:schemeClr val="tx1"/>
+                </a:solidFill>
+                <a:effectLst/>
+                <a:latin typeface="+mj-lt"/>
+                <a:ea typeface="+mj-ea"/>
+                <a:cs typeface="+mj-cs"/>
+              </a:defRPr>
+            </a:lvl1pPr>
+          </a:lstStyle>
+          <a:p>
+            <a:r>
+              <a:rPr lang="en-US" dirty="0" smtClean="0"/>
+              <a:t>Pivotal tracker</a:t>
+            </a:r>
+            <a:endParaRPr lang="en-US" dirty="0"/>
+          </a:p>
+        </p:txBody>
+      </p:sp>
+    </p:spTree>
+    <p:extLst>
+      <p:ext uri="{BB962C8B-B14F-4D97-AF65-F5344CB8AC3E}">
+        <p14:creationId xmlns:p14="http://schemas.microsoft.com/office/powerpoint/2010/main" val="1899777218"/>
+      </p:ext>
+    </p:extLst>
+  </p:cSld>
+  <p:clrMapOvr>
+    <a:masterClrMapping/>
+  </p:clrMapOvr>
+  <mc:AlternateContent xmlns:mc="http://schemas.openxmlformats.org/markup-compatibility/2006">
+    <mc:Choice xmlns:p14="http://schemas.microsoft.com/office/powerpoint/2010/main" Requires="p14">
+      <p:transition p14:dur="250">
+        <p:fade/>
+      </p:transition>
+    </mc:Choice>
+    <mc:Fallback>
+      <p:transition>
+        <p:fade/>
+      </p:transition>
+    </mc:Fallback>
+  </mc:AlternateContent>
+  <p:timing>
+    <p:tnLst>
+      <p:par>
+        <p:cTn id="1" dur="indefinite" restart="never" nodeType="tmRoot">
+          <p:childTnLst>
+            <p:seq concurrent="1" nextAc="seek">
+              <p:cTn id="2" dur="indefinite" nodeType="mainSeq">
+                <p:childTnLst>
+                  <p:par>
+                    <p:cTn id="3" fill="hold">
+                      <p:stCondLst>
+                        <p:cond delay="indefinite"/>
+                      </p:stCondLst>
+                      <p:childTnLst>
+                        <p:par>
+                          <p:cTn id="4" fill="hold">
+                            <p:stCondLst>
+                              <p:cond delay="0"/>
+                            </p:stCondLst>
+                            <p:childTnLst>
+                              <p:par>
+                                <p:cTn id="5" presetID="10" presetClass="entr" presetSubtype="0" fill="hold" nodeType="clickEffect">
+                                  <p:stCondLst>
+                                    <p:cond delay="0"/>
+                                  </p:stCondLst>
+                                  <p:childTnLst>
+                                    <p:set>
+                                      <p:cBhvr>
+                                        <p:cTn id="6" dur="1" fill="hold">
+                                          <p:stCondLst>
+                                            <p:cond delay="0"/>
+                                          </p:stCondLst>
+                                        </p:cTn>
+                                        <p:tgtEl>
+                                          <p:spTgt spid="5"/>
+                                        </p:tgtEl>
+                                        <p:attrNameLst>
+                                          <p:attrName>style.visibility</p:attrName>
+                                        </p:attrNameLst>
+                                      </p:cBhvr>
+                                      <p:to>
+                                        <p:strVal val="visible"/>
+                                      </p:to>
+                                    </p:set>
+                                    <p:animEffect transition="in" filter="fade">
+                                      <p:cBhvr>
+                                        <p:cTn id="7" dur="500"/>
+                                        <p:tgtEl>
+                                          <p:spTgt spid="5"/>
+                                        </p:tgtEl>
+                                      </p:cBhvr>
+                                    </p:animEffect>
+                                  </p:childTnLst>
+                                </p:cTn>
+                              </p:par>
+                            </p:childTnLst>
+                          </p:cTn>
+                        </p:par>
+                      </p:childTnLst>
+                    </p:cTn>
+                  </p:par>
+                </p:childTnLst>
+              </p:cTn>
+              <p:prevCondLst>
+                <p:cond evt="onPrev" delay="0">
+                  <p:tgtEl>
+                    <p:sldTgt/>
+                  </p:tgtEl>
+                </p:cond>
+              </p:prevCondLst>
+              <p:nextCondLst>
+                <p:cond evt="onNext" delay="0">
+                  <p:tgtEl>
+                    <p:sldTgt/>
+                  </p:tgtEl>
+                </p:cond>
+              </p:nextCondLst>
+            </p:seq>
+          </p:childTnLst>
+        </p:cTn>
+      </p:par>
+    </p:tnLst>
+  </p:timing>
+</p:sld>
+</file>
+
+<file path=ppt/slides/slide26.xml><?xml version="1.0" encoding="utf-8"?>
+<p:sld xmlns:a="http://schemas.openxmlformats.org/drawingml/2006/main" xmlns:r="http://schemas.openxmlformats.org/officeDocument/2006/relationships" xmlns:p="http://schemas.openxmlformats.org/presentationml/2006/main">
+  <p:cSld>
+    <p:spTree>
+      <p:nvGrpSpPr>
+        <p:cNvPr id="1" name=""/>
+        <p:cNvGrpSpPr/>
+        <p:nvPr/>
+      </p:nvGrpSpPr>
+      <p:grpSpPr>
+        <a:xfrm>
+          <a:off x="0" y="0"/>
+          <a:ext cx="0" cy="0"/>
+          <a:chOff x="0" y="0"/>
+          <a:chExt cx="0" cy="0"/>
+        </a:xfrm>
+      </p:grpSpPr>
+      <p:sp>
+        <p:nvSpPr>
+          <p:cNvPr id="3" name="Content Placeholder 2"/>
+          <p:cNvSpPr>
+            <a:spLocks noGrp="1"/>
+          </p:cNvSpPr>
+          <p:nvPr>
+            <p:ph sz="quarter" idx="13"/>
+          </p:nvPr>
+        </p:nvSpPr>
+        <p:spPr/>
+        <p:txBody>
+          <a:bodyPr/>
+          <a:lstStyle/>
+          <a:p>
+            <a:endParaRPr lang="en-US"/>
+          </a:p>
+        </p:txBody>
+      </p:sp>
+      <p:sp>
+        <p:nvSpPr>
+          <p:cNvPr id="4" name="Content Placeholder 3"/>
+          <p:cNvSpPr>
+            <a:spLocks noGrp="1"/>
+          </p:cNvSpPr>
+          <p:nvPr>
+            <p:ph sz="quarter" idx="14"/>
+          </p:nvPr>
+        </p:nvSpPr>
+        <p:spPr/>
+        <p:txBody>
+          <a:bodyPr/>
+          <a:lstStyle/>
+          <a:p>
+            <a:endParaRPr lang="en-US"/>
+          </a:p>
+        </p:txBody>
+      </p:sp>
+      <p:pic>
+        <p:nvPicPr>
+          <p:cNvPr id="5" name="Picture 4"/>
+          <p:cNvPicPr>
+            <a:picLocks noChangeAspect="1"/>
+          </p:cNvPicPr>
+          <p:nvPr/>
+        </p:nvPicPr>
+        <p:blipFill>
+          <a:blip r:embed="rId2"/>
+          <a:stretch>
+            <a:fillRect/>
+          </a:stretch>
+        </p:blipFill>
+        <p:spPr>
+          <a:xfrm>
+            <a:off x="79202" y="783619"/>
+            <a:ext cx="12185995" cy="4689680"/>
+          </a:xfrm>
+          <a:prstGeom prst="rect">
+            <a:avLst/>
+          </a:prstGeom>
+        </p:spPr>
+      </p:pic>
+    </p:spTree>
+    <p:extLst>
+      <p:ext uri="{BB962C8B-B14F-4D97-AF65-F5344CB8AC3E}">
+        <p14:creationId xmlns:p14="http://schemas.microsoft.com/office/powerpoint/2010/main" val="264854264"/>
+      </p:ext>
+    </p:extLst>
+  </p:cSld>
+  <p:clrMapOvr>
+    <a:masterClrMapping/>
+  </p:clrMapOvr>
+  <mc:AlternateContent xmlns:mc="http://schemas.openxmlformats.org/markup-compatibility/2006">
+    <mc:Choice xmlns:p14="http://schemas.microsoft.com/office/powerpoint/2010/main" Requires="p14">
+      <p:transition p14:dur="250">
+        <p:fade/>
+      </p:transition>
+    </mc:Choice>
+    <mc:Fallback>
+      <p:transition>
+        <p:fade/>
+      </p:transition>
+    </mc:Fallback>
+  </mc:AlternateContent>
+  <p:timing>
+    <p:tnLst>
+      <p:par>
+        <p:cTn id="1" dur="indefinite" restart="never" nodeType="tmRoot">
+          <p:childTnLst>
+            <p:seq concurrent="1" nextAc="seek">
+              <p:cTn id="2" dur="indefinite" nodeType="mainSeq">
+                <p:childTnLst>
+                  <p:par>
+                    <p:cTn id="3" fill="hold">
+                      <p:stCondLst>
+                        <p:cond delay="indefinite"/>
+                      </p:stCondLst>
+                      <p:childTnLst>
+                        <p:par>
+                          <p:cTn id="4" fill="hold">
+                            <p:stCondLst>
+                              <p:cond delay="0"/>
+                            </p:stCondLst>
+                            <p:childTnLst>
+                              <p:par>
+                                <p:cTn id="5" presetID="10" presetClass="entr" presetSubtype="0" fill="hold" nodeType="clickEffect">
+                                  <p:stCondLst>
+                                    <p:cond delay="0"/>
+                                  </p:stCondLst>
+                                  <p:childTnLst>
+                                    <p:set>
+                                      <p:cBhvr>
+                                        <p:cTn id="6" dur="1" fill="hold">
+                                          <p:stCondLst>
+                                            <p:cond delay="0"/>
+                                          </p:stCondLst>
+                                        </p:cTn>
+                                        <p:tgtEl>
+                                          <p:spTgt spid="5"/>
+                                        </p:tgtEl>
+                                        <p:attrNameLst>
+                                          <p:attrName>style.visibility</p:attrName>
+                                        </p:attrNameLst>
+                                      </p:cBhvr>
+                                      <p:to>
+                                        <p:strVal val="visible"/>
+                                      </p:to>
+                                    </p:set>
+                                    <p:animEffect transition="in" filter="fade">
+                                      <p:cBhvr>
+                                        <p:cTn id="7" dur="500"/>
+                                        <p:tgtEl>
+                                          <p:spTgt spid="5"/>
+                                        </p:tgtEl>
+                                      </p:cBhvr>
+                                    </p:animEffect>
+                                  </p:childTnLst>
+                                </p:cTn>
+                              </p:par>
+                            </p:childTnLst>
+                          </p:cTn>
+                        </p:par>
+                      </p:childTnLst>
+                    </p:cTn>
+                  </p:par>
+                </p:childTnLst>
+              </p:cTn>
+              <p:prevCondLst>
+                <p:cond evt="onPrev" delay="0">
+                  <p:tgtEl>
+                    <p:sldTgt/>
+                  </p:tgtEl>
+                </p:cond>
+              </p:prevCondLst>
+              <p:nextCondLst>
+                <p:cond evt="onNext" delay="0">
+                  <p:tgtEl>
+                    <p:sldTgt/>
+                  </p:tgtEl>
+                </p:cond>
+              </p:nextCondLst>
+            </p:seq>
+          </p:childTnLst>
+        </p:cTn>
+      </p:par>
+    </p:tnLst>
+  </p:timing>
+</p:sld>
+</file>
+
+<file path=ppt/slides/slide27.xml><?xml version="1.0" encoding="utf-8"?>
+<p:sld xmlns:a="http://schemas.openxmlformats.org/drawingml/2006/main" xmlns:r="http://schemas.openxmlformats.org/officeDocument/2006/relationships" xmlns:p="http://schemas.openxmlformats.org/presentationml/2006/main">
+  <p:cSld>
+    <p:spTree>
+      <p:nvGrpSpPr>
+        <p:cNvPr id="1" name=""/>
+        <p:cNvGrpSpPr/>
+        <p:nvPr/>
+      </p:nvGrpSpPr>
+      <p:grpSpPr>
+        <a:xfrm>
+          <a:off x="0" y="0"/>
+          <a:ext cx="0" cy="0"/>
+          <a:chOff x="0" y="0"/>
+          <a:chExt cx="0" cy="0"/>
+        </a:xfrm>
+      </p:grpSpPr>
+      <p:sp>
+        <p:nvSpPr>
+          <p:cNvPr id="2" name="Title 1"/>
+          <p:cNvSpPr>
+            <a:spLocks noGrp="1"/>
+          </p:cNvSpPr>
+          <p:nvPr>
+            <p:ph type="title"/>
+          </p:nvPr>
+        </p:nvSpPr>
+        <p:spPr/>
+        <p:txBody>
+          <a:bodyPr>
+            <a:normAutofit/>
+          </a:bodyPr>
+          <a:lstStyle/>
+          <a:p>
+            <a:r>
+              <a:rPr lang="en-US" sz="4400" dirty="0" smtClean="0"/>
+              <a:t>testing</a:t>
+            </a:r>
+            <a:endParaRPr lang="vi-VN" sz="4400" dirty="0"/>
+          </a:p>
+        </p:txBody>
+      </p:sp>
+      <p:sp>
+        <p:nvSpPr>
+          <p:cNvPr id="3" name="Text Placeholder 2"/>
+          <p:cNvSpPr>
+            <a:spLocks noGrp="1"/>
+          </p:cNvSpPr>
+          <p:nvPr>
+            <p:ph type="body" idx="1"/>
+          </p:nvPr>
+        </p:nvSpPr>
+        <p:spPr/>
+        <p:txBody>
+          <a:bodyPr/>
+          <a:lstStyle/>
+          <a:p>
+            <a:r>
+              <a:rPr lang="en-US" cap="none" dirty="0" smtClean="0"/>
+              <a:t>Unit test</a:t>
+            </a:r>
+            <a:endParaRPr lang="vi-VN" cap="none" dirty="0"/>
+          </a:p>
+        </p:txBody>
+      </p:sp>
+      <p:sp>
+        <p:nvSpPr>
+          <p:cNvPr id="4" name="Content Placeholder 3"/>
+          <p:cNvSpPr>
+            <a:spLocks noGrp="1"/>
+          </p:cNvSpPr>
+          <p:nvPr>
+            <p:ph sz="quarter" idx="13"/>
+          </p:nvPr>
+        </p:nvSpPr>
+        <p:spPr/>
+        <p:txBody>
+          <a:bodyPr/>
+          <a:lstStyle/>
+          <a:p>
+            <a:r>
+              <a:rPr lang="en-US" cap="none" dirty="0" smtClean="0"/>
+              <a:t>Library for unit testing already implemented in </a:t>
+            </a:r>
+            <a:r>
+              <a:rPr lang="en-US" cap="none" dirty="0" err="1" smtClean="0"/>
+              <a:t>Django</a:t>
+            </a:r>
+            <a:endParaRPr lang="en-US" cap="none" dirty="0" smtClean="0"/>
+          </a:p>
+          <a:p>
+            <a:r>
+              <a:rPr lang="en-US" cap="none" dirty="0" smtClean="0"/>
+              <a:t>About 20 test cases</a:t>
+            </a:r>
+          </a:p>
+          <a:p>
+            <a:r>
+              <a:rPr lang="en-US" cap="none" dirty="0" smtClean="0"/>
+              <a:t>Test coverage: 75 – 90%</a:t>
+            </a:r>
+            <a:endParaRPr lang="vi-VN" cap="none" dirty="0"/>
+          </a:p>
+        </p:txBody>
+      </p:sp>
+      <p:sp>
+        <p:nvSpPr>
+          <p:cNvPr id="5" name="Text Placeholder 4"/>
+          <p:cNvSpPr>
+            <a:spLocks noGrp="1"/>
+          </p:cNvSpPr>
+          <p:nvPr>
+            <p:ph type="body" sz="quarter" idx="3"/>
+          </p:nvPr>
+        </p:nvSpPr>
+        <p:spPr/>
+        <p:txBody>
+          <a:bodyPr/>
+          <a:lstStyle/>
+          <a:p>
+            <a:r>
+              <a:rPr lang="en-US" cap="none" dirty="0" smtClean="0"/>
+              <a:t>Acceptance test</a:t>
+            </a:r>
+            <a:endParaRPr lang="vi-VN" cap="none" dirty="0"/>
+          </a:p>
+        </p:txBody>
+      </p:sp>
+      <p:sp>
+        <p:nvSpPr>
+          <p:cNvPr id="6" name="Content Placeholder 5"/>
+          <p:cNvSpPr>
+            <a:spLocks noGrp="1"/>
+          </p:cNvSpPr>
+          <p:nvPr>
+            <p:ph sz="quarter" idx="14"/>
+          </p:nvPr>
+        </p:nvSpPr>
+        <p:spPr/>
+        <p:txBody>
+          <a:bodyPr/>
+          <a:lstStyle/>
+          <a:p>
+            <a:r>
+              <a:rPr lang="en-US" cap="none" dirty="0" smtClean="0"/>
+              <a:t>An old package called “lettuce” in Python (like “cucumber” in Rails)</a:t>
+            </a:r>
+          </a:p>
+          <a:p>
+            <a:r>
+              <a:rPr lang="en-US" cap="none" dirty="0" smtClean="0"/>
+              <a:t>Incompatible with Python 3, we have to use some deprecated codes for this package to works</a:t>
+            </a:r>
+            <a:endParaRPr lang="vi-VN" cap="none" dirty="0"/>
+          </a:p>
+        </p:txBody>
+      </p:sp>
+    </p:spTree>
+    <p:extLst>
+      <p:ext uri="{BB962C8B-B14F-4D97-AF65-F5344CB8AC3E}">
+        <p14:creationId xmlns:p14="http://schemas.microsoft.com/office/powerpoint/2010/main" val="2802863218"/>
+      </p:ext>
+    </p:extLst>
+  </p:cSld>
+  <p:clrMapOvr>
+    <a:masterClrMapping/>
+  </p:clrMapOvr>
+  <mc:AlternateContent xmlns:mc="http://schemas.openxmlformats.org/markup-compatibility/2006" xmlns:p14="http://schemas.microsoft.com/office/powerpoint/2010/main">
+    <mc:Choice Requires="p14">
+      <p:transition p14:dur="250">
+        <p:fade/>
+      </p:transition>
+    </mc:Choice>
+    <mc:Fallback xmlns="">
+      <p:transition>
+        <p:fade/>
+      </p:transition>
+    </mc:Fallback>
+  </mc:AlternateContent>
+  <p:timing>
+    <p:tnLst>
+      <p:par>
+        <p:cTn id="1" dur="indefinite" restart="never" nodeType="tmRoot"/>
+      </p:par>
+    </p:tnLst>
+  </p:timing>
+</p:sld>
+</file>
+
+<file path=ppt/slides/slide28.xml><?xml version="1.0" encoding="utf-8"?>
+<p:sld xmlns:a="http://schemas.openxmlformats.org/drawingml/2006/main" xmlns:r="http://schemas.openxmlformats.org/officeDocument/2006/relationships" xmlns:p="http://schemas.openxmlformats.org/presentationml/2006/main">
+  <p:cSld>
+    <p:spTree>
+      <p:nvGrpSpPr>
+        <p:cNvPr id="1" name=""/>
+        <p:cNvGrpSpPr/>
+        <p:nvPr/>
+      </p:nvGrpSpPr>
+      <p:grpSpPr>
+        <a:xfrm>
+          <a:off x="0" y="0"/>
+          <a:ext cx="0" cy="0"/>
+          <a:chOff x="0" y="0"/>
+          <a:chExt cx="0" cy="0"/>
+        </a:xfrm>
+      </p:grpSpPr>
+      <p:sp>
+        <p:nvSpPr>
+          <p:cNvPr id="2" name="Title 1"/>
+          <p:cNvSpPr>
+            <a:spLocks noGrp="1"/>
+          </p:cNvSpPr>
+          <p:nvPr>
+            <p:ph type="title"/>
+          </p:nvPr>
+        </p:nvSpPr>
+        <p:spPr>
+          <a:xfrm>
+            <a:off x="904938" y="1"/>
+            <a:ext cx="10364451" cy="679876"/>
+          </a:xfrm>
+        </p:spPr>
+        <p:txBody>
+          <a:bodyPr/>
+          <a:lstStyle/>
+          <a:p>
+            <a:r>
+              <a:rPr lang="en-US" dirty="0" smtClean="0"/>
+              <a:t>Unit test</a:t>
+            </a:r>
+            <a:endParaRPr lang="en-US" dirty="0"/>
+          </a:p>
+        </p:txBody>
+      </p:sp>
+      <p:pic>
+        <p:nvPicPr>
+          <p:cNvPr id="9" name="Picture 8"/>
+          <p:cNvPicPr>
+            <a:picLocks noChangeAspect="1"/>
+          </p:cNvPicPr>
+          <p:nvPr/>
+        </p:nvPicPr>
+        <p:blipFill>
+          <a:blip r:embed="rId2">
+            <a:extLst>
+              <a:ext uri="{28A0092B-C50C-407E-A947-70E740481C1C}">
+                <a14:useLocalDpi xmlns:a14="http://schemas.microsoft.com/office/drawing/2010/main" val="0"/>
+              </a:ext>
+            </a:extLst>
+          </a:blip>
+          <a:stretch>
+            <a:fillRect/>
+          </a:stretch>
+        </p:blipFill>
+        <p:spPr>
+          <a:xfrm>
+            <a:off x="-5471" y="558910"/>
+            <a:ext cx="12185268" cy="6565414"/>
+          </a:xfrm>
+          <a:prstGeom prst="rect">
+            <a:avLst/>
+          </a:prstGeom>
+        </p:spPr>
+      </p:pic>
+    </p:spTree>
+    <p:extLst>
+      <p:ext uri="{BB962C8B-B14F-4D97-AF65-F5344CB8AC3E}">
+        <p14:creationId xmlns:p14="http://schemas.microsoft.com/office/powerpoint/2010/main" val="1515331511"/>
+      </p:ext>
+    </p:extLst>
+  </p:cSld>
+  <p:clrMapOvr>
+    <a:masterClrMapping/>
+  </p:clrMapOvr>
+  <mc:AlternateContent xmlns:mc="http://schemas.openxmlformats.org/markup-compatibility/2006">
+    <mc:Choice xmlns:p14="http://schemas.microsoft.com/office/powerpoint/2010/main" Requires="p14">
+      <p:transition p14:dur="250">
+        <p:fade/>
+      </p:transition>
+    </mc:Choice>
+    <mc:Fallback>
+      <p:transition>
+        <p:fade/>
+      </p:transition>
+    </mc:Fallback>
+  </mc:AlternateContent>
+  <p:timing>
+    <p:tnLst>
+      <p:par>
+        <p:cTn id="1" dur="indefinite" restart="never" nodeType="tmRoot"/>
+      </p:par>
+    </p:tnLst>
+  </p:timing>
+</p:sld>
+</file>
+
+<file path=ppt/slides/slide29.xml><?xml version="1.0" encoding="utf-8"?>
+<p:sld xmlns:a="http://schemas.openxmlformats.org/drawingml/2006/main" xmlns:r="http://schemas.openxmlformats.org/officeDocument/2006/relationships" xmlns:p="http://schemas.openxmlformats.org/presentationml/2006/main">
+  <p:cSld>
+    <p:spTree>
+      <p:nvGrpSpPr>
+        <p:cNvPr id="1" name=""/>
+        <p:cNvGrpSpPr/>
+        <p:nvPr/>
+      </p:nvGrpSpPr>
+      <p:grpSpPr>
+        <a:xfrm>
+          <a:off x="0" y="0"/>
+          <a:ext cx="0" cy="0"/>
+          <a:chOff x="0" y="0"/>
+          <a:chExt cx="0" cy="0"/>
+        </a:xfrm>
+      </p:grpSpPr>
+      <p:sp>
+        <p:nvSpPr>
+          <p:cNvPr id="2" name="Title 1"/>
+          <p:cNvSpPr>
+            <a:spLocks noGrp="1"/>
+          </p:cNvSpPr>
+          <p:nvPr>
+            <p:ph type="title"/>
+          </p:nvPr>
+        </p:nvSpPr>
+        <p:spPr>
+          <a:xfrm>
+            <a:off x="904938" y="1"/>
+            <a:ext cx="10364451" cy="679876"/>
+          </a:xfrm>
+        </p:spPr>
+        <p:txBody>
+          <a:bodyPr/>
+          <a:lstStyle/>
+          <a:p>
+            <a:r>
+              <a:rPr lang="en-US" dirty="0" smtClean="0"/>
+              <a:t>Unit test</a:t>
+            </a:r>
+            <a:endParaRPr lang="en-US" dirty="0"/>
+          </a:p>
+        </p:txBody>
+      </p:sp>
+      <p:pic>
+        <p:nvPicPr>
+          <p:cNvPr id="4" name="Picture 3"/>
+          <p:cNvPicPr>
+            <a:picLocks noChangeAspect="1"/>
+          </p:cNvPicPr>
+          <p:nvPr/>
+        </p:nvPicPr>
+        <p:blipFill>
+          <a:blip r:embed="rId2">
+            <a:extLst>
+              <a:ext uri="{28A0092B-C50C-407E-A947-70E740481C1C}">
+                <a14:useLocalDpi xmlns:a14="http://schemas.microsoft.com/office/drawing/2010/main" val="0"/>
+              </a:ext>
+            </a:extLst>
+          </a:blip>
+          <a:stretch>
+            <a:fillRect/>
+          </a:stretch>
+        </p:blipFill>
+        <p:spPr>
+          <a:xfrm>
+            <a:off x="604053" y="679876"/>
+            <a:ext cx="11476330" cy="6183439"/>
+          </a:xfrm>
+          <a:prstGeom prst="rect">
+            <a:avLst/>
+          </a:prstGeom>
+        </p:spPr>
+      </p:pic>
+    </p:spTree>
+    <p:extLst>
+      <p:ext uri="{BB962C8B-B14F-4D97-AF65-F5344CB8AC3E}">
+        <p14:creationId xmlns:p14="http://schemas.microsoft.com/office/powerpoint/2010/main" val="1619439848"/>
+      </p:ext>
+    </p:extLst>
+  </p:cSld>
+  <p:clrMapOvr>
+    <a:masterClrMapping/>
+  </p:clrMapOvr>
+  <mc:AlternateContent xmlns:mc="http://schemas.openxmlformats.org/markup-compatibility/2006" xmlns:p14="http://schemas.microsoft.com/office/powerpoint/2010/main">
+    <mc:Choice Requires="p14">
+      <p:transition p14:dur="250">
+        <p:fade/>
+      </p:transition>
+    </mc:Choice>
+    <mc:Fallback xmlns="">
+      <p:transition>
+        <p:fade/>
+      </p:transition>
+    </mc:Fallback>
+  </mc:AlternateContent>
+  <p:timing>
+    <p:tnLst>
+      <p:par>
+        <p:cTn id="1" dur="indefinite" restart="never" nodeType="tmRoot"/>
+      </p:par>
+    </p:tnLst>
+  </p:timing>
+</p:sld>
+</file>
+
+<file path=ppt/slides/slide3.xml><?xml version="1.0" encoding="utf-8"?>
+<p:sld xmlns:a="http://schemas.openxmlformats.org/drawingml/2006/main" xmlns:r="http://schemas.openxmlformats.org/officeDocument/2006/relationships" xmlns:p="http://schemas.openxmlformats.org/presentationml/2006/main">
+  <p:cSld>
+    <p:spTree>
+      <p:nvGrpSpPr>
+        <p:cNvPr id="1" name=""/>
+        <p:cNvGrpSpPr/>
+        <p:nvPr/>
+      </p:nvGrpSpPr>
+      <p:grpSpPr>
+        <a:xfrm>
+          <a:off x="0" y="0"/>
+          <a:ext cx="0" cy="0"/>
+          <a:chOff x="0" y="0"/>
+          <a:chExt cx="0" cy="0"/>
+        </a:xfrm>
+      </p:grpSpPr>
+      <p:sp>
+        <p:nvSpPr>
+          <p:cNvPr id="2" name="Title 1"/>
+          <p:cNvSpPr>
+            <a:spLocks noGrp="1"/>
+          </p:cNvSpPr>
+          <p:nvPr>
+            <p:ph type="title"/>
+          </p:nvPr>
+        </p:nvSpPr>
+        <p:spPr/>
+        <p:txBody>
+          <a:bodyPr>
+            <a:normAutofit/>
+          </a:bodyPr>
+          <a:lstStyle/>
+          <a:p>
+            <a:r>
+              <a:rPr lang="en-US" sz="4400" dirty="0" smtClean="0"/>
+              <a:t>contents</a:t>
+            </a:r>
+            <a:endParaRPr lang="vi-VN" sz="4400" dirty="0"/>
+          </a:p>
+        </p:txBody>
+      </p:sp>
+      <p:sp>
+        <p:nvSpPr>
+          <p:cNvPr id="3" name="Content Placeholder 2"/>
+          <p:cNvSpPr>
+            <a:spLocks noGrp="1"/>
+          </p:cNvSpPr>
+          <p:nvPr>
+            <p:ph sz="quarter" idx="13"/>
+          </p:nvPr>
+        </p:nvSpPr>
+        <p:spPr/>
+        <p:txBody>
+          <a:bodyPr/>
+          <a:lstStyle/>
+          <a:p>
+            <a:r>
+              <a:rPr lang="en-US" sz="2800" cap="none" dirty="0" smtClean="0"/>
+              <a:t>A BRIEF LOOK</a:t>
+            </a:r>
+          </a:p>
+          <a:p>
+            <a:pPr lvl="1"/>
+            <a:r>
+              <a:rPr lang="en-US" sz="2400" cap="none" dirty="0" smtClean="0"/>
+              <a:t>Ideas</a:t>
+            </a:r>
+          </a:p>
+          <a:p>
+            <a:pPr lvl="1"/>
+            <a:r>
+              <a:rPr lang="en-US" sz="2400" cap="none" dirty="0"/>
+              <a:t>Product </a:t>
+            </a:r>
+            <a:r>
+              <a:rPr lang="en-US" sz="2400" cap="none" dirty="0" smtClean="0"/>
+              <a:t>introduction</a:t>
+            </a:r>
+          </a:p>
+          <a:p>
+            <a:pPr lvl="1"/>
+            <a:r>
+              <a:rPr lang="en-US" sz="2400" cap="none" dirty="0" smtClean="0"/>
+              <a:t>Frameworks and structure</a:t>
+            </a:r>
+            <a:endParaRPr lang="en-US" sz="2400" cap="none" dirty="0" smtClean="0"/>
+          </a:p>
+          <a:p>
+            <a:pPr lvl="1"/>
+            <a:endParaRPr lang="en-US" sz="2400" cap="none" dirty="0" smtClean="0"/>
+          </a:p>
+          <a:p>
+            <a:pPr lvl="1"/>
+            <a:endParaRPr lang="vi-VN" sz="2400" cap="none" dirty="0"/>
+          </a:p>
+        </p:txBody>
+      </p:sp>
+      <p:sp>
+        <p:nvSpPr>
+          <p:cNvPr id="4" name="Content Placeholder 3"/>
+          <p:cNvSpPr>
+            <a:spLocks noGrp="1"/>
+          </p:cNvSpPr>
+          <p:nvPr>
+            <p:ph sz="quarter" idx="14"/>
+          </p:nvPr>
+        </p:nvSpPr>
+        <p:spPr/>
+        <p:txBody>
+          <a:bodyPr>
+            <a:normAutofit lnSpcReduction="10000"/>
+          </a:bodyPr>
+          <a:lstStyle/>
+          <a:p>
+            <a:r>
+              <a:rPr lang="en-US" sz="2800" cap="none" dirty="0" smtClean="0"/>
+              <a:t>A DEEPER </a:t>
+            </a:r>
+            <a:r>
+              <a:rPr lang="en-US" sz="2800" cap="none" dirty="0" smtClean="0"/>
+              <a:t>LOOK</a:t>
+            </a:r>
+            <a:endParaRPr lang="en-US" sz="2400" cap="none" dirty="0" smtClean="0"/>
+          </a:p>
+          <a:p>
+            <a:pPr lvl="1"/>
+            <a:r>
+              <a:rPr lang="en-US" sz="2400" cap="none" dirty="0"/>
+              <a:t>Implementation</a:t>
+            </a:r>
+          </a:p>
+          <a:p>
+            <a:pPr lvl="1"/>
+            <a:r>
+              <a:rPr lang="en-US" sz="2400" cap="none" dirty="0" err="1" smtClean="0"/>
+              <a:t>Git</a:t>
+            </a:r>
+            <a:endParaRPr lang="en-US" sz="2400" cap="none" dirty="0" smtClean="0"/>
+          </a:p>
+          <a:p>
+            <a:pPr lvl="1"/>
+            <a:r>
+              <a:rPr lang="en-US" sz="2400" cap="none" dirty="0" smtClean="0"/>
+              <a:t>Pivotal Tracker</a:t>
+            </a:r>
+            <a:endParaRPr lang="en-US" sz="2400" cap="none" dirty="0" smtClean="0"/>
+          </a:p>
+          <a:p>
+            <a:pPr lvl="1"/>
+            <a:r>
+              <a:rPr lang="en-US" sz="2400" cap="none" dirty="0" smtClean="0"/>
+              <a:t>Testing</a:t>
+            </a:r>
+            <a:endParaRPr lang="en-US" sz="2400" cap="none" dirty="0" smtClean="0"/>
+          </a:p>
+          <a:p>
+            <a:pPr lvl="1"/>
+            <a:r>
+              <a:rPr lang="en-US" sz="2400" cap="none" dirty="0" smtClean="0"/>
+              <a:t>Modeling</a:t>
+            </a:r>
+          </a:p>
+          <a:p>
+            <a:pPr lvl="1"/>
+            <a:r>
+              <a:rPr lang="en-US" sz="2400" cap="none" dirty="0"/>
+              <a:t>Process implementation</a:t>
+            </a:r>
+            <a:endParaRPr lang="vi-VN" sz="2400" cap="none" dirty="0"/>
+          </a:p>
+          <a:p>
+            <a:pPr marL="457200" lvl="1" indent="0">
+              <a:buNone/>
+            </a:pPr>
+            <a:endParaRPr lang="vi-VN" sz="2400" cap="none" dirty="0"/>
+          </a:p>
+        </p:txBody>
+      </p:sp>
+    </p:spTree>
+    <p:extLst>
+      <p:ext uri="{BB962C8B-B14F-4D97-AF65-F5344CB8AC3E}">
+        <p14:creationId xmlns:p14="http://schemas.microsoft.com/office/powerpoint/2010/main" val="4048431678"/>
+      </p:ext>
+    </p:extLst>
+  </p:cSld>
+  <p:clrMapOvr>
+    <a:masterClrMapping/>
+  </p:clrMapOvr>
+  <mc:AlternateContent xmlns:mc="http://schemas.openxmlformats.org/markup-compatibility/2006" xmlns:p14="http://schemas.microsoft.com/office/powerpoint/2010/main">
+    <mc:Choice Requires="p14">
+      <p:transition p14:dur="250">
+        <p:fade/>
+      </p:transition>
+    </mc:Choice>
+    <mc:Fallback xmlns="">
+      <p:transition>
+        <p:fade/>
+      </p:transition>
+    </mc:Fallback>
+  </mc:AlternateContent>
+  <p:timing>
+    <p:tnLst>
+      <p:par>
+        <p:cTn id="1" dur="indefinite" restart="never" nodeType="tmRoot"/>
+      </p:par>
+    </p:tnLst>
+  </p:timing>
+</p:sld>
+</file>
+
+<file path=ppt/slides/slide30.xml><?xml version="1.0" encoding="utf-8"?>
+<p:sld xmlns:a="http://schemas.openxmlformats.org/drawingml/2006/main" xmlns:r="http://schemas.openxmlformats.org/officeDocument/2006/relationships" xmlns:p="http://schemas.openxmlformats.org/presentationml/2006/main">
+  <p:cSld>
+    <p:spTree>
+      <p:nvGrpSpPr>
+        <p:cNvPr id="1" name=""/>
+        <p:cNvGrpSpPr/>
+        <p:nvPr/>
+      </p:nvGrpSpPr>
+      <p:grpSpPr>
+        <a:xfrm>
+          <a:off x="0" y="0"/>
+          <a:ext cx="0" cy="0"/>
+          <a:chOff x="0" y="0"/>
+          <a:chExt cx="0" cy="0"/>
+        </a:xfrm>
+      </p:grpSpPr>
+      <p:sp>
+        <p:nvSpPr>
+          <p:cNvPr id="2" name="Title 1"/>
+          <p:cNvSpPr>
+            <a:spLocks noGrp="1"/>
+          </p:cNvSpPr>
+          <p:nvPr>
+            <p:ph type="title"/>
+          </p:nvPr>
+        </p:nvSpPr>
+        <p:spPr>
+          <a:xfrm>
+            <a:off x="904938" y="1"/>
+            <a:ext cx="10364451" cy="679876"/>
+          </a:xfrm>
+        </p:spPr>
+        <p:txBody>
+          <a:bodyPr/>
+          <a:lstStyle/>
+          <a:p>
+            <a:r>
+              <a:rPr lang="en-US" dirty="0" smtClean="0"/>
+              <a:t>Unit test</a:t>
+            </a:r>
+            <a:endParaRPr lang="en-US" dirty="0"/>
+          </a:p>
+        </p:txBody>
+      </p:sp>
+      <p:pic>
+        <p:nvPicPr>
+          <p:cNvPr id="3" name="Picture 2"/>
+          <p:cNvPicPr>
+            <a:picLocks noChangeAspect="1"/>
+          </p:cNvPicPr>
+          <p:nvPr/>
+        </p:nvPicPr>
+        <p:blipFill>
+          <a:blip r:embed="rId2">
+            <a:extLst>
+              <a:ext uri="{28A0092B-C50C-407E-A947-70E740481C1C}">
+                <a14:useLocalDpi xmlns:a14="http://schemas.microsoft.com/office/drawing/2010/main" val="0"/>
+              </a:ext>
+            </a:extLst>
+          </a:blip>
+          <a:stretch>
+            <a:fillRect/>
+          </a:stretch>
+        </p:blipFill>
+        <p:spPr>
+          <a:xfrm>
+            <a:off x="0" y="615484"/>
+            <a:ext cx="12276651" cy="6614651"/>
+          </a:xfrm>
+          <a:prstGeom prst="rect">
+            <a:avLst/>
+          </a:prstGeom>
+        </p:spPr>
+      </p:pic>
+    </p:spTree>
+    <p:extLst>
+      <p:ext uri="{BB962C8B-B14F-4D97-AF65-F5344CB8AC3E}">
+        <p14:creationId xmlns:p14="http://schemas.microsoft.com/office/powerpoint/2010/main" val="3727990369"/>
+      </p:ext>
+    </p:extLst>
+  </p:cSld>
+  <p:clrMapOvr>
+    <a:masterClrMapping/>
+  </p:clrMapOvr>
+  <mc:AlternateContent xmlns:mc="http://schemas.openxmlformats.org/markup-compatibility/2006" xmlns:p14="http://schemas.microsoft.com/office/powerpoint/2010/main">
+    <mc:Choice Requires="p14">
+      <p:transition p14:dur="250">
+        <p:fade/>
+      </p:transition>
+    </mc:Choice>
+    <mc:Fallback xmlns="">
+      <p:transition>
+        <p:fade/>
+      </p:transition>
+    </mc:Fallback>
+  </mc:AlternateContent>
+  <p:timing>
+    <p:tnLst>
+      <p:par>
+        <p:cTn id="1" dur="indefinite" restart="never" nodeType="tmRoot"/>
+      </p:par>
+    </p:tnLst>
+  </p:timing>
+</p:sld>
+</file>
+
+<file path=ppt/slides/slide31.xml><?xml version="1.0" encoding="utf-8"?>
+<p:sld xmlns:a="http://schemas.openxmlformats.org/drawingml/2006/main" xmlns:r="http://schemas.openxmlformats.org/officeDocument/2006/relationships" xmlns:p="http://schemas.openxmlformats.org/presentationml/2006/main">
+  <p:cSld>
+    <p:spTree>
+      <p:nvGrpSpPr>
+        <p:cNvPr id="1" name=""/>
+        <p:cNvGrpSpPr/>
+        <p:nvPr/>
+      </p:nvGrpSpPr>
+      <p:grpSpPr>
+        <a:xfrm>
+          <a:off x="0" y="0"/>
+          <a:ext cx="0" cy="0"/>
+          <a:chOff x="0" y="0"/>
+          <a:chExt cx="0" cy="0"/>
+        </a:xfrm>
+      </p:grpSpPr>
+      <p:pic>
+        <p:nvPicPr>
+          <p:cNvPr id="3" name="Picture 2"/>
+          <p:cNvPicPr>
+            <a:picLocks noChangeAspect="1"/>
+          </p:cNvPicPr>
+          <p:nvPr/>
+        </p:nvPicPr>
+        <p:blipFill>
+          <a:blip r:embed="rId2">
+            <a:extLst>
+              <a:ext uri="{28A0092B-C50C-407E-A947-70E740481C1C}">
+                <a14:useLocalDpi xmlns:a14="http://schemas.microsoft.com/office/drawing/2010/main" val="0"/>
+              </a:ext>
+            </a:extLst>
+          </a:blip>
+          <a:stretch>
+            <a:fillRect/>
+          </a:stretch>
+        </p:blipFill>
+        <p:spPr>
+          <a:xfrm>
+            <a:off x="214705" y="553899"/>
+            <a:ext cx="11719160" cy="6314276"/>
+          </a:xfrm>
+          <a:prstGeom prst="rect">
+            <a:avLst/>
+          </a:prstGeom>
+        </p:spPr>
+      </p:pic>
+      <p:sp>
+        <p:nvSpPr>
+          <p:cNvPr id="2" name="Title 1"/>
+          <p:cNvSpPr>
+            <a:spLocks noGrp="1"/>
+          </p:cNvSpPr>
+          <p:nvPr>
+            <p:ph type="title"/>
+          </p:nvPr>
+        </p:nvSpPr>
+        <p:spPr>
+          <a:xfrm>
+            <a:off x="892060" y="0"/>
+            <a:ext cx="10364451" cy="679876"/>
+          </a:xfrm>
+        </p:spPr>
+        <p:txBody>
+          <a:bodyPr/>
+          <a:lstStyle/>
+          <a:p>
+            <a:r>
+              <a:rPr lang="en-US" dirty="0" smtClean="0"/>
+              <a:t>Unit test</a:t>
+            </a:r>
+            <a:endParaRPr lang="en-US" dirty="0"/>
+          </a:p>
+        </p:txBody>
+      </p:sp>
+    </p:spTree>
+    <p:extLst>
+      <p:ext uri="{BB962C8B-B14F-4D97-AF65-F5344CB8AC3E}">
+        <p14:creationId xmlns:p14="http://schemas.microsoft.com/office/powerpoint/2010/main" val="3913103110"/>
+      </p:ext>
+    </p:extLst>
+  </p:cSld>
+  <p:clrMapOvr>
+    <a:masterClrMapping/>
+  </p:clrMapOvr>
+  <mc:AlternateContent xmlns:mc="http://schemas.openxmlformats.org/markup-compatibility/2006" xmlns:p14="http://schemas.microsoft.com/office/powerpoint/2010/main">
+    <mc:Choice Requires="p14">
+      <p:transition p14:dur="250">
+        <p:fade/>
+      </p:transition>
+    </mc:Choice>
+    <mc:Fallback xmlns="">
+      <p:transition>
+        <p:fade/>
+      </p:transition>
+    </mc:Fallback>
+  </mc:AlternateContent>
+  <p:timing>
+    <p:tnLst>
+      <p:par>
+        <p:cTn id="1" dur="indefinite" restart="never" nodeType="tmRoot"/>
+      </p:par>
+    </p:tnLst>
+  </p:timing>
+</p:sld>
+</file>
+
+<file path=ppt/slides/slide32.xml><?xml version="1.0" encoding="utf-8"?>
+<p:sld xmlns:a="http://schemas.openxmlformats.org/drawingml/2006/main" xmlns:r="http://schemas.openxmlformats.org/officeDocument/2006/relationships" xmlns:p="http://schemas.openxmlformats.org/presentationml/2006/main">
+  <p:cSld>
+    <p:spTree>
+      <p:nvGrpSpPr>
+        <p:cNvPr id="1" name=""/>
+        <p:cNvGrpSpPr/>
+        <p:nvPr/>
+      </p:nvGrpSpPr>
+      <p:grpSpPr>
+        <a:xfrm>
+          <a:off x="0" y="0"/>
+          <a:ext cx="0" cy="0"/>
+          <a:chOff x="0" y="0"/>
+          <a:chExt cx="0" cy="0"/>
+        </a:xfrm>
+      </p:grpSpPr>
+      <p:sp>
+        <p:nvSpPr>
+          <p:cNvPr id="2" name="Title 1"/>
+          <p:cNvSpPr>
+            <a:spLocks noGrp="1"/>
+          </p:cNvSpPr>
+          <p:nvPr>
+            <p:ph type="title"/>
+          </p:nvPr>
+        </p:nvSpPr>
+        <p:spPr>
+          <a:xfrm>
+            <a:off x="892060" y="0"/>
+            <a:ext cx="10364451" cy="679876"/>
+          </a:xfrm>
+        </p:spPr>
+        <p:txBody>
+          <a:bodyPr/>
+          <a:lstStyle/>
+          <a:p>
+            <a:r>
+              <a:rPr lang="en-US" dirty="0" smtClean="0"/>
+              <a:t>Unit test</a:t>
+            </a:r>
+            <a:endParaRPr lang="en-US" dirty="0"/>
+          </a:p>
+        </p:txBody>
+      </p:sp>
+      <p:pic>
+        <p:nvPicPr>
+          <p:cNvPr id="4" name="Picture 3"/>
+          <p:cNvPicPr>
+            <a:picLocks noChangeAspect="1"/>
+          </p:cNvPicPr>
+          <p:nvPr/>
+        </p:nvPicPr>
+        <p:blipFill>
+          <a:blip r:embed="rId2"/>
+          <a:stretch>
+            <a:fillRect/>
+          </a:stretch>
+        </p:blipFill>
+        <p:spPr>
+          <a:xfrm>
+            <a:off x="403131" y="501796"/>
+            <a:ext cx="8400052" cy="5803470"/>
+          </a:xfrm>
+          <a:prstGeom prst="rect">
+            <a:avLst/>
+          </a:prstGeom>
+        </p:spPr>
+      </p:pic>
+      <p:pic>
+        <p:nvPicPr>
+          <p:cNvPr id="5" name="Picture 4"/>
           <p:cNvPicPr>
             <a:picLocks noChangeAspect="1"/>
           </p:cNvPicPr>
@@ -6893,104 +10440,8 @@
         </p:blipFill>
         <p:spPr>
           <a:xfrm>
-            <a:off x="3205043" y="1345244"/>
-            <a:ext cx="8980952" cy="5485714"/>
-          </a:xfrm>
-          <a:prstGeom prst="rect">
-            <a:avLst/>
-          </a:prstGeom>
-        </p:spPr>
-      </p:pic>
-      <p:pic>
-        <p:nvPicPr>
-          <p:cNvPr id="9" name="Picture 8"/>
-          <p:cNvPicPr>
-            <a:picLocks noChangeAspect="1"/>
-          </p:cNvPicPr>
-          <p:nvPr/>
-        </p:nvPicPr>
-        <p:blipFill>
-          <a:blip r:embed="rId4"/>
-          <a:stretch>
-            <a:fillRect/>
-          </a:stretch>
-        </p:blipFill>
-        <p:spPr>
-          <a:xfrm>
-            <a:off x="6005" y="1326196"/>
-            <a:ext cx="10809524" cy="5504762"/>
-          </a:xfrm>
-          <a:prstGeom prst="rect">
-            <a:avLst/>
-          </a:prstGeom>
-        </p:spPr>
-      </p:pic>
-      <p:pic>
-        <p:nvPicPr>
-          <p:cNvPr id="10" name="Picture 9"/>
-          <p:cNvPicPr>
-            <a:picLocks noChangeAspect="1"/>
-          </p:cNvPicPr>
-          <p:nvPr/>
-        </p:nvPicPr>
-        <p:blipFill>
-          <a:blip r:embed="rId5"/>
-          <a:stretch>
-            <a:fillRect/>
-          </a:stretch>
-        </p:blipFill>
-        <p:spPr>
-          <a:xfrm>
-            <a:off x="3700762" y="354575"/>
-            <a:ext cx="7800000" cy="5485714"/>
-          </a:xfrm>
-          <a:prstGeom prst="rect">
-            <a:avLst/>
-          </a:prstGeom>
-        </p:spPr>
-      </p:pic>
-      <p:pic>
-        <p:nvPicPr>
-          <p:cNvPr id="3" name="Picture 2"/>
-          <p:cNvPicPr>
-            <a:picLocks noChangeAspect="1"/>
-          </p:cNvPicPr>
-          <p:nvPr/>
-        </p:nvPicPr>
-        <p:blipFill>
-          <a:blip r:embed="rId6"/>
-          <a:stretch>
-            <a:fillRect/>
-          </a:stretch>
-        </p:blipFill>
-        <p:spPr>
-          <a:xfrm>
-            <a:off x="264335" y="353238"/>
-            <a:ext cx="11663330" cy="4726034"/>
-          </a:xfrm>
-          <a:prstGeom prst="rect">
-            <a:avLst/>
-          </a:prstGeom>
-        </p:spPr>
-      </p:pic>
-      <p:pic>
-        <p:nvPicPr>
-          <p:cNvPr id="4" name="Picture 3"/>
-          <p:cNvPicPr>
-            <a:picLocks noChangeAspect="1"/>
-          </p:cNvPicPr>
-          <p:nvPr/>
-        </p:nvPicPr>
-        <p:blipFill>
-          <a:blip r:embed="rId7"/>
-          <a:stretch>
-            <a:fillRect/>
-          </a:stretch>
-        </p:blipFill>
-        <p:spPr>
-          <a:xfrm>
-            <a:off x="-20829" y="1247258"/>
-            <a:ext cx="12185995" cy="4689680"/>
+            <a:off x="8835324" y="501796"/>
+            <a:ext cx="3084827" cy="4971233"/>
           </a:xfrm>
           <a:prstGeom prst="rect">
             <a:avLst/>
@@ -7000,7 +10451,7 @@
     </p:spTree>
     <p:extLst>
       <p:ext uri="{BB962C8B-B14F-4D97-AF65-F5344CB8AC3E}">
-        <p14:creationId xmlns:p14="http://schemas.microsoft.com/office/powerpoint/2010/main" val="3586359768"/>
+        <p14:creationId xmlns:p14="http://schemas.microsoft.com/office/powerpoint/2010/main" val="3450895256"/>
       </p:ext>
     </p:extLst>
   </p:cSld>
@@ -7053,7 +10504,7 @@
                                           </p:stCondLst>
                                         </p:cTn>
                                         <p:tgtEl>
-                                          <p:spTgt spid="8"/>
+                                          <p:spTgt spid="5"/>
                                         </p:tgtEl>
                                         <p:attrNameLst>
                                           <p:attrName>style.visibility</p:attrName>
@@ -7067,219 +10518,7 @@
                                       <p:cBhvr>
                                         <p:cTn id="7" dur="250"/>
                                         <p:tgtEl>
-                                          <p:spTgt spid="8"/>
-                                        </p:tgtEl>
-                                      </p:cBhvr>
-                                    </p:animEffect>
-                                  </p:childTnLst>
-                                </p:cTn>
-                              </p:par>
-                            </p:childTnLst>
-                          </p:cTn>
-                        </p:par>
-                      </p:childTnLst>
-                    </p:cTn>
-                  </p:par>
-                  <p:par>
-                    <p:cTn id="8" fill="hold">
-                      <p:stCondLst>
-                        <p:cond delay="indefinite"/>
-                      </p:stCondLst>
-                      <p:childTnLst>
-                        <p:par>
-                          <p:cTn id="9" fill="hold">
-                            <p:stCondLst>
-                              <p:cond delay="0"/>
-                            </p:stCondLst>
-                            <p:childTnLst>
-                              <p:par>
-                                <p:cTn id="10" presetID="10" presetClass="entr" presetSubtype="0" fill="hold" nodeType="clickEffect">
-                                  <p:stCondLst>
-                                    <p:cond delay="0"/>
-                                  </p:stCondLst>
-                                  <p:childTnLst>
-                                    <p:set>
-                                      <p:cBhvr>
-                                        <p:cTn id="11" dur="1" fill="hold">
-                                          <p:stCondLst>
-                                            <p:cond delay="0"/>
-                                          </p:stCondLst>
-                                        </p:cTn>
-                                        <p:tgtEl>
-                                          <p:spTgt spid="9"/>
-                                        </p:tgtEl>
-                                        <p:attrNameLst>
-                                          <p:attrName>style.visibility</p:attrName>
-                                        </p:attrNameLst>
-                                      </p:cBhvr>
-                                      <p:to>
-                                        <p:strVal val="visible"/>
-                                      </p:to>
-                                    </p:set>
-                                    <p:animEffect transition="in" filter="fade">
-                                      <p:cBhvr>
-                                        <p:cTn id="12" dur="250"/>
-                                        <p:tgtEl>
-                                          <p:spTgt spid="9"/>
-                                        </p:tgtEl>
-                                      </p:cBhvr>
-                                    </p:animEffect>
-                                  </p:childTnLst>
-                                </p:cTn>
-                              </p:par>
-                            </p:childTnLst>
-                          </p:cTn>
-                        </p:par>
-                      </p:childTnLst>
-                    </p:cTn>
-                  </p:par>
-                  <p:par>
-                    <p:cTn id="13" fill="hold">
-                      <p:stCondLst>
-                        <p:cond delay="indefinite"/>
-                      </p:stCondLst>
-                      <p:childTnLst>
-                        <p:par>
-                          <p:cTn id="14" fill="hold">
-                            <p:stCondLst>
-                              <p:cond delay="0"/>
-                            </p:stCondLst>
-                            <p:childTnLst>
-                              <p:par>
-                                <p:cTn id="15" presetID="10" presetClass="entr" presetSubtype="0" fill="hold" nodeType="clickEffect">
-                                  <p:stCondLst>
-                                    <p:cond delay="0"/>
-                                  </p:stCondLst>
-                                  <p:childTnLst>
-                                    <p:set>
-                                      <p:cBhvr>
-                                        <p:cTn id="16" dur="1" fill="hold">
-                                          <p:stCondLst>
-                                            <p:cond delay="0"/>
-                                          </p:stCondLst>
-                                        </p:cTn>
-                                        <p:tgtEl>
-                                          <p:spTgt spid="10"/>
-                                        </p:tgtEl>
-                                        <p:attrNameLst>
-                                          <p:attrName>style.visibility</p:attrName>
-                                        </p:attrNameLst>
-                                      </p:cBhvr>
-                                      <p:to>
-                                        <p:strVal val="visible"/>
-                                      </p:to>
-                                    </p:set>
-                                    <p:animEffect transition="in" filter="fade">
-                                      <p:cBhvr>
-                                        <p:cTn id="17" dur="250"/>
-                                        <p:tgtEl>
-                                          <p:spTgt spid="10"/>
-                                        </p:tgtEl>
-                                      </p:cBhvr>
-                                    </p:animEffect>
-                                  </p:childTnLst>
-                                </p:cTn>
-                              </p:par>
-                            </p:childTnLst>
-                          </p:cTn>
-                        </p:par>
-                      </p:childTnLst>
-                    </p:cTn>
-                  </p:par>
-                  <p:par>
-                    <p:cTn id="18" fill="hold">
-                      <p:stCondLst>
-                        <p:cond delay="indefinite"/>
-                      </p:stCondLst>
-                      <p:childTnLst>
-                        <p:par>
-                          <p:cTn id="19" fill="hold">
-                            <p:stCondLst>
-                              <p:cond delay="0"/>
-                            </p:stCondLst>
-                            <p:childTnLst>
-                              <p:par>
-                                <p:cTn id="20" presetID="10" presetClass="entr" presetSubtype="0" fill="hold" nodeType="clickEffect">
-                                  <p:stCondLst>
-                                    <p:cond delay="0"/>
-                                  </p:stCondLst>
-                                  <p:childTnLst>
-                                    <p:set>
-                                      <p:cBhvr>
-                                        <p:cTn id="21" dur="1" fill="hold">
-                                          <p:stCondLst>
-                                            <p:cond delay="0"/>
-                                          </p:stCondLst>
-                                        </p:cTn>
-                                        <p:tgtEl>
-                                          <p:spTgt spid="3"/>
-                                        </p:tgtEl>
-                                        <p:attrNameLst>
-                                          <p:attrName>style.visibility</p:attrName>
-                                        </p:attrNameLst>
-                                      </p:cBhvr>
-                                      <p:to>
-                                        <p:strVal val="visible"/>
-                                      </p:to>
-                                    </p:set>
-                                    <p:animEffect transition="in" filter="fade">
-                                      <p:cBhvr>
-                                        <p:cTn id="22" dur="500"/>
-                                        <p:tgtEl>
-                                          <p:spTgt spid="3"/>
-                                        </p:tgtEl>
-                                      </p:cBhvr>
-                                    </p:animEffect>
-                                  </p:childTnLst>
-                                </p:cTn>
-                              </p:par>
-                            </p:childTnLst>
-                          </p:cTn>
-                        </p:par>
-                      </p:childTnLst>
-                    </p:cTn>
-                  </p:par>
-                  <p:par>
-                    <p:cTn id="23" fill="hold">
-                      <p:stCondLst>
-                        <p:cond delay="indefinite"/>
-                      </p:stCondLst>
-                      <p:childTnLst>
-                        <p:par>
-                          <p:cTn id="24" fill="hold">
-                            <p:stCondLst>
-                              <p:cond delay="0"/>
-                            </p:stCondLst>
-                            <p:childTnLst>
-                              <p:par>
-                                <p:cTn id="25" presetID="10" presetClass="entr" presetSubtype="0" fill="hold" nodeType="clickEffect">
-                                  <p:stCondLst>
-                                    <p:cond delay="0"/>
-                                  </p:stCondLst>
-                                  <p:childTnLst>
-                                    <p:set>
-                                      <p:cBhvr>
-                                        <p:cTn id="26" dur="1" fill="hold">
-                                          <p:stCondLst>
-                                            <p:cond delay="0"/>
-                                          </p:stCondLst>
-                                        </p:cTn>
-                                        <p:tgtEl>
-                                          <p:spTgt spid="4"/>
-                                        </p:tgtEl>
-                                        <p:attrNameLst>
-                                          <p:attrName>style.visibility</p:attrName>
-                                        </p:attrNameLst>
-                                      </p:cBhvr>
-                                      <p:to>
-                                        <p:strVal val="visible"/>
-                                      </p:to>
-                                    </p:set>
-                                    <p:animEffect transition="in" filter="fade">
-                                      <p:cBhvr>
-                                        <p:cTn id="27" dur="500"/>
-                                        <p:tgtEl>
-                                          <p:spTgt spid="4"/>
+                                          <p:spTgt spid="5"/>
                                         </p:tgtEl>
                                       </p:cBhvr>
                                     </p:animEffect>
@@ -7317,7 +10556,7 @@
 </p:sld>
 </file>
 
-<file path=ppt/slides/slide14.xml><?xml version="1.0" encoding="utf-8"?>
+<file path=ppt/slides/slide33.xml><?xml version="1.0" encoding="utf-8"?>
 <p:sld xmlns:a="http://schemas.openxmlformats.org/drawingml/2006/main" xmlns:r="http://schemas.openxmlformats.org/officeDocument/2006/relationships" xmlns:p="http://schemas.openxmlformats.org/presentationml/2006/main">
   <p:cSld>
     <p:spTree>
@@ -7344,140 +10583,88 @@
             <p:ph type="title"/>
           </p:nvPr>
         </p:nvSpPr>
-        <p:spPr/>
-        <p:txBody>
-          <a:bodyPr>
-            <a:normAutofit/>
-          </a:bodyPr>
-          <a:lstStyle/>
-          <a:p>
-            <a:r>
-              <a:rPr lang="en-US" sz="4400" dirty="0" smtClean="0"/>
-              <a:t>testing</a:t>
-            </a:r>
-            <a:endParaRPr lang="vi-VN" sz="4400" dirty="0"/>
-          </a:p>
-        </p:txBody>
-      </p:sp>
-      <p:sp>
-        <p:nvSpPr>
-          <p:cNvPr id="3" name="Text Placeholder 2"/>
-          <p:cNvSpPr>
-            <a:spLocks noGrp="1"/>
-          </p:cNvSpPr>
-          <p:nvPr>
-            <p:ph type="body" idx="1"/>
-          </p:nvPr>
-        </p:nvSpPr>
-        <p:spPr/>
+        <p:spPr>
+          <a:xfrm>
+            <a:off x="892060" y="0"/>
+            <a:ext cx="10364451" cy="679876"/>
+          </a:xfrm>
+        </p:spPr>
         <p:txBody>
           <a:bodyPr/>
           <a:lstStyle/>
           <a:p>
             <a:r>
-              <a:rPr lang="en-US" cap="none" dirty="0" smtClean="0"/>
-              <a:t>Unit test</a:t>
-            </a:r>
-            <a:endParaRPr lang="vi-VN" cap="none" dirty="0"/>
-          </a:p>
-        </p:txBody>
-      </p:sp>
-      <p:sp>
-        <p:nvSpPr>
-          <p:cNvPr id="4" name="Content Placeholder 3"/>
-          <p:cNvSpPr>
-            <a:spLocks noGrp="1"/>
-          </p:cNvSpPr>
-          <p:nvPr>
-            <p:ph sz="quarter" idx="13"/>
-          </p:nvPr>
-        </p:nvSpPr>
-        <p:spPr/>
-        <p:txBody>
-          <a:bodyPr/>
-          <a:lstStyle/>
-          <a:p>
-            <a:r>
-              <a:rPr lang="en-US" cap="none" dirty="0" smtClean="0"/>
-              <a:t>Library for unit testing already implemented in </a:t>
-            </a:r>
-            <a:r>
-              <a:rPr lang="en-US" cap="none" dirty="0" err="1" smtClean="0"/>
-              <a:t>Django</a:t>
-            </a:r>
-            <a:endParaRPr lang="en-US" cap="none" dirty="0" smtClean="0"/>
-          </a:p>
-          <a:p>
-            <a:r>
-              <a:rPr lang="en-US" cap="none" dirty="0" smtClean="0"/>
-              <a:t>About 20 test cases</a:t>
-            </a:r>
-          </a:p>
-          <a:p>
-            <a:r>
-              <a:rPr lang="en-US" cap="none" dirty="0" smtClean="0"/>
-              <a:t>Test coverage: 75 – 90%</a:t>
-            </a:r>
-            <a:endParaRPr lang="vi-VN" cap="none" dirty="0"/>
-          </a:p>
-        </p:txBody>
-      </p:sp>
-      <p:sp>
-        <p:nvSpPr>
-          <p:cNvPr id="5" name="Text Placeholder 4"/>
-          <p:cNvSpPr>
-            <a:spLocks noGrp="1"/>
-          </p:cNvSpPr>
-          <p:nvPr>
-            <p:ph type="body" sz="quarter" idx="3"/>
-          </p:nvPr>
-        </p:nvSpPr>
-        <p:spPr/>
-        <p:txBody>
-          <a:bodyPr/>
-          <a:lstStyle/>
-          <a:p>
-            <a:r>
-              <a:rPr lang="en-US" cap="none" dirty="0" smtClean="0"/>
-              <a:t>Acceptance test</a:t>
-            </a:r>
-            <a:endParaRPr lang="vi-VN" cap="none" dirty="0"/>
-          </a:p>
-        </p:txBody>
-      </p:sp>
-      <p:sp>
-        <p:nvSpPr>
-          <p:cNvPr id="6" name="Content Placeholder 5"/>
-          <p:cNvSpPr>
-            <a:spLocks noGrp="1"/>
-          </p:cNvSpPr>
-          <p:nvPr>
-            <p:ph sz="quarter" idx="14"/>
-          </p:nvPr>
-        </p:nvSpPr>
-        <p:spPr/>
-        <p:txBody>
-          <a:bodyPr/>
-          <a:lstStyle/>
-          <a:p>
-            <a:r>
-              <a:rPr lang="en-US" cap="none" dirty="0" smtClean="0"/>
-              <a:t>An old package called “lettuce” in Python (like “cucumber” in Rails)</a:t>
-            </a:r>
-          </a:p>
-          <a:p>
-            <a:r>
-              <a:rPr lang="en-US" cap="none" dirty="0" smtClean="0"/>
-              <a:t>Incompatible with Python 3, we have to use some deprecated codes for this package to works</a:t>
-            </a:r>
-            <a:endParaRPr lang="vi-VN" cap="none" dirty="0"/>
-          </a:p>
-        </p:txBody>
-      </p:sp>
+              <a:rPr lang="en-US" dirty="0" smtClean="0"/>
+              <a:t>acceptance test</a:t>
+            </a:r>
+            <a:endParaRPr lang="en-US" dirty="0"/>
+          </a:p>
+        </p:txBody>
+      </p:sp>
+      <p:pic>
+        <p:nvPicPr>
+          <p:cNvPr id="4" name="Picture 3"/>
+          <p:cNvPicPr>
+            <a:picLocks noChangeAspect="1"/>
+          </p:cNvPicPr>
+          <p:nvPr/>
+        </p:nvPicPr>
+        <p:blipFill>
+          <a:blip r:embed="rId2">
+            <a:extLst>
+              <a:ext uri="{28A0092B-C50C-407E-A947-70E740481C1C}">
+                <a14:useLocalDpi xmlns:a14="http://schemas.microsoft.com/office/drawing/2010/main" val="0"/>
+              </a:ext>
+            </a:extLst>
+          </a:blip>
+          <a:stretch>
+            <a:fillRect/>
+          </a:stretch>
+        </p:blipFill>
+        <p:spPr>
+          <a:xfrm>
+            <a:off x="270119" y="679876"/>
+            <a:ext cx="5493196" cy="5901308"/>
+          </a:xfrm>
+          <a:prstGeom prst="rect">
+            <a:avLst/>
+          </a:prstGeom>
+        </p:spPr>
+      </p:pic>
+      <p:pic>
+        <p:nvPicPr>
+          <p:cNvPr id="5" name="Picture 4"/>
+          <p:cNvPicPr>
+            <a:picLocks noChangeAspect="1"/>
+          </p:cNvPicPr>
+          <p:nvPr/>
+        </p:nvPicPr>
+        <p:blipFill>
+          <a:blip r:embed="rId3">
+            <a:extLst>
+              <a:ext uri="{28A0092B-C50C-407E-A947-70E740481C1C}">
+                <a14:useLocalDpi xmlns:a14="http://schemas.microsoft.com/office/drawing/2010/main" val="0"/>
+              </a:ext>
+            </a:extLst>
+          </a:blip>
+          <a:stretch>
+            <a:fillRect/>
+          </a:stretch>
+        </p:blipFill>
+        <p:spPr>
+          <a:xfrm>
+            <a:off x="6074285" y="606162"/>
+            <a:ext cx="5561812" cy="5975022"/>
+          </a:xfrm>
+          <a:prstGeom prst="rect">
+            <a:avLst/>
+          </a:prstGeom>
+        </p:spPr>
+      </p:pic>
     </p:spTree>
     <p:extLst>
       <p:ext uri="{BB962C8B-B14F-4D97-AF65-F5344CB8AC3E}">
-        <p14:creationId xmlns:p14="http://schemas.microsoft.com/office/powerpoint/2010/main" val="2802863218"/>
+        <p14:creationId xmlns:p14="http://schemas.microsoft.com/office/powerpoint/2010/main" val="2771501056"/>
       </p:ext>
     </p:extLst>
   </p:cSld>
@@ -7506,7 +10693,7 @@
 </p:sld>
 </file>
 
-<file path=ppt/slides/slide15.xml><?xml version="1.0" encoding="utf-8"?>
+<file path=ppt/slides/slide34.xml><?xml version="1.0" encoding="utf-8"?>
 <p:sld xmlns:a="http://schemas.openxmlformats.org/drawingml/2006/main" xmlns:r="http://schemas.openxmlformats.org/officeDocument/2006/relationships" xmlns:p="http://schemas.openxmlformats.org/presentationml/2006/main">
   <p:cSld>
     <p:spTree>
@@ -7588,83 +10775,6 @@
           <a:xfrm>
             <a:off x="8630607" y="1689151"/>
             <a:ext cx="2647619" cy="4266667"/>
-          </a:xfrm>
-          <a:prstGeom prst="rect">
-            <a:avLst/>
-          </a:prstGeom>
-        </p:spPr>
-      </p:pic>
-      <p:pic>
-        <p:nvPicPr>
-          <p:cNvPr id="7" name="Picture 6"/>
-          <p:cNvPicPr>
-            <a:picLocks noChangeAspect="1"/>
-          </p:cNvPicPr>
-          <p:nvPr/>
-        </p:nvPicPr>
-        <p:blipFill>
-          <a:blip r:embed="rId4"/>
-          <a:stretch>
-            <a:fillRect/>
-          </a:stretch>
-        </p:blipFill>
-        <p:spPr>
-          <a:xfrm>
-            <a:off x="2591238" y="871857"/>
-            <a:ext cx="7009524" cy="5114286"/>
-          </a:xfrm>
-          <a:prstGeom prst="rect">
-            <a:avLst/>
-          </a:prstGeom>
-        </p:spPr>
-      </p:pic>
-      <p:pic>
-        <p:nvPicPr>
-          <p:cNvPr id="9" name="Picture 8"/>
-          <p:cNvPicPr>
-            <a:picLocks noChangeAspect="1"/>
-          </p:cNvPicPr>
-          <p:nvPr/>
-        </p:nvPicPr>
-        <p:blipFill>
-          <a:blip r:embed="rId5"/>
-          <a:stretch>
-            <a:fillRect/>
-          </a:stretch>
-        </p:blipFill>
-        <p:spPr>
-          <a:xfrm>
-            <a:off x="371653" y="774845"/>
-            <a:ext cx="7647619" cy="4514286"/>
-          </a:xfrm>
-          <a:prstGeom prst="rect">
-            <a:avLst/>
-          </a:prstGeom>
-        </p:spPr>
-      </p:pic>
-      <p:pic>
-        <p:nvPicPr>
-          <p:cNvPr id="3" name="Picture 2"/>
-          <p:cNvPicPr>
-            <a:picLocks noChangeAspect="1"/>
-          </p:cNvPicPr>
-          <p:nvPr/>
-        </p:nvPicPr>
-        <p:blipFill rotWithShape="1">
-          <a:blip r:embed="rId6">
-            <a:extLst>
-              <a:ext uri="{28A0092B-C50C-407E-A947-70E740481C1C}">
-                <a14:useLocalDpi xmlns:a14="http://schemas.microsoft.com/office/drawing/2010/main" val="0"/>
-              </a:ext>
-            </a:extLst>
-          </a:blip>
-          <a:srcRect r="50809" b="6826"/>
-          <a:stretch/>
-        </p:blipFill>
-        <p:spPr>
-          <a:xfrm>
-            <a:off x="5823794" y="134472"/>
-            <a:ext cx="5997388" cy="6386732"/>
           </a:xfrm>
           <a:prstGeom prst="rect">
             <a:avLst/>
@@ -7754,165 +10864,6 @@
                       </p:childTnLst>
                     </p:cTn>
                   </p:par>
-                  <p:par>
-                    <p:cTn id="8" fill="hold">
-                      <p:stCondLst>
-                        <p:cond delay="indefinite"/>
-                      </p:stCondLst>
-                      <p:childTnLst>
-                        <p:par>
-                          <p:cTn id="9" fill="hold">
-                            <p:stCondLst>
-                              <p:cond delay="0"/>
-                            </p:stCondLst>
-                            <p:childTnLst>
-                              <p:par>
-                                <p:cTn id="10" presetID="10" presetClass="entr" presetSubtype="0" fill="hold" nodeType="clickEffect">
-                                  <p:stCondLst>
-                                    <p:cond delay="0"/>
-                                  </p:stCondLst>
-                                  <p:childTnLst>
-                                    <p:set>
-                                      <p:cBhvr>
-                                        <p:cTn id="11" dur="1" fill="hold">
-                                          <p:stCondLst>
-                                            <p:cond delay="0"/>
-                                          </p:stCondLst>
-                                        </p:cTn>
-                                        <p:tgtEl>
-                                          <p:spTgt spid="7"/>
-                                        </p:tgtEl>
-                                        <p:attrNameLst>
-                                          <p:attrName>style.visibility</p:attrName>
-                                        </p:attrNameLst>
-                                      </p:cBhvr>
-                                      <p:to>
-                                        <p:strVal val="visible"/>
-                                      </p:to>
-                                    </p:set>
-                                    <p:animEffect transition="in" filter="fade">
-                                      <p:cBhvr>
-                                        <p:cTn id="12" dur="250"/>
-                                        <p:tgtEl>
-                                          <p:spTgt spid="7"/>
-                                        </p:tgtEl>
-                                      </p:cBhvr>
-                                    </p:animEffect>
-                                  </p:childTnLst>
-                                </p:cTn>
-                              </p:par>
-                            </p:childTnLst>
-                          </p:cTn>
-                        </p:par>
-                      </p:childTnLst>
-                    </p:cTn>
-                  </p:par>
-                  <p:par>
-                    <p:cTn id="13" fill="hold">
-                      <p:stCondLst>
-                        <p:cond delay="indefinite"/>
-                      </p:stCondLst>
-                      <p:childTnLst>
-                        <p:par>
-                          <p:cTn id="14" fill="hold">
-                            <p:stCondLst>
-                              <p:cond delay="0"/>
-                            </p:stCondLst>
-                            <p:childTnLst>
-                              <p:par>
-                                <p:cTn id="15" presetID="10" presetClass="entr" presetSubtype="0" fill="hold" nodeType="clickEffect">
-                                  <p:stCondLst>
-                                    <p:cond delay="0"/>
-                                  </p:stCondLst>
-                                  <p:childTnLst>
-                                    <p:set>
-                                      <p:cBhvr>
-                                        <p:cTn id="16" dur="1" fill="hold">
-                                          <p:stCondLst>
-                                            <p:cond delay="0"/>
-                                          </p:stCondLst>
-                                        </p:cTn>
-                                        <p:tgtEl>
-                                          <p:spTgt spid="9"/>
-                                        </p:tgtEl>
-                                        <p:attrNameLst>
-                                          <p:attrName>style.visibility</p:attrName>
-                                        </p:attrNameLst>
-                                      </p:cBhvr>
-                                      <p:to>
-                                        <p:strVal val="visible"/>
-                                      </p:to>
-                                    </p:set>
-                                    <p:animEffect transition="in" filter="fade">
-                                      <p:cBhvr>
-                                        <p:cTn id="17" dur="250"/>
-                                        <p:tgtEl>
-                                          <p:spTgt spid="9"/>
-                                        </p:tgtEl>
-                                      </p:cBhvr>
-                                    </p:animEffect>
-                                  </p:childTnLst>
-                                </p:cTn>
-                              </p:par>
-                            </p:childTnLst>
-                          </p:cTn>
-                        </p:par>
-                      </p:childTnLst>
-                    </p:cTn>
-                  </p:par>
-                  <p:par>
-                    <p:cTn id="18" fill="hold">
-                      <p:stCondLst>
-                        <p:cond delay="indefinite"/>
-                      </p:stCondLst>
-                      <p:childTnLst>
-                        <p:par>
-                          <p:cTn id="19" fill="hold">
-                            <p:stCondLst>
-                              <p:cond delay="0"/>
-                            </p:stCondLst>
-                            <p:childTnLst>
-                              <p:par>
-                                <p:cTn id="20" presetID="10" presetClass="entr" presetSubtype="0" fill="hold" nodeType="clickEffect">
-                                  <p:stCondLst>
-                                    <p:cond delay="0"/>
-                                  </p:stCondLst>
-                                  <p:childTnLst>
-                                    <p:set>
-                                      <p:cBhvr>
-                                        <p:cTn id="21" dur="1" fill="hold">
-                                          <p:stCondLst>
-                                            <p:cond delay="0"/>
-                                          </p:stCondLst>
-                                        </p:cTn>
-                                        <p:tgtEl>
-                                          <p:spTgt spid="3"/>
-                                        </p:tgtEl>
-                                        <p:attrNameLst>
-                                          <p:attrName>style.visibility</p:attrName>
-                                        </p:attrNameLst>
-                                      </p:cBhvr>
-                                      <p:to>
-                                        <p:strVal val="visible"/>
-                                      </p:to>
-                                    </p:set>
-                                    <p:animEffect transition="in" filter="fade">
-                                      <p:cBhvr>
-                                        <p:cTn id="22" dur="250"/>
-                                        <p:tgtEl>
-                                          <p:spTgt spid="3"/>
-                                        </p:tgtEl>
-                                      </p:cBhvr>
-                                    </p:animEffect>
-                                  </p:childTnLst>
-                                </p:cTn>
-                              </p:par>
-                            </p:childTnLst>
-                          </p:cTn>
-                        </p:par>
-                      </p:childTnLst>
-                    </p:cTn>
-                  </p:par>
                 </p:childTnLst>
               </p:cTn>
               <p:prevCondLst>
@@ -7938,7 +10889,7 @@
 </p:sld>
 </file>
 
-<file path=ppt/slides/slide16.xml><?xml version="1.0" encoding="utf-8"?>
+<file path=ppt/slides/slide35.xml><?xml version="1.0" encoding="utf-8"?>
 <p:sld xmlns:a="http://schemas.openxmlformats.org/drawingml/2006/main" xmlns:r="http://schemas.openxmlformats.org/officeDocument/2006/relationships" xmlns:p="http://schemas.openxmlformats.org/presentationml/2006/main">
   <p:cSld>
     <p:spTree>
@@ -7988,7 +10939,12 @@
             <p:ph sz="quarter" idx="13"/>
           </p:nvPr>
         </p:nvSpPr>
-        <p:spPr/>
+        <p:spPr>
+          <a:xfrm>
+            <a:off x="913774" y="2367093"/>
+            <a:ext cx="10363826" cy="2177612"/>
+          </a:xfrm>
+        </p:spPr>
         <p:txBody>
           <a:bodyPr>
             <a:normAutofit/>
@@ -8037,25 +10993,13 @@
             <a:pPr lvl="1"/>
             <a:r>
               <a:rPr lang="en-US" sz="2000" cap="none" dirty="0" smtClean="0"/>
-              <a:t>Everything are explicitly declared in file models.py in each app</a:t>
-            </a:r>
-          </a:p>
-          <a:p>
-            <a:r>
-              <a:rPr lang="en-US" sz="2400" cap="none" dirty="0" smtClean="0">
-                <a:hlinkClick r:id="rId2" action="ppaction://hlinkfile"/>
-              </a:rPr>
-              <a:t>Refer</a:t>
-            </a:r>
-            <a:r>
-              <a:rPr lang="en-US" sz="2400" cap="none" dirty="0" smtClean="0"/>
-              <a:t> to </a:t>
-            </a:r>
-            <a:r>
-              <a:rPr lang="en-US" sz="2400" cap="none" dirty="0" smtClean="0"/>
-              <a:t>UML class diagram for more details</a:t>
-            </a:r>
-            <a:endParaRPr lang="vi-VN" sz="2400" cap="none" dirty="0"/>
+              <a:t>Everything are explicitly declared in file models.py in each </a:t>
+            </a:r>
+            <a:r>
+              <a:rPr lang="en-US" sz="2000" cap="none" dirty="0" smtClean="0"/>
+              <a:t>app</a:t>
+            </a:r>
+            <a:endParaRPr lang="en-US" sz="2000" cap="none" dirty="0" smtClean="0"/>
           </a:p>
         </p:txBody>
       </p:sp>
@@ -8091,7 +11035,7 @@
 </p:sld>
 </file>
 
-<file path=ppt/slides/slide2.xml><?xml version="1.0" encoding="utf-8"?>
+<file path=ppt/slides/slide36.xml><?xml version="1.0" encoding="utf-8"?>
 <p:sld xmlns:a="http://schemas.openxmlformats.org/drawingml/2006/main" xmlns:r="http://schemas.openxmlformats.org/officeDocument/2006/relationships" xmlns:p="http://schemas.openxmlformats.org/presentationml/2006/main">
   <p:cSld>
     <p:spTree>
@@ -8118,33 +11062,65 @@
             <p:ph type="title"/>
           </p:nvPr>
         </p:nvSpPr>
-        <p:spPr/>
-        <p:txBody>
-          <a:bodyPr/>
+        <p:spPr>
+          <a:xfrm>
+            <a:off x="736354" y="263676"/>
+            <a:ext cx="10364451" cy="254940"/>
+          </a:xfrm>
+        </p:spPr>
+        <p:txBody>
+          <a:bodyPr>
+            <a:normAutofit fontScale="90000"/>
+          </a:bodyPr>
           <a:lstStyle/>
           <a:p>
             <a:r>
               <a:rPr lang="en-US" dirty="0" smtClean="0"/>
-              <a:t>Group </a:t>
-            </a:r>
-            <a:r>
-              <a:rPr lang="en-US" dirty="0" smtClean="0"/>
-              <a:t>members</a:t>
+              <a:t>UML CLASS</a:t>
             </a:r>
             <a:endParaRPr lang="en-US" dirty="0"/>
           </a:p>
         </p:txBody>
       </p:sp>
-      <p:sp>
-        <p:nvSpPr>
-          <p:cNvPr id="4" name="TextBox 3"/>
+      <p:pic>
+        <p:nvPicPr>
+          <p:cNvPr id="6" name="Content Placeholder 5"/>
+          <p:cNvPicPr>
+            <a:picLocks noGrp="1" noChangeAspect="1"/>
+          </p:cNvPicPr>
+          <p:nvPr>
+            <p:ph sz="quarter" idx="13"/>
+          </p:nvPr>
+        </p:nvPicPr>
+        <p:blipFill>
+          <a:blip r:embed="rId2">
+            <a:extLst>
+              <a:ext uri="{28A0092B-C50C-407E-A947-70E740481C1C}">
+                <a14:useLocalDpi xmlns:a14="http://schemas.microsoft.com/office/drawing/2010/main" val="0"/>
+              </a:ext>
+            </a:extLst>
+          </a:blip>
+          <a:stretch>
+            <a:fillRect/>
+          </a:stretch>
+        </p:blipFill>
+        <p:spPr>
+          <a:xfrm>
+            <a:off x="736354" y="1423496"/>
+            <a:ext cx="10086321" cy="5434504"/>
+          </a:xfrm>
+        </p:spPr>
+      </p:pic>
+      <p:sp>
+        <p:nvSpPr>
+          <p:cNvPr id="7" name="TextBox 6"/>
           <p:cNvSpPr txBox="1"/>
           <p:nvPr/>
         </p:nvSpPr>
         <p:spPr>
           <a:xfrm>
-            <a:off x="4387708" y="2884867"/>
-            <a:ext cx="3713103" cy="1384995"/>
+            <a:off x="736354" y="928048"/>
+            <a:ext cx="4140685" cy="400110"/>
           </a:xfrm>
           <a:prstGeom prst="rect">
             <a:avLst/>
@@ -8152,47 +11128,18 @@
           <a:noFill/>
         </p:spPr>
         <p:txBody>
-          <a:bodyPr wrap="square" rtlCol="0">
+          <a:bodyPr wrap="none" rtlCol="0">
             <a:spAutoFit/>
           </a:bodyPr>
           <a:lstStyle/>
           <a:p>
-            <a:pPr marL="285750" indent="-285750">
-              <a:buFont typeface="Arial" panose="020B0604020202020204" pitchFamily="34" charset="0"/>
-              <a:buChar char="•"/>
-            </a:pPr>
-            <a:r>
-              <a:rPr lang="vi-VN" sz="2800" dirty="0" smtClean="0">
-                <a:latin typeface="Times New Roman" panose="02020603050405020304" pitchFamily="18" charset="0"/>
-                <a:cs typeface="Times New Roman" panose="02020603050405020304" pitchFamily="18" charset="0"/>
-              </a:rPr>
-              <a:t>Hoàng Thị Nhung</a:t>
-            </a:r>
-          </a:p>
-          <a:p>
-            <a:pPr marL="285750" indent="-285750">
-              <a:buFont typeface="Arial" panose="020B0604020202020204" pitchFamily="34" charset="0"/>
-              <a:buChar char="•"/>
-            </a:pPr>
-            <a:r>
-              <a:rPr lang="vi-VN" sz="2800" dirty="0" smtClean="0">
-                <a:latin typeface="Times New Roman" panose="02020603050405020304" pitchFamily="18" charset="0"/>
-                <a:cs typeface="Times New Roman" panose="02020603050405020304" pitchFamily="18" charset="0"/>
-              </a:rPr>
-              <a:t>Nguyễn Xuân Nam</a:t>
-            </a:r>
-          </a:p>
-          <a:p>
-            <a:pPr marL="285750" indent="-285750">
-              <a:buFont typeface="Arial" panose="020B0604020202020204" pitchFamily="34" charset="0"/>
-              <a:buChar char="•"/>
-            </a:pPr>
-            <a:r>
-              <a:rPr lang="vi-VN" sz="2800" dirty="0" smtClean="0">
-                <a:latin typeface="Times New Roman" panose="02020603050405020304" pitchFamily="18" charset="0"/>
-                <a:cs typeface="Times New Roman" panose="02020603050405020304" pitchFamily="18" charset="0"/>
-              </a:rPr>
-              <a:t>Phùng Nguyên Ngọc</a:t>
+            <a:r>
+              <a:rPr lang="en-US" sz="2000" dirty="0" smtClean="0"/>
+              <a:t>For more information, open </a:t>
+            </a:r>
+            <a:r>
+              <a:rPr lang="en-US" sz="2000" dirty="0"/>
+              <a:t>classes.png</a:t>
             </a:r>
           </a:p>
         </p:txBody>
@@ -8200,221 +11147,25 @@
     </p:spTree>
     <p:extLst>
       <p:ext uri="{BB962C8B-B14F-4D97-AF65-F5344CB8AC3E}">
-        <p14:creationId xmlns:p14="http://schemas.microsoft.com/office/powerpoint/2010/main" val="1401762973"/>
+        <p14:creationId xmlns:p14="http://schemas.microsoft.com/office/powerpoint/2010/main" val="3086167422"/>
       </p:ext>
     </p:extLst>
   </p:cSld>
   <p:clrMapOvr>
     <a:masterClrMapping/>
   </p:clrMapOvr>
-  <mc:AlternateContent xmlns:mc="http://schemas.openxmlformats.org/markup-compatibility/2006" xmlns:p14="http://schemas.microsoft.com/office/powerpoint/2010/main">
-    <mc:Choice Requires="p14">
+  <mc:AlternateContent xmlns:mc="http://schemas.openxmlformats.org/markup-compatibility/2006">
+    <mc:Choice xmlns:p14="http://schemas.microsoft.com/office/powerpoint/2010/main" Requires="p14">
       <p:transition p14:dur="250">
         <p:fade/>
       </p:transition>
     </mc:Choice>
-    <mc:Fallback xmlns="">
+    <mc:Fallback>
       <p:transition>
         <p:fade/>
       </p:transition>
     </mc:Fallback>
   </mc:AlternateContent>
-  <p:timing>
-    <p:tnLst>
-      <p:par>
-        <p:cTn id="1" dur="indefinite" restart="never" nodeType="tmRoot"/>
-      </p:par>
-    </p:tnLst>
-  </p:timing>
-</p:sld>
-</file>
-
-<file path=ppt/slides/slide3.xml><?xml version="1.0" encoding="utf-8"?>
-<p:sld xmlns:a="http://schemas.openxmlformats.org/drawingml/2006/main" xmlns:r="http://schemas.openxmlformats.org/officeDocument/2006/relationships" xmlns:p="http://schemas.openxmlformats.org/presentationml/2006/main">
-  <p:cSld>
-    <p:spTree>
-      <p:nvGrpSpPr>
-        <p:cNvPr id="1" name=""/>
-        <p:cNvGrpSpPr/>
-        <p:nvPr/>
-      </p:nvGrpSpPr>
-      <p:grpSpPr>
-        <a:xfrm>
-          <a:off x="0" y="0"/>
-          <a:ext cx="0" cy="0"/>
-          <a:chOff x="0" y="0"/>
-          <a:chExt cx="0" cy="0"/>
-        </a:xfrm>
-      </p:grpSpPr>
-      <p:sp>
-        <p:nvSpPr>
-          <p:cNvPr id="2" name="Title 1"/>
-          <p:cNvSpPr>
-            <a:spLocks noGrp="1"/>
-          </p:cNvSpPr>
-          <p:nvPr>
-            <p:ph type="title"/>
-          </p:nvPr>
-        </p:nvSpPr>
-        <p:spPr/>
-        <p:txBody>
-          <a:bodyPr>
-            <a:normAutofit/>
-          </a:bodyPr>
-          <a:lstStyle/>
-          <a:p>
-            <a:r>
-              <a:rPr lang="en-US" sz="4400" dirty="0" smtClean="0"/>
-              <a:t>contents</a:t>
-            </a:r>
-            <a:endParaRPr lang="vi-VN" sz="4400" dirty="0"/>
-          </a:p>
-        </p:txBody>
-      </p:sp>
-      <p:sp>
-        <p:nvSpPr>
-          <p:cNvPr id="3" name="Content Placeholder 2"/>
-          <p:cNvSpPr>
-            <a:spLocks noGrp="1"/>
-          </p:cNvSpPr>
-          <p:nvPr>
-            <p:ph sz="quarter" idx="13"/>
-          </p:nvPr>
-        </p:nvSpPr>
-        <p:spPr/>
-        <p:txBody>
-          <a:bodyPr/>
-          <a:lstStyle/>
-          <a:p>
-            <a:r>
-              <a:rPr lang="en-US" sz="2800" cap="none" dirty="0" smtClean="0"/>
-              <a:t>A BRIEF LOOK</a:t>
-            </a:r>
-          </a:p>
-          <a:p>
-            <a:pPr lvl="1"/>
-            <a:r>
-              <a:rPr lang="en-US" sz="2400" cap="none" dirty="0" smtClean="0"/>
-              <a:t>Ideas</a:t>
-            </a:r>
-          </a:p>
-          <a:p>
-            <a:pPr lvl="1"/>
-            <a:r>
-              <a:rPr lang="en-US" sz="2400" cap="none" dirty="0"/>
-              <a:t>Product </a:t>
-            </a:r>
-            <a:r>
-              <a:rPr lang="en-US" sz="2400" cap="none" dirty="0" smtClean="0"/>
-              <a:t>introduction</a:t>
-            </a:r>
-          </a:p>
-          <a:p>
-            <a:pPr lvl="1"/>
-            <a:r>
-              <a:rPr lang="en-US" sz="2400" cap="none" dirty="0" smtClean="0"/>
-              <a:t>Frameworks</a:t>
-            </a:r>
-          </a:p>
-          <a:p>
-            <a:pPr lvl="1"/>
-            <a:r>
-              <a:rPr lang="en-US" sz="2400" cap="none" dirty="0" smtClean="0"/>
-              <a:t>Structure</a:t>
-            </a:r>
-          </a:p>
-          <a:p>
-            <a:pPr lvl="1"/>
-            <a:endParaRPr lang="en-US" sz="2400" cap="none" dirty="0" smtClean="0"/>
-          </a:p>
-          <a:p>
-            <a:pPr lvl="1"/>
-            <a:endParaRPr lang="vi-VN" sz="2400" cap="none" dirty="0"/>
-          </a:p>
-        </p:txBody>
-      </p:sp>
-      <p:sp>
-        <p:nvSpPr>
-          <p:cNvPr id="4" name="Content Placeholder 3"/>
-          <p:cNvSpPr>
-            <a:spLocks noGrp="1"/>
-          </p:cNvSpPr>
-          <p:nvPr>
-            <p:ph sz="quarter" idx="14"/>
-          </p:nvPr>
-        </p:nvSpPr>
-        <p:spPr/>
-        <p:txBody>
-          <a:bodyPr>
-            <a:normAutofit/>
-          </a:bodyPr>
-          <a:lstStyle/>
-          <a:p>
-            <a:r>
-              <a:rPr lang="en-US" sz="2800" cap="none" dirty="0" smtClean="0"/>
-              <a:t>A DEEPER LOOK</a:t>
-            </a:r>
-          </a:p>
-          <a:p>
-            <a:pPr lvl="1"/>
-            <a:r>
-              <a:rPr lang="en-US" sz="2400" cap="none" dirty="0" smtClean="0"/>
-              <a:t>Progress management</a:t>
-            </a:r>
-          </a:p>
-          <a:p>
-            <a:pPr lvl="1"/>
-            <a:r>
-              <a:rPr lang="en-US" sz="2400" cap="none" dirty="0" smtClean="0"/>
-              <a:t>Implementation</a:t>
-            </a:r>
-          </a:p>
-          <a:p>
-            <a:pPr lvl="1"/>
-            <a:r>
-              <a:rPr lang="en-US" sz="2400" cap="none" dirty="0" smtClean="0"/>
-              <a:t>Testing</a:t>
-            </a:r>
-          </a:p>
-          <a:p>
-            <a:pPr lvl="1"/>
-            <a:r>
-              <a:rPr lang="en-US" sz="2400" cap="none" dirty="0" smtClean="0"/>
-              <a:t>Modeling</a:t>
-            </a:r>
-            <a:endParaRPr lang="vi-VN" sz="2400" cap="none" dirty="0"/>
-          </a:p>
-        </p:txBody>
-      </p:sp>
-    </p:spTree>
-    <p:extLst>
-      <p:ext uri="{BB962C8B-B14F-4D97-AF65-F5344CB8AC3E}">
-        <p14:creationId xmlns:p14="http://schemas.microsoft.com/office/powerpoint/2010/main" val="4048431678"/>
-      </p:ext>
-    </p:extLst>
-  </p:cSld>
-  <p:clrMapOvr>
-    <a:masterClrMapping/>
-  </p:clrMapOvr>
-  <mc:AlternateContent xmlns:mc="http://schemas.openxmlformats.org/markup-compatibility/2006" xmlns:p14="http://schemas.microsoft.com/office/powerpoint/2010/main">
-    <mc:Choice Requires="p14">
-      <p:transition p14:dur="250">
-        <p:fade/>
-      </p:transition>
-    </mc:Choice>
-    <mc:Fallback xmlns="">
-      <p:transition>
-        <p:fade/>
-      </p:transition>
-    </mc:Fallback>
-  </mc:AlternateContent>
-  <p:timing>
-    <p:tnLst>
-      <p:par>
-        <p:cTn id="1" dur="indefinite" restart="never" nodeType="tmRoot"/>
-      </p:par>
-    </p:tnLst>
-  </p:timing>
 </p:sld>
 </file>
 
@@ -8591,116 +11342,128 @@
           <a:chExt cx="0" cy="0"/>
         </a:xfrm>
       </p:grpSpPr>
-      <p:pic>
-        <p:nvPicPr>
-          <p:cNvPr id="5" name="Picture 4"/>
-          <p:cNvPicPr>
-            <a:picLocks noChangeAspect="1"/>
-          </p:cNvPicPr>
-          <p:nvPr/>
-        </p:nvPicPr>
-        <p:blipFill>
-          <a:blip r:embed="rId2"/>
-          <a:stretch>
-            <a:fillRect/>
-          </a:stretch>
-        </p:blipFill>
-        <p:spPr>
-          <a:xfrm>
-            <a:off x="0" y="2698805"/>
-            <a:ext cx="6226629" cy="3920469"/>
+      <p:sp>
+        <p:nvSpPr>
+          <p:cNvPr id="2" name="Title 1"/>
+          <p:cNvSpPr>
+            <a:spLocks noGrp="1"/>
+          </p:cNvSpPr>
+          <p:nvPr>
+            <p:ph type="title"/>
+          </p:nvPr>
+        </p:nvSpPr>
+        <p:spPr/>
+        <p:txBody>
+          <a:bodyPr/>
+          <a:lstStyle/>
+          <a:p>
+            <a:r>
+              <a:rPr lang="en-US" dirty="0" smtClean="0"/>
+              <a:t>Process implementation</a:t>
+            </a:r>
+            <a:endParaRPr lang="vi-VN" dirty="0"/>
+          </a:p>
+        </p:txBody>
+      </p:sp>
+      <p:sp>
+        <p:nvSpPr>
+          <p:cNvPr id="3" name="Content Placeholder 2"/>
+          <p:cNvSpPr>
+            <a:spLocks noGrp="1"/>
+          </p:cNvSpPr>
+          <p:nvPr>
+            <p:ph idx="4294967295"/>
+          </p:nvPr>
+        </p:nvSpPr>
+        <p:spPr>
+          <a:xfrm>
+            <a:off x="2131791" y="1214169"/>
+            <a:ext cx="8352928" cy="5256584"/>
           </a:xfrm>
           <a:prstGeom prst="rect">
             <a:avLst/>
           </a:prstGeom>
         </p:spPr>
-      </p:pic>
-      <p:sp>
-        <p:nvSpPr>
-          <p:cNvPr id="8" name="Title 1"/>
-          <p:cNvSpPr>
-            <a:spLocks noGrp="1"/>
-          </p:cNvSpPr>
-          <p:nvPr>
-            <p:ph type="title"/>
-          </p:nvPr>
-        </p:nvSpPr>
-        <p:spPr>
-          <a:xfrm>
-            <a:off x="855716" y="-421569"/>
-            <a:ext cx="10364451" cy="1596177"/>
-          </a:xfrm>
-        </p:spPr>
-        <p:txBody>
-          <a:bodyPr/>
-          <a:lstStyle/>
+        <p:txBody>
+          <a:bodyPr>
+            <a:normAutofit/>
+          </a:bodyPr>
+          <a:lstStyle/>
+          <a:p>
+            <a:pPr marL="0" indent="0">
+              <a:buNone/>
+            </a:pPr>
+            <a:endParaRPr lang="en-US" sz="2800" dirty="0"/>
+          </a:p>
           <a:p>
             <a:r>
               <a:rPr lang="en-US" dirty="0" smtClean="0"/>
-              <a:t>PRODUCT INTRODUCTION</a:t>
-            </a:r>
+              <a:t>discussion </a:t>
+            </a:r>
+            <a:r>
+              <a:rPr lang="en-US" dirty="0" smtClean="0"/>
+              <a:t>on </a:t>
+            </a:r>
+            <a:r>
+              <a:rPr lang="en-US" dirty="0" smtClean="0"/>
+              <a:t>Monday every week</a:t>
+            </a:r>
+            <a:endParaRPr lang="en-US" dirty="0" smtClean="0"/>
+          </a:p>
+          <a:p>
+            <a:r>
+              <a:rPr lang="en-US" dirty="0" smtClean="0"/>
+              <a:t>Everybody</a:t>
+            </a:r>
+            <a:r>
+              <a:rPr lang="en-US" dirty="0" smtClean="0"/>
+              <a:t> </a:t>
+            </a:r>
+            <a:r>
+              <a:rPr lang="en-US" dirty="0" smtClean="0"/>
+              <a:t>talk about their work </a:t>
+            </a:r>
+            <a:r>
+              <a:rPr lang="en-US" dirty="0" smtClean="0"/>
+              <a:t>in the last week. </a:t>
+            </a:r>
+            <a:endParaRPr lang="en-US" dirty="0" smtClean="0"/>
+          </a:p>
+          <a:p>
+            <a:r>
+              <a:rPr lang="en-US" dirty="0" smtClean="0"/>
+              <a:t>Solved unsolved together</a:t>
+            </a:r>
+          </a:p>
+          <a:p>
+            <a:r>
+              <a:rPr lang="en-US" dirty="0" smtClean="0"/>
+              <a:t>plan </a:t>
+            </a:r>
+            <a:r>
+              <a:rPr lang="en-US" dirty="0" smtClean="0"/>
+              <a:t>work will do </a:t>
+            </a:r>
+            <a:r>
+              <a:rPr lang="en-US" dirty="0" smtClean="0"/>
+              <a:t>this week.</a:t>
+            </a:r>
+          </a:p>
+          <a:p>
             <a:endParaRPr lang="en-US" dirty="0"/>
           </a:p>
-        </p:txBody>
-      </p:sp>
-      <p:pic>
-        <p:nvPicPr>
-          <p:cNvPr id="11" name="Picture 10"/>
-          <p:cNvPicPr>
-            <a:picLocks noChangeAspect="1"/>
-          </p:cNvPicPr>
-          <p:nvPr/>
-        </p:nvPicPr>
-        <p:blipFill>
-          <a:blip r:embed="rId3"/>
-          <a:stretch>
-            <a:fillRect/>
-          </a:stretch>
-        </p:blipFill>
-        <p:spPr>
-          <a:xfrm>
-            <a:off x="6226629" y="2698806"/>
-            <a:ext cx="6008914" cy="3912256"/>
-          </a:xfrm>
-          <a:prstGeom prst="rect">
-            <a:avLst/>
-          </a:prstGeom>
-        </p:spPr>
-      </p:pic>
-      <p:sp>
-        <p:nvSpPr>
-          <p:cNvPr id="12" name="TextBox 11"/>
-          <p:cNvSpPr txBox="1"/>
-          <p:nvPr/>
-        </p:nvSpPr>
-        <p:spPr>
-          <a:xfrm>
-            <a:off x="5050971" y="1752040"/>
-            <a:ext cx="2261901" cy="584775"/>
-          </a:xfrm>
-          <a:prstGeom prst="rect">
-            <a:avLst/>
-          </a:prstGeom>
-          <a:noFill/>
-        </p:spPr>
-        <p:txBody>
-          <a:bodyPr wrap="none" rtlCol="0">
-            <a:spAutoFit/>
-          </a:bodyPr>
-          <a:lstStyle/>
-          <a:p>
-            <a:r>
-              <a:rPr lang="en-US" sz="3200" dirty="0" smtClean="0"/>
-              <a:t>HOME PAGE</a:t>
-            </a:r>
-            <a:endParaRPr lang="en-US" sz="3200" dirty="0"/>
+          <a:p>
+            <a:pPr marL="0" indent="0">
+              <a:buNone/>
+            </a:pPr>
+            <a:endParaRPr lang="en-US" dirty="0"/>
           </a:p>
         </p:txBody>
       </p:sp>
     </p:spTree>
     <p:extLst>
       <p:ext uri="{BB962C8B-B14F-4D97-AF65-F5344CB8AC3E}">
-        <p14:creationId xmlns:p14="http://schemas.microsoft.com/office/powerpoint/2010/main" val="3756268025"/>
+        <p14:creationId xmlns:p14="http://schemas.microsoft.com/office/powerpoint/2010/main" val="3821760794"/>
       </p:ext>
     </p:extLst>
   </p:cSld>
@@ -8746,67 +11509,9 @@
           <a:chExt cx="0" cy="0"/>
         </a:xfrm>
       </p:grpSpPr>
-      <p:sp>
-        <p:nvSpPr>
-          <p:cNvPr id="8" name="Title 1"/>
-          <p:cNvSpPr>
-            <a:spLocks noGrp="1"/>
-          </p:cNvSpPr>
-          <p:nvPr>
-            <p:ph type="title"/>
-          </p:nvPr>
-        </p:nvSpPr>
-        <p:spPr>
-          <a:xfrm>
-            <a:off x="855716" y="-421569"/>
-            <a:ext cx="10364451" cy="1596177"/>
-          </a:xfrm>
-        </p:spPr>
-        <p:txBody>
-          <a:bodyPr/>
-          <a:lstStyle/>
-          <a:p>
-            <a:r>
-              <a:rPr lang="en-US" dirty="0" smtClean="0"/>
-              <a:t>PRODUCT INTRODUCTION</a:t>
-            </a:r>
-            <a:endParaRPr lang="en-US" dirty="0"/>
-          </a:p>
-        </p:txBody>
-      </p:sp>
-      <p:sp>
-        <p:nvSpPr>
-          <p:cNvPr id="12" name="TextBox 11"/>
-          <p:cNvSpPr txBox="1"/>
-          <p:nvPr/>
-        </p:nvSpPr>
-        <p:spPr>
-          <a:xfrm>
-            <a:off x="5050971" y="1752040"/>
-            <a:ext cx="1636987" cy="584775"/>
-          </a:xfrm>
-          <a:prstGeom prst="rect">
-            <a:avLst/>
-          </a:prstGeom>
-          <a:noFill/>
-        </p:spPr>
-        <p:txBody>
-          <a:bodyPr wrap="none" rtlCol="0">
-            <a:spAutoFit/>
-          </a:bodyPr>
-          <a:lstStyle/>
-          <a:p>
-            <a:r>
-              <a:rPr lang="en-US" sz="3200" dirty="0" smtClean="0"/>
-              <a:t>SIGN UP</a:t>
-            </a:r>
-            <a:endParaRPr lang="en-US" sz="3200" dirty="0"/>
-          </a:p>
-        </p:txBody>
-      </p:sp>
       <p:pic>
         <p:nvPicPr>
-          <p:cNvPr id="2" name="Picture 1"/>
+          <p:cNvPr id="5" name="Picture 4"/>
           <p:cNvPicPr>
             <a:picLocks noChangeAspect="1"/>
           </p:cNvPicPr>
@@ -8820,18 +11525,100 @@
         </p:blipFill>
         <p:spPr>
           <a:xfrm>
-            <a:off x="1628831" y="2798132"/>
-            <a:ext cx="8818219" cy="2068967"/>
+            <a:off x="0" y="2698805"/>
+            <a:ext cx="6226629" cy="3920469"/>
           </a:xfrm>
           <a:prstGeom prst="rect">
             <a:avLst/>
           </a:prstGeom>
         </p:spPr>
       </p:pic>
+      <p:sp>
+        <p:nvSpPr>
+          <p:cNvPr id="8" name="Title 1"/>
+          <p:cNvSpPr>
+            <a:spLocks noGrp="1"/>
+          </p:cNvSpPr>
+          <p:nvPr>
+            <p:ph type="title"/>
+          </p:nvPr>
+        </p:nvSpPr>
+        <p:spPr>
+          <a:xfrm>
+            <a:off x="855716" y="-421569"/>
+            <a:ext cx="10364451" cy="1596177"/>
+          </a:xfrm>
+        </p:spPr>
+        <p:txBody>
+          <a:bodyPr/>
+          <a:lstStyle/>
+          <a:p>
+            <a:r>
+              <a:rPr lang="en-US" dirty="0" smtClean="0"/>
+              <a:t>PRODUCT INTRODUCTION</a:t>
+            </a:r>
+            <a:endParaRPr lang="en-US" dirty="0"/>
+          </a:p>
+        </p:txBody>
+      </p:sp>
+      <p:pic>
+        <p:nvPicPr>
+          <p:cNvPr id="11" name="Picture 10"/>
+          <p:cNvPicPr>
+            <a:picLocks noChangeAspect="1"/>
+          </p:cNvPicPr>
+          <p:nvPr/>
+        </p:nvPicPr>
+        <p:blipFill>
+          <a:blip r:embed="rId3"/>
+          <a:stretch>
+            <a:fillRect/>
+          </a:stretch>
+        </p:blipFill>
+        <p:spPr>
+          <a:xfrm>
+            <a:off x="6226629" y="2698806"/>
+            <a:ext cx="6008914" cy="3912256"/>
+          </a:xfrm>
+          <a:prstGeom prst="rect">
+            <a:avLst/>
+          </a:prstGeom>
+        </p:spPr>
+      </p:pic>
+      <p:sp>
+        <p:nvSpPr>
+          <p:cNvPr id="12" name="TextBox 11"/>
+          <p:cNvSpPr txBox="1"/>
+          <p:nvPr/>
+        </p:nvSpPr>
+        <p:spPr>
+          <a:xfrm>
+            <a:off x="5050971" y="1752040"/>
+            <a:ext cx="2261901" cy="584775"/>
+          </a:xfrm>
+          <a:prstGeom prst="rect">
+            <a:avLst/>
+          </a:prstGeom>
+          <a:noFill/>
+        </p:spPr>
+        <p:txBody>
+          <a:bodyPr wrap="none" rtlCol="0">
+            <a:spAutoFit/>
+          </a:bodyPr>
+          <a:lstStyle/>
+          <a:p>
+            <a:r>
+              <a:rPr lang="en-US" sz="3200" dirty="0" smtClean="0"/>
+              <a:t>HOME PAGE</a:t>
+            </a:r>
+            <a:endParaRPr lang="en-US" sz="3200" dirty="0"/>
+          </a:p>
+        </p:txBody>
+      </p:sp>
     </p:spTree>
     <p:extLst>
       <p:ext uri="{BB962C8B-B14F-4D97-AF65-F5344CB8AC3E}">
-        <p14:creationId xmlns:p14="http://schemas.microsoft.com/office/powerpoint/2010/main" val="2990122409"/>
+        <p14:creationId xmlns:p14="http://schemas.microsoft.com/office/powerpoint/2010/main" val="3756268025"/>
       </p:ext>
     </p:extLst>
   </p:cSld>
@@ -8913,8 +11700,8 @@
         </p:nvSpPr>
         <p:spPr>
           <a:xfrm>
-            <a:off x="5372942" y="1102229"/>
-            <a:ext cx="1547218" cy="584775"/>
+            <a:off x="5050971" y="1752040"/>
+            <a:ext cx="1636987" cy="584775"/>
           </a:xfrm>
           <a:prstGeom prst="rect">
             <a:avLst/>
@@ -8929,7 +11716,7 @@
           <a:p>
             <a:r>
               <a:rPr lang="en-US" sz="3200" dirty="0" smtClean="0"/>
-              <a:t>SIGN IN</a:t>
+              <a:t>SIGN UP</a:t>
             </a:r>
             <a:endParaRPr lang="en-US" sz="3200" dirty="0"/>
           </a:p>
@@ -8951,8 +11738,8 @@
         </p:blipFill>
         <p:spPr>
           <a:xfrm>
-            <a:off x="3531993" y="2199401"/>
-            <a:ext cx="4942305" cy="3853565"/>
+            <a:off x="1628831" y="2798132"/>
+            <a:ext cx="8818219" cy="2068967"/>
           </a:xfrm>
           <a:prstGeom prst="rect">
             <a:avLst/>
@@ -8962,7 +11749,7 @@
     </p:spTree>
     <p:extLst>
       <p:ext uri="{BB962C8B-B14F-4D97-AF65-F5344CB8AC3E}">
-        <p14:creationId xmlns:p14="http://schemas.microsoft.com/office/powerpoint/2010/main" val="1897909765"/>
+        <p14:creationId xmlns:p14="http://schemas.microsoft.com/office/powerpoint/2010/main" val="2990122409"/>
       </p:ext>
     </p:extLst>
   </p:cSld>
@@ -9044,8 +11831,8 @@
         </p:nvSpPr>
         <p:spPr>
           <a:xfrm>
-            <a:off x="4337562" y="882220"/>
-            <a:ext cx="4044697" cy="584775"/>
+            <a:off x="5372942" y="1102229"/>
+            <a:ext cx="1547218" cy="584775"/>
           </a:xfrm>
           <a:prstGeom prst="rect">
             <a:avLst/>
@@ -9060,53 +11847,15 @@
           <a:p>
             <a:r>
               <a:rPr lang="en-US" sz="3200" dirty="0" smtClean="0"/>
-              <a:t>MUTILPLE-CHOICE TEST</a:t>
+              <a:t>SIGN IN</a:t>
             </a:r>
             <a:endParaRPr lang="en-US" sz="3200" dirty="0"/>
-          </a:p>
-        </p:txBody>
-      </p:sp>
-      <p:sp>
-        <p:nvSpPr>
-          <p:cNvPr id="4" name="TextBox 3"/>
-          <p:cNvSpPr txBox="1"/>
-          <p:nvPr/>
-        </p:nvSpPr>
-        <p:spPr>
-          <a:xfrm>
-            <a:off x="2919451" y="5466136"/>
-            <a:ext cx="6880917" cy="461665"/>
-          </a:xfrm>
-          <a:prstGeom prst="rect">
-            <a:avLst/>
-          </a:prstGeom>
-          <a:noFill/>
-        </p:spPr>
-        <p:txBody>
-          <a:bodyPr wrap="square" rtlCol="0">
-            <a:spAutoFit/>
-          </a:bodyPr>
-          <a:lstStyle/>
-          <a:p>
-            <a:r>
-              <a:rPr lang="en-US" sz="2400" dirty="0" smtClean="0"/>
-              <a:t>PS: Questions only for </a:t>
-            </a:r>
-            <a:r>
-              <a:rPr lang="en-US" sz="2400" dirty="0"/>
-              <a:t>illustrative </a:t>
-            </a:r>
-            <a:r>
-              <a:rPr lang="en-US" sz="2400" dirty="0" smtClean="0"/>
-              <a:t>purposes</a:t>
-            </a:r>
-            <a:endParaRPr lang="en-US" sz="2400" dirty="0"/>
           </a:p>
         </p:txBody>
       </p:sp>
       <p:pic>
         <p:nvPicPr>
-          <p:cNvPr id="7" name="Picture 6"/>
+          <p:cNvPr id="2" name="Picture 1"/>
           <p:cNvPicPr>
             <a:picLocks noChangeAspect="1"/>
           </p:cNvPicPr>
@@ -9120,8 +11869,8 @@
         </p:blipFill>
         <p:spPr>
           <a:xfrm>
-            <a:off x="2515819" y="1999497"/>
-            <a:ext cx="7688179" cy="2934136"/>
+            <a:off x="3531993" y="2199401"/>
+            <a:ext cx="4942305" cy="3853565"/>
           </a:xfrm>
           <a:prstGeom prst="rect">
             <a:avLst/>
@@ -9131,7 +11880,7 @@
     </p:spTree>
     <p:extLst>
       <p:ext uri="{BB962C8B-B14F-4D97-AF65-F5344CB8AC3E}">
-        <p14:creationId xmlns:p14="http://schemas.microsoft.com/office/powerpoint/2010/main" val="1476888737"/>
+        <p14:creationId xmlns:p14="http://schemas.microsoft.com/office/powerpoint/2010/main" val="1897909765"/>
       </p:ext>
     </p:extLst>
   </p:cSld>
@@ -9189,8 +11938,8 @@
         </p:nvSpPr>
         <p:spPr>
           <a:xfrm>
-            <a:off x="685164" y="34911"/>
-            <a:ext cx="10364451" cy="795855"/>
+            <a:off x="855716" y="-421569"/>
+            <a:ext cx="10364451" cy="1596177"/>
           </a:xfrm>
         </p:spPr>
         <p:txBody>
@@ -9213,8 +11962,8 @@
         </p:nvSpPr>
         <p:spPr>
           <a:xfrm>
-            <a:off x="685164" y="918048"/>
-            <a:ext cx="5509842" cy="461665"/>
+            <a:off x="4337562" y="882220"/>
+            <a:ext cx="4044697" cy="584775"/>
           </a:xfrm>
           <a:prstGeom prst="rect">
             <a:avLst/>
@@ -9228,16 +11977,46 @@
           <a:lstStyle/>
           <a:p>
             <a:r>
-              <a:rPr lang="en-US" sz="2400" dirty="0" smtClean="0">
-                <a:hlinkClick r:id="rId2" action="ppaction://hlinkfile"/>
-              </a:rPr>
-              <a:t>Click </a:t>
-            </a:r>
-            <a:r>
-              <a:rPr lang="en-US" sz="2400" dirty="0" smtClean="0">
-                <a:hlinkClick r:id="rId2" action="ppaction://hlinkfile"/>
-              </a:rPr>
-              <a:t>here for print-friendly version</a:t>
+              <a:rPr lang="en-US" sz="3200" dirty="0" smtClean="0"/>
+              <a:t>MUTILPLE-CHOICE TEST</a:t>
+            </a:r>
+            <a:endParaRPr lang="en-US" sz="3200" dirty="0"/>
+          </a:p>
+        </p:txBody>
+      </p:sp>
+      <p:sp>
+        <p:nvSpPr>
+          <p:cNvPr id="4" name="TextBox 3"/>
+          <p:cNvSpPr txBox="1"/>
+          <p:nvPr/>
+        </p:nvSpPr>
+        <p:spPr>
+          <a:xfrm>
+            <a:off x="3567448" y="4713101"/>
+            <a:ext cx="5332614" cy="461665"/>
+          </a:xfrm>
+          <a:prstGeom prst="rect">
+            <a:avLst/>
+          </a:prstGeom>
+          <a:noFill/>
+        </p:spPr>
+        <p:txBody>
+          <a:bodyPr wrap="none" rtlCol="0">
+            <a:spAutoFit/>
+          </a:bodyPr>
+          <a:lstStyle/>
+          <a:p>
+            <a:r>
+              <a:rPr lang="en-US" sz="2400" dirty="0" smtClean="0"/>
+              <a:t>PS: Questions only for </a:t>
+            </a:r>
+            <a:r>
+              <a:rPr lang="en-US" sz="2400" dirty="0"/>
+              <a:t>illustrative </a:t>
+            </a:r>
+            <a:r>
+              <a:rPr lang="en-US" sz="2400" dirty="0" smtClean="0"/>
+              <a:t>purposes</a:t>
             </a:r>
             <a:endParaRPr lang="en-US" sz="2400" dirty="0"/>
           </a:p>
@@ -9245,22 +12024,22 @@
       </p:sp>
       <p:pic>
         <p:nvPicPr>
-          <p:cNvPr id="2" name="Picture 1"/>
+          <p:cNvPr id="7" name="Picture 6"/>
           <p:cNvPicPr>
             <a:picLocks noChangeAspect="1"/>
           </p:cNvPicPr>
           <p:nvPr/>
         </p:nvPicPr>
         <p:blipFill>
-          <a:blip r:embed="rId3"/>
+          <a:blip r:embed="rId2"/>
           <a:stretch>
             <a:fillRect/>
           </a:stretch>
         </p:blipFill>
         <p:spPr>
           <a:xfrm>
-            <a:off x="401373" y="1466995"/>
-            <a:ext cx="10932035" cy="5066885"/>
+            <a:off x="2515822" y="1610259"/>
+            <a:ext cx="7688179" cy="2934136"/>
           </a:xfrm>
           <a:prstGeom prst="rect">
             <a:avLst/>
@@ -9270,7 +12049,7 @@
     </p:spTree>
     <p:extLst>
       <p:ext uri="{BB962C8B-B14F-4D97-AF65-F5344CB8AC3E}">
-        <p14:creationId xmlns:p14="http://schemas.microsoft.com/office/powerpoint/2010/main" val="2851297162"/>
+        <p14:creationId xmlns:p14="http://schemas.microsoft.com/office/powerpoint/2010/main" val="1476888737"/>
       </p:ext>
     </p:extLst>
   </p:cSld>
@@ -9561,4 +12340,265 @@
     </a:ext>
   </a:extLst>
 </a:theme>
+</file>
+
+<file path=ppt/theme/theme2.xml><?xml version="1.0" encoding="utf-8"?>
+<a:theme xmlns:a="http://schemas.openxmlformats.org/drawingml/2006/main" name="Office Theme">
+  <a:themeElements>
+    <a:clrScheme name="Office">
+      <a:dk1>
+        <a:sysClr val="windowText" lastClr="000000"/>
+      </a:dk1>
+      <a:lt1>
+        <a:sysClr val="window" lastClr="FFFFFF"/>
+      </a:lt1>
+      <a:dk2>
+        <a:srgbClr val="44546A"/>
+      </a:dk2>
+      <a:lt2>
+        <a:srgbClr val="E7E6E6"/>
+      </a:lt2>
+      <a:accent1>
+        <a:srgbClr val="5B9BD5"/>
+      </a:accent1>
+      <a:accent2>
+        <a:srgbClr val="ED7D31"/>
+      </a:accent2>
+      <a:accent3>
+        <a:srgbClr val="A5A5A5"/>
+      </a:accent3>
+      <a:accent4>
+        <a:srgbClr val="FFC000"/>
+      </a:accent4>
+      <a:accent5>
+        <a:srgbClr val="4472C4"/>
+      </a:accent5>
+      <a:accent6>
+        <a:srgbClr val="70AD47"/>
+      </a:accent6>
+      <a:hlink>
+        <a:srgbClr val="0563C1"/>
+      </a:hlink>
+      <a:folHlink>
+        <a:srgbClr val="954F72"/>
+      </a:folHlink>
+    </a:clrScheme>
+    <a:fontScheme name="Office">
+      <a:majorFont>
+        <a:latin typeface="Calibri Light" panose="020F0302020204030204"/>
+        <a:ea typeface=""/>
+        <a:cs typeface=""/>
+        <a:font script="Jpan" typeface="ＭＳ Ｐゴシック"/>
+        <a:font script="Hang" typeface="맑은 고딕"/>
+        <a:font script="Hans" typeface="宋体"/>
+        <a:font script="Hant" typeface="新細明體"/>
+        <a:font script="Arab" typeface="Times New Roman"/>
+        <a:font script="Hebr" typeface="Times New Roman"/>
+        <a:font script="Thai" typeface="Angsana New"/>
+        <a:font script="Ethi" typeface="Nyala"/>
+        <a:font script="Beng" typeface="Vrinda"/>
+        <a:font script="Gujr" typeface="Shruti"/>
+        <a:font script="Khmr" typeface="MoolBoran"/>
+        <a:font script="Knda" typeface="Tunga"/>
+        <a:font script="Guru" typeface="Raavi"/>
+        <a:font script="Cans" typeface="Euphemia"/>
+        <a:font script="Cher" typeface="Plantagenet Cherokee"/>
+        <a:font script="Yiii" typeface="Microsoft Yi Baiti"/>
+        <a:font script="Tibt" typeface="Microsoft Himalaya"/>
+        <a:font script="Thaa" typeface="MV Boli"/>
+        <a:font script="Deva" typeface="Mangal"/>
+        <a:font script="Telu" typeface="Gautami"/>
+        <a:font script="Taml" typeface="Latha"/>
+        <a:font script="Syrc" typeface="Estrangelo Edessa"/>
+        <a:font script="Orya" typeface="Kalinga"/>
+        <a:font script="Mlym" typeface="Kartika"/>
+        <a:font script="Laoo" typeface="DokChampa"/>
+        <a:font script="Sinh" typeface="Iskoola Pota"/>
+        <a:font script="Mong" typeface="Mongolian Baiti"/>
+        <a:font script="Viet" typeface="Times New Roman"/>
+        <a:font script="Uigh" typeface="Microsoft Uighur"/>
+        <a:font script="Geor" typeface="Sylfaen"/>
+      </a:majorFont>
+      <a:minorFont>
+        <a:latin typeface="Calibri" panose="020F0502020204030204"/>
+        <a:ea typeface=""/>
+        <a:cs typeface=""/>
+        <a:font script="Jpan" typeface="ＭＳ Ｐゴシック"/>
+        <a:font script="Hang" typeface="맑은 고딕"/>
+        <a:font script="Hans" typeface="宋体"/>
+        <a:font script="Hant" typeface="新細明體"/>
+        <a:font script="Arab" typeface="Arial"/>
+        <a:font script="Hebr" typeface="Arial"/>
+        <a:font script="Thai" typeface="Cordia New"/>
+        <a:font script="Ethi" typeface="Nyala"/>
+        <a:font script="Beng" typeface="Vrinda"/>
+        <a:font script="Gujr" typeface="Shruti"/>
+        <a:font script="Khmr" typeface="DaunPenh"/>
+        <a:font script="Knda" typeface="Tunga"/>
+        <a:font script="Guru" typeface="Raavi"/>
+        <a:font script="Cans" typeface="Euphemia"/>
+        <a:font script="Cher" typeface="Plantagenet Cherokee"/>
+        <a:font script="Yiii" typeface="Microsoft Yi Baiti"/>
+        <a:font script="Tibt" typeface="Microsoft Himalaya"/>
+        <a:font script="Thaa" typeface="MV Boli"/>
+        <a:font script="Deva" typeface="Mangal"/>
+        <a:font script="Telu" typeface="Gautami"/>
+        <a:font script="Taml" typeface="Latha"/>
+        <a:font script="Syrc" typeface="Estrangelo Edessa"/>
+        <a:font script="Orya" typeface="Kalinga"/>
+        <a:font script="Mlym" typeface="Kartika"/>
+        <a:font script="Laoo" typeface="DokChampa"/>
+        <a:font script="Sinh" typeface="Iskoola Pota"/>
+        <a:font script="Mong" typeface="Mongolian Baiti"/>
+        <a:font script="Viet" typeface="Arial"/>
+        <a:font script="Uigh" typeface="Microsoft Uighur"/>
+        <a:font script="Geor" typeface="Sylfaen"/>
+      </a:minorFont>
+    </a:fontScheme>
+    <a:fmtScheme name="Office">
+      <a:fillStyleLst>
+        <a:solidFill>
+          <a:schemeClr val="phClr"/>
+        </a:solidFill>
+        <a:gradFill rotWithShape="1">
+          <a:gsLst>
+            <a:gs pos="0">
+              <a:schemeClr val="phClr">
+                <a:lumMod val="110000"/>
+                <a:satMod val="105000"/>
+                <a:tint val="67000"/>
+              </a:schemeClr>
+            </a:gs>
+            <a:gs pos="50000">
+              <a:schemeClr val="phClr">
+                <a:lumMod val="105000"/>
+                <a:satMod val="103000"/>
+                <a:tint val="73000"/>
+              </a:schemeClr>
+            </a:gs>
+            <a:gs pos="100000">
+              <a:schemeClr val="phClr">
+                <a:lumMod val="105000"/>
+                <a:satMod val="109000"/>
+                <a:tint val="81000"/>
+              </a:schemeClr>
+            </a:gs>
+          </a:gsLst>
+          <a:lin ang="5400000" scaled="0"/>
+        </a:gradFill>
+        <a:gradFill rotWithShape="1">
+          <a:gsLst>
+            <a:gs pos="0">
+              <a:schemeClr val="phClr">
+                <a:satMod val="103000"/>
+                <a:lumMod val="102000"/>
+                <a:tint val="94000"/>
+              </a:schemeClr>
+            </a:gs>
+            <a:gs pos="50000">
+              <a:schemeClr val="phClr">
+                <a:satMod val="110000"/>
+                <a:lumMod val="100000"/>
+                <a:shade val="100000"/>
+              </a:schemeClr>
+            </a:gs>
+            <a:gs pos="100000">
+              <a:schemeClr val="phClr">
+                <a:lumMod val="99000"/>
+                <a:satMod val="120000"/>
+                <a:shade val="78000"/>
+              </a:schemeClr>
+            </a:gs>
+          </a:gsLst>
+          <a:lin ang="5400000" scaled="0"/>
+        </a:gradFill>
+      </a:fillStyleLst>
+      <a:lnStyleLst>
+        <a:ln w="6350" cap="flat" cmpd="sng" algn="ctr">
+          <a:solidFill>
+            <a:schemeClr val="phClr"/>
+          </a:solidFill>
+          <a:prstDash val="solid"/>
+          <a:miter lim="800000"/>
+        </a:ln>
+        <a:ln w="12700" cap="flat" cmpd="sng" algn="ctr">
+          <a:solidFill>
+            <a:schemeClr val="phClr"/>
+          </a:solidFill>
+          <a:prstDash val="solid"/>
+          <a:miter lim="800000"/>
+        </a:ln>
+        <a:ln w="19050" cap="flat" cmpd="sng" algn="ctr">
+          <a:solidFill>
+            <a:schemeClr val="phClr"/>
+          </a:solidFill>
+          <a:prstDash val="solid"/>
+          <a:miter lim="800000"/>
+        </a:ln>
+      </a:lnStyleLst>
+      <a:effectStyleLst>
+        <a:effectStyle>
+          <a:effectLst/>
+        </a:effectStyle>
+        <a:effectStyle>
+          <a:effectLst/>
+        </a:effectStyle>
+        <a:effectStyle>
+          <a:effectLst>
+            <a:outerShdw blurRad="57150" dist="19050" dir="5400000" algn="ctr" rotWithShape="0">
+              <a:srgbClr val="000000">
+                <a:alpha val="63000"/>
+              </a:srgbClr>
+            </a:outerShdw>
+          </a:effectLst>
+        </a:effectStyle>
+      </a:effectStyleLst>
+      <a:bgFillStyleLst>
+        <a:solidFill>
+          <a:schemeClr val="phClr"/>
+        </a:solidFill>
+        <a:solidFill>
+          <a:schemeClr val="phClr">
+            <a:tint val="95000"/>
+            <a:satMod val="170000"/>
+          </a:schemeClr>
+        </a:solidFill>
+        <a:gradFill rotWithShape="1">
+          <a:gsLst>
+            <a:gs pos="0">
+              <a:schemeClr val="phClr">
+                <a:tint val="93000"/>
+                <a:satMod val="150000"/>
+                <a:shade val="98000"/>
+                <a:lumMod val="102000"/>
+              </a:schemeClr>
+            </a:gs>
+            <a:gs pos="50000">
+              <a:schemeClr val="phClr">
+                <a:tint val="98000"/>
+                <a:satMod val="130000"/>
+                <a:shade val="90000"/>
+                <a:lumMod val="103000"/>
+              </a:schemeClr>
+            </a:gs>
+            <a:gs pos="100000">
+              <a:schemeClr val="phClr">
+                <a:shade val="63000"/>
+                <a:satMod val="120000"/>
+              </a:schemeClr>
+            </a:gs>
+          </a:gsLst>
+          <a:lin ang="5400000" scaled="0"/>
+        </a:gradFill>
+      </a:bgFillStyleLst>
+    </a:fmtScheme>
+  </a:themeElements>
+  <a:objectDefaults/>
+  <a:extraClrSchemeLst/>
+  <a:extLst>
+    <a:ext uri="{05A4C25C-085E-4340-85A3-A5531E510DB2}">
+      <thm15:themeFamily xmlns:thm15="http://schemas.microsoft.com/office/thememl/2012/main" name="Office Theme" id="{62F939B6-93AF-4DB8-9C6B-D6C7DFDC589F}" vid="{4A3C46E8-61CC-4603-A589-7422A47A8E4A}"/>
+    </a:ext>
+  </a:extLst>
+</a:theme>
 </file>